--- a/Presentations/BCO_DMO.pptx
+++ b/Presentations/BCO_DMO.pptx
@@ -5,10 +5,10 @@
     <p:sldMasterId id="2147483686" r:id="rId1"/>
   </p:sldMasterIdLst>
   <p:notesMasterIdLst>
-    <p:notesMasterId r:id="rId25"/>
+    <p:notesMasterId r:id="rId26"/>
   </p:notesMasterIdLst>
   <p:handoutMasterIdLst>
-    <p:handoutMasterId r:id="rId26"/>
+    <p:handoutMasterId r:id="rId27"/>
   </p:handoutMasterIdLst>
   <p:sldIdLst>
     <p:sldId id="288" r:id="rId2"/>
@@ -24,16 +24,17 @@
     <p:sldId id="467" r:id="rId12"/>
     <p:sldId id="471" r:id="rId13"/>
     <p:sldId id="472" r:id="rId14"/>
-    <p:sldId id="468" r:id="rId15"/>
-    <p:sldId id="444" r:id="rId16"/>
-    <p:sldId id="438" r:id="rId17"/>
-    <p:sldId id="439" r:id="rId18"/>
-    <p:sldId id="443" r:id="rId19"/>
-    <p:sldId id="451" r:id="rId20"/>
-    <p:sldId id="450" r:id="rId21"/>
-    <p:sldId id="436" r:id="rId22"/>
-    <p:sldId id="455" r:id="rId23"/>
-    <p:sldId id="456" r:id="rId24"/>
+    <p:sldId id="473" r:id="rId15"/>
+    <p:sldId id="468" r:id="rId16"/>
+    <p:sldId id="444" r:id="rId17"/>
+    <p:sldId id="438" r:id="rId18"/>
+    <p:sldId id="439" r:id="rId19"/>
+    <p:sldId id="443" r:id="rId20"/>
+    <p:sldId id="451" r:id="rId21"/>
+    <p:sldId id="450" r:id="rId22"/>
+    <p:sldId id="436" r:id="rId23"/>
+    <p:sldId id="455" r:id="rId24"/>
+    <p:sldId id="456" r:id="rId25"/>
   </p:sldIdLst>
   <p:sldSz cx="9144000" cy="6858000" type="screen4x3"/>
   <p:notesSz cx="6858000" cy="9144000"/>
@@ -164,7 +165,7 @@
   </p:defaultTextStyle>
   <p:extLst>
     <p:ext uri="{EFAFB233-063F-42B5-8137-9DF3F51BA10A}">
-      <p15:sldGuideLst xmlns:p15="http://schemas.microsoft.com/office/powerpoint/2012/main">
+      <p15:sldGuideLst xmlns:p15="http://schemas.microsoft.com/office/powerpoint/2012/main" xmlns="">
         <p15:guide id="1" orient="horz" pos="2160">
           <p15:clr>
             <a:srgbClr val="A4A3A4"/>
@@ -184,32 +185,16 @@
 <file path=ppt/commentAuthors.xml><?xml version="1.0" encoding="utf-8"?>
 <p:cmAuthorLst xmlns:a="http://schemas.openxmlformats.org/drawingml/2006/main" xmlns:r="http://schemas.openxmlformats.org/officeDocument/2006/relationships" xmlns:p="http://schemas.openxmlformats.org/presentationml/2006/main">
   <p:cmAuthor id="1" name="Sean Gordon" initials="SG" lastIdx="1" clrIdx="0">
-    <p:extLst>
-      <p:ext uri="{19B8F6BF-5375-455C-9EA6-DF929625EA0E}">
-        <p15:presenceInfo xmlns:p15="http://schemas.microsoft.com/office/powerpoint/2012/main" userId="" providerId=""/>
-      </p:ext>
-    </p:extLst>
+    <p:extLst/>
   </p:cmAuthor>
   <p:cmAuthor id="2" name="Sean Gordon" initials="SG [2]" lastIdx="1" clrIdx="1">
-    <p:extLst>
-      <p:ext uri="{19B8F6BF-5375-455C-9EA6-DF929625EA0E}">
-        <p15:presenceInfo xmlns:p15="http://schemas.microsoft.com/office/powerpoint/2012/main" userId="" providerId=""/>
-      </p:ext>
-    </p:extLst>
+    <p:extLst/>
   </p:cmAuthor>
   <p:cmAuthor id="3" name="Sean Gordon" initials="SG [3]" lastIdx="1" clrIdx="2">
-    <p:extLst>
-      <p:ext uri="{19B8F6BF-5375-455C-9EA6-DF929625EA0E}">
-        <p15:presenceInfo xmlns:p15="http://schemas.microsoft.com/office/powerpoint/2012/main" userId="" providerId=""/>
-      </p:ext>
-    </p:extLst>
+    <p:extLst/>
   </p:cmAuthor>
   <p:cmAuthor id="4" name="Sean Gordon" initials="SG [4]" lastIdx="1" clrIdx="3">
-    <p:extLst>
-      <p:ext uri="{19B8F6BF-5375-455C-9EA6-DF929625EA0E}">
-        <p15:presenceInfo xmlns:p15="http://schemas.microsoft.com/office/powerpoint/2012/main" userId="" providerId=""/>
-      </p:ext>
-    </p:extLst>
+    <p:extLst/>
   </p:cmAuthor>
 </p:cmAuthorLst>
 </file>
@@ -480,12 +465,13 @@
           <c:showPercent val="0"/>
           <c:showBubbleSize val="0"/>
         </c:dLbls>
+        <c:marker val="1"/>
         <c:smooth val="0"/>
-        <c:axId val="252509712"/>
-        <c:axId val="252511488"/>
+        <c:axId val="-2068563016"/>
+        <c:axId val="-2078628952"/>
       </c:lineChart>
       <c:catAx>
-        <c:axId val="252509712"/>
+        <c:axId val="-2068563016"/>
         <c:scaling>
           <c:orientation val="minMax"/>
         </c:scaling>
@@ -528,7 +514,7 @@
             <a:endParaRPr lang="en-US"/>
           </a:p>
         </c:txPr>
-        <c:crossAx val="252511488"/>
+        <c:crossAx val="-2078628952"/>
         <c:crosses val="autoZero"/>
         <c:auto val="1"/>
         <c:lblAlgn val="ctr"/>
@@ -536,7 +522,7 @@
         <c:noMultiLvlLbl val="0"/>
       </c:catAx>
       <c:valAx>
-        <c:axId val="252511488"/>
+        <c:axId val="-2078628952"/>
         <c:scaling>
           <c:orientation val="minMax"/>
         </c:scaling>
@@ -573,7 +559,7 @@
             <a:endParaRPr lang="en-US"/>
           </a:p>
         </c:txPr>
-        <c:crossAx val="252509712"/>
+        <c:crossAx val="-2068563016"/>
         <c:crosses val="autoZero"/>
         <c:crossBetween val="between"/>
       </c:valAx>
@@ -587,6 +573,7 @@
     </c:plotArea>
     <c:legend>
       <c:legendPos val="b"/>
+      <c:layout/>
       <c:overlay val="0"/>
       <c:spPr>
         <a:noFill/>
@@ -637,7 +624,7 @@
       <a:endParaRPr lang="en-US"/>
     </a:p>
   </c:txPr>
-  <c:externalData r:id="rId3">
+  <c:externalData r:id="rId1">
     <c:autoUpdate val="0"/>
   </c:externalData>
 </c:chartSpace>
@@ -792,7 +779,7 @@
                   <c:v>2 1 3 0 2</c:v>
                 </c:pt>
               </c:strCache>
-              <c:extLst xmlns:c15="http://schemas.microsoft.com/office/drawing/2012/chart" xmlns:c16="http://schemas.microsoft.com/office/drawing/2014/chart" xmlns:c16r2="http://schemas.microsoft.com/office/drawing/2015/06/chart"/>
+              <c:extLst xmlns:c16r2="http://schemas.microsoft.com/office/drawing/2015/06/chart" xmlns:c16="http://schemas.microsoft.com/office/drawing/2014/chart" xmlns:c15="http://schemas.microsoft.com/office/drawing/2012/chart"/>
             </c:strRef>
           </c:cat>
           <c:val>
@@ -852,11 +839,11 @@
           <c:showBubbleSize val="0"/>
         </c:dLbls>
         <c:gapWidth val="22"/>
-        <c:axId val="252513808"/>
-        <c:axId val="252516128"/>
+        <c:axId val="-2079900408"/>
+        <c:axId val="-2016428648"/>
       </c:barChart>
       <c:catAx>
-        <c:axId val="252513808"/>
+        <c:axId val="-2079900408"/>
         <c:scaling>
           <c:orientation val="minMax"/>
         </c:scaling>
@@ -899,7 +886,7 @@
             <a:endParaRPr lang="en-US"/>
           </a:p>
         </c:txPr>
-        <c:crossAx val="252516128"/>
+        <c:crossAx val="-2016428648"/>
         <c:crosses val="autoZero"/>
         <c:auto val="1"/>
         <c:lblAlgn val="ctr"/>
@@ -907,7 +894,7 @@
         <c:noMultiLvlLbl val="0"/>
       </c:catAx>
       <c:valAx>
-        <c:axId val="252516128"/>
+        <c:axId val="-2016428648"/>
         <c:scaling>
           <c:orientation val="minMax"/>
         </c:scaling>
@@ -917,7 +904,7 @@
         <c:majorTickMark val="none"/>
         <c:minorTickMark val="none"/>
         <c:tickLblPos val="nextTo"/>
-        <c:crossAx val="252513808"/>
+        <c:crossAx val="-2079900408"/>
         <c:crosses val="autoZero"/>
         <c:crossBetween val="between"/>
       </c:valAx>
@@ -950,7 +937,7 @@
       <a:endParaRPr lang="en-US"/>
     </a:p>
   </c:txPr>
-  <c:externalData r:id="rId3">
+  <c:externalData r:id="rId1">
     <c:autoUpdate val="0"/>
   </c:externalData>
 </c:chartSpace>
@@ -2191,7 +2178,7 @@
               <a:pPr>
                 <a:defRPr/>
               </a:pPr>
-              <a:t>10/19/16</a:t>
+              <a:t>10/20/16</a:t>
             </a:fld>
             <a:endParaRPr lang="en-US" altLang="en-US"/>
           </a:p>
@@ -2403,7 +2390,7 @@
               <a:pPr>
                 <a:defRPr/>
               </a:pPr>
-              <a:t>10/19/16</a:t>
+              <a:t>10/20/16</a:t>
             </a:fld>
             <a:endParaRPr lang="en-US" altLang="en-US"/>
           </a:p>
@@ -2759,14 +2746,14 @@
           <a:noFill/>
           <a:extLst>
             <a:ext uri="{909E8E84-426E-40dd-AFC4-6F175D3DCCD1}">
-              <a14:hiddenFill xmlns:a14="http://schemas.microsoft.com/office/drawing/2010/main" xmlns="">
+              <a14:hiddenFill xmlns:a14="http://schemas.microsoft.com/office/drawing/2010/main">
                 <a:solidFill>
                   <a:srgbClr val="FFFFFF"/>
                 </a:solidFill>
               </a14:hiddenFill>
             </a:ext>
             <a:ext uri="{91240B29-F687-4f45-9708-019B960494DF}">
-              <a14:hiddenLine xmlns:a14="http://schemas.microsoft.com/office/drawing/2010/main" xmlns="" w="9525">
+              <a14:hiddenLine xmlns:a14="http://schemas.microsoft.com/office/drawing/2010/main" w="9525">
                 <a:solidFill>
                   <a:srgbClr val="000000"/>
                 </a:solidFill>
@@ -2925,15 +2912,15 @@
             <a:tailEnd/>
           </a:ln>
           <a:extLst>
+            <a:ext uri="{909E8E84-426E-40dd-AFC4-6F175D3DCCD1}">
+              <a14:hiddenFill xmlns:a14="http://schemas.microsoft.com/office/drawing/2010/main">
+                <a:solidFill>
+                  <a:srgbClr val="FFFFFF"/>
+                </a:solidFill>
+              </a14:hiddenFill>
+            </a:ext>
             <a:ext uri="{FAA26D3D-D897-4be2-8F04-BA451C77F1D7}">
               <ma14:placeholderFlag xmlns:ma14="http://schemas.microsoft.com/office/mac/drawingml/2011/main" val="1"/>
-            </a:ext>
-            <a:ext uri="{909E8E84-426E-40dd-AFC4-6F175D3DCCD1}">
-              <a14:hiddenFill xmlns:a14="http://schemas.microsoft.com/office/drawing/2010/main" xmlns="">
-                <a:solidFill>
-                  <a:srgbClr val="FFFFFF"/>
-                </a:solidFill>
-              </a14:hiddenFill>
             </a:ext>
           </a:extLst>
         </p:spPr>
@@ -2955,18 +2942,15 @@
           </a:xfrm>
           <a:noFill/>
           <a:extLst>
-            <a:ext uri="{FAA26D3D-D897-4be2-8F04-BA451C77F1D7}">
-              <ma14:placeholderFlag xmlns:ma14="http://schemas.microsoft.com/office/mac/drawingml/2011/main" val="1"/>
-            </a:ext>
             <a:ext uri="{909E8E84-426E-40dd-AFC4-6F175D3DCCD1}">
-              <a14:hiddenFill xmlns:a14="http://schemas.microsoft.com/office/drawing/2010/main" xmlns="">
+              <a14:hiddenFill xmlns:a14="http://schemas.microsoft.com/office/drawing/2010/main">
                 <a:solidFill>
                   <a:srgbClr val="FFFFFF"/>
                 </a:solidFill>
               </a14:hiddenFill>
             </a:ext>
             <a:ext uri="{91240B29-F687-4f45-9708-019B960494DF}">
-              <a14:hiddenLine xmlns:a14="http://schemas.microsoft.com/office/drawing/2010/main" xmlns="" w="9525">
+              <a14:hiddenLine xmlns:a14="http://schemas.microsoft.com/office/drawing/2010/main" w="9525">
                 <a:solidFill>
                   <a:srgbClr val="000000"/>
                 </a:solidFill>
@@ -2974,6 +2958,9 @@
                 <a:headEnd/>
                 <a:tailEnd/>
               </a14:hiddenLine>
+            </a:ext>
+            <a:ext uri="{FAA26D3D-D897-4be2-8F04-BA451C77F1D7}">
+              <ma14:placeholderFlag xmlns:ma14="http://schemas.microsoft.com/office/mac/drawingml/2011/main" val="1"/>
             </a:ext>
           </a:extLst>
         </p:spPr>
@@ -3047,15 +3034,15 @@
             <a:tailEnd/>
           </a:ln>
           <a:extLst>
+            <a:ext uri="{909E8E84-426E-40dd-AFC4-6F175D3DCCD1}">
+              <a14:hiddenFill xmlns:a14="http://schemas.microsoft.com/office/drawing/2010/main">
+                <a:solidFill>
+                  <a:srgbClr val="FFFFFF"/>
+                </a:solidFill>
+              </a14:hiddenFill>
+            </a:ext>
             <a:ext uri="{FAA26D3D-D897-4be2-8F04-BA451C77F1D7}">
               <ma14:placeholderFlag xmlns:ma14="http://schemas.microsoft.com/office/mac/drawingml/2011/main" val="1"/>
-            </a:ext>
-            <a:ext uri="{909E8E84-426E-40dd-AFC4-6F175D3DCCD1}">
-              <a14:hiddenFill xmlns:a14="http://schemas.microsoft.com/office/drawing/2010/main" xmlns="">
-                <a:solidFill>
-                  <a:srgbClr val="FFFFFF"/>
-                </a:solidFill>
-              </a14:hiddenFill>
             </a:ext>
           </a:extLst>
         </p:spPr>
@@ -3073,18 +3060,15 @@
         <p:spPr bwMode="auto">
           <a:noFill/>
           <a:extLst>
-            <a:ext uri="{FAA26D3D-D897-4be2-8F04-BA451C77F1D7}">
-              <ma14:placeholderFlag xmlns:ma14="http://schemas.microsoft.com/office/mac/drawingml/2011/main" val="1"/>
-            </a:ext>
             <a:ext uri="{909E8E84-426E-40dd-AFC4-6F175D3DCCD1}">
-              <a14:hiddenFill xmlns:a14="http://schemas.microsoft.com/office/drawing/2010/main" xmlns="">
+              <a14:hiddenFill xmlns:a14="http://schemas.microsoft.com/office/drawing/2010/main">
                 <a:solidFill>
                   <a:srgbClr val="FFFFFF"/>
                 </a:solidFill>
               </a14:hiddenFill>
             </a:ext>
             <a:ext uri="{91240B29-F687-4f45-9708-019B960494DF}">
-              <a14:hiddenLine xmlns:a14="http://schemas.microsoft.com/office/drawing/2010/main" xmlns="" w="9525">
+              <a14:hiddenLine xmlns:a14="http://schemas.microsoft.com/office/drawing/2010/main" w="9525">
                 <a:solidFill>
                   <a:srgbClr val="000000"/>
                 </a:solidFill>
@@ -3092,6 +3076,9 @@
                 <a:headEnd/>
                 <a:tailEnd/>
               </a14:hiddenLine>
+            </a:ext>
+            <a:ext uri="{FAA26D3D-D897-4be2-8F04-BA451C77F1D7}">
+              <ma14:placeholderFlag xmlns:ma14="http://schemas.microsoft.com/office/mac/drawingml/2011/main" val="1"/>
             </a:ext>
           </a:extLst>
         </p:spPr>
@@ -3128,14 +3115,14 @@
           <a:noFill/>
           <a:extLst>
             <a:ext uri="{909E8E84-426E-40dd-AFC4-6F175D3DCCD1}">
-              <a14:hiddenFill xmlns:a14="http://schemas.microsoft.com/office/drawing/2010/main" xmlns="">
+              <a14:hiddenFill xmlns:a14="http://schemas.microsoft.com/office/drawing/2010/main">
                 <a:solidFill>
                   <a:srgbClr val="FFFFFF"/>
                 </a:solidFill>
               </a14:hiddenFill>
             </a:ext>
             <a:ext uri="{91240B29-F687-4f45-9708-019B960494DF}">
-              <a14:hiddenLine xmlns:a14="http://schemas.microsoft.com/office/drawing/2010/main" xmlns="" w="9525">
+              <a14:hiddenLine xmlns:a14="http://schemas.microsoft.com/office/drawing/2010/main" w="9525">
                 <a:solidFill>
                   <a:srgbClr val="000000"/>
                 </a:solidFill>
@@ -3320,15 +3307,15 @@
             <a:tailEnd/>
           </a:ln>
           <a:extLst>
+            <a:ext uri="{909E8E84-426E-40dd-AFC4-6F175D3DCCD1}">
+              <a14:hiddenFill xmlns:a14="http://schemas.microsoft.com/office/drawing/2010/main">
+                <a:solidFill>
+                  <a:srgbClr val="FFFFFF"/>
+                </a:solidFill>
+              </a14:hiddenFill>
+            </a:ext>
             <a:ext uri="{FAA26D3D-D897-4be2-8F04-BA451C77F1D7}">
               <ma14:placeholderFlag xmlns:ma14="http://schemas.microsoft.com/office/mac/drawingml/2011/main" val="1"/>
-            </a:ext>
-            <a:ext uri="{909E8E84-426E-40dd-AFC4-6F175D3DCCD1}">
-              <a14:hiddenFill xmlns:a14="http://schemas.microsoft.com/office/drawing/2010/main" xmlns="">
-                <a:solidFill>
-                  <a:srgbClr val="FFFFFF"/>
-                </a:solidFill>
-              </a14:hiddenFill>
             </a:ext>
           </a:extLst>
         </p:spPr>
@@ -3346,18 +3333,15 @@
         <p:spPr bwMode="auto">
           <a:noFill/>
           <a:extLst>
-            <a:ext uri="{FAA26D3D-D897-4be2-8F04-BA451C77F1D7}">
-              <ma14:placeholderFlag xmlns:ma14="http://schemas.microsoft.com/office/mac/drawingml/2011/main" val="1"/>
-            </a:ext>
             <a:ext uri="{909E8E84-426E-40dd-AFC4-6F175D3DCCD1}">
-              <a14:hiddenFill xmlns:a14="http://schemas.microsoft.com/office/drawing/2010/main" xmlns="">
+              <a14:hiddenFill xmlns:a14="http://schemas.microsoft.com/office/drawing/2010/main">
                 <a:solidFill>
                   <a:srgbClr val="FFFFFF"/>
                 </a:solidFill>
               </a14:hiddenFill>
             </a:ext>
             <a:ext uri="{91240B29-F687-4f45-9708-019B960494DF}">
-              <a14:hiddenLine xmlns:a14="http://schemas.microsoft.com/office/drawing/2010/main" xmlns="" w="9525">
+              <a14:hiddenLine xmlns:a14="http://schemas.microsoft.com/office/drawing/2010/main" w="9525">
                 <a:solidFill>
                   <a:srgbClr val="000000"/>
                 </a:solidFill>
@@ -3365,6 +3349,9 @@
                 <a:headEnd/>
                 <a:tailEnd/>
               </a14:hiddenLine>
+            </a:ext>
+            <a:ext uri="{FAA26D3D-D897-4be2-8F04-BA451C77F1D7}">
+              <ma14:placeholderFlag xmlns:ma14="http://schemas.microsoft.com/office/mac/drawingml/2011/main" val="1"/>
             </a:ext>
           </a:extLst>
         </p:spPr>
@@ -3401,14 +3388,14 @@
           <a:noFill/>
           <a:extLst>
             <a:ext uri="{909E8E84-426E-40dd-AFC4-6F175D3DCCD1}">
-              <a14:hiddenFill xmlns:a14="http://schemas.microsoft.com/office/drawing/2010/main" xmlns="">
+              <a14:hiddenFill xmlns:a14="http://schemas.microsoft.com/office/drawing/2010/main">
                 <a:solidFill>
                   <a:srgbClr val="FFFFFF"/>
                 </a:solidFill>
               </a14:hiddenFill>
             </a:ext>
             <a:ext uri="{91240B29-F687-4f45-9708-019B960494DF}">
-              <a14:hiddenLine xmlns:a14="http://schemas.microsoft.com/office/drawing/2010/main" xmlns="" w="9525">
+              <a14:hiddenLine xmlns:a14="http://schemas.microsoft.com/office/drawing/2010/main" w="9525">
                 <a:solidFill>
                   <a:srgbClr val="000000"/>
                 </a:solidFill>
@@ -3593,15 +3580,15 @@
             <a:tailEnd/>
           </a:ln>
           <a:extLst>
+            <a:ext uri="{909E8E84-426E-40dd-AFC4-6F175D3DCCD1}">
+              <a14:hiddenFill xmlns:a14="http://schemas.microsoft.com/office/drawing/2010/main">
+                <a:solidFill>
+                  <a:srgbClr val="FFFFFF"/>
+                </a:solidFill>
+              </a14:hiddenFill>
+            </a:ext>
             <a:ext uri="{FAA26D3D-D897-4be2-8F04-BA451C77F1D7}">
               <ma14:placeholderFlag xmlns:ma14="http://schemas.microsoft.com/office/mac/drawingml/2011/main" val="1"/>
-            </a:ext>
-            <a:ext uri="{909E8E84-426E-40dd-AFC4-6F175D3DCCD1}">
-              <a14:hiddenFill xmlns:a14="http://schemas.microsoft.com/office/drawing/2010/main" xmlns="">
-                <a:solidFill>
-                  <a:srgbClr val="FFFFFF"/>
-                </a:solidFill>
-              </a14:hiddenFill>
             </a:ext>
           </a:extLst>
         </p:spPr>
@@ -3619,18 +3606,15 @@
         <p:spPr bwMode="auto">
           <a:noFill/>
           <a:extLst>
-            <a:ext uri="{FAA26D3D-D897-4be2-8F04-BA451C77F1D7}">
-              <ma14:placeholderFlag xmlns:ma14="http://schemas.microsoft.com/office/mac/drawingml/2011/main" val="1"/>
-            </a:ext>
             <a:ext uri="{909E8E84-426E-40dd-AFC4-6F175D3DCCD1}">
-              <a14:hiddenFill xmlns:a14="http://schemas.microsoft.com/office/drawing/2010/main" xmlns="">
+              <a14:hiddenFill xmlns:a14="http://schemas.microsoft.com/office/drawing/2010/main">
                 <a:solidFill>
                   <a:srgbClr val="FFFFFF"/>
                 </a:solidFill>
               </a14:hiddenFill>
             </a:ext>
             <a:ext uri="{91240B29-F687-4f45-9708-019B960494DF}">
-              <a14:hiddenLine xmlns:a14="http://schemas.microsoft.com/office/drawing/2010/main" xmlns="" w="9525">
+              <a14:hiddenLine xmlns:a14="http://schemas.microsoft.com/office/drawing/2010/main" w="9525">
                 <a:solidFill>
                   <a:srgbClr val="000000"/>
                 </a:solidFill>
@@ -3638,6 +3622,9 @@
                 <a:headEnd/>
                 <a:tailEnd/>
               </a14:hiddenLine>
+            </a:ext>
+            <a:ext uri="{FAA26D3D-D897-4be2-8F04-BA451C77F1D7}">
+              <ma14:placeholderFlag xmlns:ma14="http://schemas.microsoft.com/office/mac/drawingml/2011/main" val="1"/>
             </a:ext>
           </a:extLst>
         </p:spPr>
@@ -3674,14 +3661,14 @@
           <a:noFill/>
           <a:extLst>
             <a:ext uri="{909E8E84-426E-40dd-AFC4-6F175D3DCCD1}">
-              <a14:hiddenFill xmlns:a14="http://schemas.microsoft.com/office/drawing/2010/main" xmlns="">
+              <a14:hiddenFill xmlns:a14="http://schemas.microsoft.com/office/drawing/2010/main">
                 <a:solidFill>
                   <a:srgbClr val="FFFFFF"/>
                 </a:solidFill>
               </a14:hiddenFill>
             </a:ext>
             <a:ext uri="{91240B29-F687-4f45-9708-019B960494DF}">
-              <a14:hiddenLine xmlns:a14="http://schemas.microsoft.com/office/drawing/2010/main" xmlns="" w="9525">
+              <a14:hiddenLine xmlns:a14="http://schemas.microsoft.com/office/drawing/2010/main" w="9525">
                 <a:solidFill>
                   <a:srgbClr val="000000"/>
                 </a:solidFill>
@@ -3866,15 +3853,15 @@
             <a:tailEnd/>
           </a:ln>
           <a:extLst>
+            <a:ext uri="{909E8E84-426E-40dd-AFC4-6F175D3DCCD1}">
+              <a14:hiddenFill xmlns:a14="http://schemas.microsoft.com/office/drawing/2010/main">
+                <a:solidFill>
+                  <a:srgbClr val="FFFFFF"/>
+                </a:solidFill>
+              </a14:hiddenFill>
+            </a:ext>
             <a:ext uri="{FAA26D3D-D897-4be2-8F04-BA451C77F1D7}">
               <ma14:placeholderFlag xmlns:ma14="http://schemas.microsoft.com/office/mac/drawingml/2011/main" val="1"/>
-            </a:ext>
-            <a:ext uri="{909E8E84-426E-40dd-AFC4-6F175D3DCCD1}">
-              <a14:hiddenFill xmlns:a14="http://schemas.microsoft.com/office/drawing/2010/main" xmlns="">
-                <a:solidFill>
-                  <a:srgbClr val="FFFFFF"/>
-                </a:solidFill>
-              </a14:hiddenFill>
             </a:ext>
           </a:extLst>
         </p:spPr>
@@ -3892,18 +3879,15 @@
         <p:spPr bwMode="auto">
           <a:noFill/>
           <a:extLst>
-            <a:ext uri="{FAA26D3D-D897-4be2-8F04-BA451C77F1D7}">
-              <ma14:placeholderFlag xmlns:ma14="http://schemas.microsoft.com/office/mac/drawingml/2011/main" val="1"/>
-            </a:ext>
             <a:ext uri="{909E8E84-426E-40dd-AFC4-6F175D3DCCD1}">
-              <a14:hiddenFill xmlns:a14="http://schemas.microsoft.com/office/drawing/2010/main" xmlns="">
+              <a14:hiddenFill xmlns:a14="http://schemas.microsoft.com/office/drawing/2010/main">
                 <a:solidFill>
                   <a:srgbClr val="FFFFFF"/>
                 </a:solidFill>
               </a14:hiddenFill>
             </a:ext>
             <a:ext uri="{91240B29-F687-4f45-9708-019B960494DF}">
-              <a14:hiddenLine xmlns:a14="http://schemas.microsoft.com/office/drawing/2010/main" xmlns="" w="9525">
+              <a14:hiddenLine xmlns:a14="http://schemas.microsoft.com/office/drawing/2010/main" w="9525">
                 <a:solidFill>
                   <a:srgbClr val="000000"/>
                 </a:solidFill>
@@ -3911,6 +3895,9 @@
                 <a:headEnd/>
                 <a:tailEnd/>
               </a14:hiddenLine>
+            </a:ext>
+            <a:ext uri="{FAA26D3D-D897-4be2-8F04-BA451C77F1D7}">
+              <ma14:placeholderFlag xmlns:ma14="http://schemas.microsoft.com/office/mac/drawingml/2011/main" val="1"/>
             </a:ext>
           </a:extLst>
         </p:spPr>
@@ -3947,14 +3934,14 @@
           <a:noFill/>
           <a:extLst>
             <a:ext uri="{909E8E84-426E-40dd-AFC4-6F175D3DCCD1}">
-              <a14:hiddenFill xmlns:a14="http://schemas.microsoft.com/office/drawing/2010/main" xmlns="">
+              <a14:hiddenFill xmlns:a14="http://schemas.microsoft.com/office/drawing/2010/main">
                 <a:solidFill>
                   <a:srgbClr val="FFFFFF"/>
                 </a:solidFill>
               </a14:hiddenFill>
             </a:ext>
             <a:ext uri="{91240B29-F687-4f45-9708-019B960494DF}">
-              <a14:hiddenLine xmlns:a14="http://schemas.microsoft.com/office/drawing/2010/main" xmlns="" w="9525">
+              <a14:hiddenLine xmlns:a14="http://schemas.microsoft.com/office/drawing/2010/main" w="9525">
                 <a:solidFill>
                   <a:srgbClr val="000000"/>
                 </a:solidFill>
@@ -4139,15 +4126,15 @@
             <a:tailEnd/>
           </a:ln>
           <a:extLst>
+            <a:ext uri="{909E8E84-426E-40dd-AFC4-6F175D3DCCD1}">
+              <a14:hiddenFill xmlns:a14="http://schemas.microsoft.com/office/drawing/2010/main">
+                <a:solidFill>
+                  <a:srgbClr val="FFFFFF"/>
+                </a:solidFill>
+              </a14:hiddenFill>
+            </a:ext>
             <a:ext uri="{FAA26D3D-D897-4be2-8F04-BA451C77F1D7}">
               <ma14:placeholderFlag xmlns:ma14="http://schemas.microsoft.com/office/mac/drawingml/2011/main" val="1"/>
-            </a:ext>
-            <a:ext uri="{909E8E84-426E-40dd-AFC4-6F175D3DCCD1}">
-              <a14:hiddenFill xmlns:a14="http://schemas.microsoft.com/office/drawing/2010/main" xmlns="">
-                <a:solidFill>
-                  <a:srgbClr val="FFFFFF"/>
-                </a:solidFill>
-              </a14:hiddenFill>
             </a:ext>
           </a:extLst>
         </p:spPr>
@@ -4165,18 +4152,15 @@
         <p:spPr bwMode="auto">
           <a:noFill/>
           <a:extLst>
-            <a:ext uri="{FAA26D3D-D897-4be2-8F04-BA451C77F1D7}">
-              <ma14:placeholderFlag xmlns:ma14="http://schemas.microsoft.com/office/mac/drawingml/2011/main" val="1"/>
-            </a:ext>
             <a:ext uri="{909E8E84-426E-40dd-AFC4-6F175D3DCCD1}">
-              <a14:hiddenFill xmlns:a14="http://schemas.microsoft.com/office/drawing/2010/main" xmlns="">
+              <a14:hiddenFill xmlns:a14="http://schemas.microsoft.com/office/drawing/2010/main">
                 <a:solidFill>
                   <a:srgbClr val="FFFFFF"/>
                 </a:solidFill>
               </a14:hiddenFill>
             </a:ext>
             <a:ext uri="{91240B29-F687-4f45-9708-019B960494DF}">
-              <a14:hiddenLine xmlns:a14="http://schemas.microsoft.com/office/drawing/2010/main" xmlns="" w="9525">
+              <a14:hiddenLine xmlns:a14="http://schemas.microsoft.com/office/drawing/2010/main" w="9525">
                 <a:solidFill>
                   <a:srgbClr val="000000"/>
                 </a:solidFill>
@@ -4184,6 +4168,9 @@
                 <a:headEnd/>
                 <a:tailEnd/>
               </a14:hiddenLine>
+            </a:ext>
+            <a:ext uri="{FAA26D3D-D897-4be2-8F04-BA451C77F1D7}">
+              <ma14:placeholderFlag xmlns:ma14="http://schemas.microsoft.com/office/mac/drawingml/2011/main" val="1"/>
             </a:ext>
           </a:extLst>
         </p:spPr>
@@ -4220,14 +4207,14 @@
           <a:noFill/>
           <a:extLst>
             <a:ext uri="{909E8E84-426E-40dd-AFC4-6F175D3DCCD1}">
-              <a14:hiddenFill xmlns:a14="http://schemas.microsoft.com/office/drawing/2010/main" xmlns="">
+              <a14:hiddenFill xmlns:a14="http://schemas.microsoft.com/office/drawing/2010/main">
                 <a:solidFill>
                   <a:srgbClr val="FFFFFF"/>
                 </a:solidFill>
               </a14:hiddenFill>
             </a:ext>
             <a:ext uri="{91240B29-F687-4f45-9708-019B960494DF}">
-              <a14:hiddenLine xmlns:a14="http://schemas.microsoft.com/office/drawing/2010/main" xmlns="" w="9525">
+              <a14:hiddenLine xmlns:a14="http://schemas.microsoft.com/office/drawing/2010/main" w="9525">
                 <a:solidFill>
                   <a:srgbClr val="000000"/>
                 </a:solidFill>
@@ -4412,15 +4399,15 @@
             <a:tailEnd/>
           </a:ln>
           <a:extLst>
+            <a:ext uri="{909E8E84-426E-40dd-AFC4-6F175D3DCCD1}">
+              <a14:hiddenFill xmlns:a14="http://schemas.microsoft.com/office/drawing/2010/main">
+                <a:solidFill>
+                  <a:srgbClr val="FFFFFF"/>
+                </a:solidFill>
+              </a14:hiddenFill>
+            </a:ext>
             <a:ext uri="{FAA26D3D-D897-4be2-8F04-BA451C77F1D7}">
               <ma14:placeholderFlag xmlns:ma14="http://schemas.microsoft.com/office/mac/drawingml/2011/main" val="1"/>
-            </a:ext>
-            <a:ext uri="{909E8E84-426E-40dd-AFC4-6F175D3DCCD1}">
-              <a14:hiddenFill xmlns:a14="http://schemas.microsoft.com/office/drawing/2010/main" xmlns="">
-                <a:solidFill>
-                  <a:srgbClr val="FFFFFF"/>
-                </a:solidFill>
-              </a14:hiddenFill>
             </a:ext>
           </a:extLst>
         </p:spPr>
@@ -4438,18 +4425,15 @@
         <p:spPr bwMode="auto">
           <a:noFill/>
           <a:extLst>
-            <a:ext uri="{FAA26D3D-D897-4be2-8F04-BA451C77F1D7}">
-              <ma14:placeholderFlag xmlns:ma14="http://schemas.microsoft.com/office/mac/drawingml/2011/main" val="1"/>
-            </a:ext>
             <a:ext uri="{909E8E84-426E-40dd-AFC4-6F175D3DCCD1}">
-              <a14:hiddenFill xmlns:a14="http://schemas.microsoft.com/office/drawing/2010/main" xmlns="">
+              <a14:hiddenFill xmlns:a14="http://schemas.microsoft.com/office/drawing/2010/main">
                 <a:solidFill>
                   <a:srgbClr val="FFFFFF"/>
                 </a:solidFill>
               </a14:hiddenFill>
             </a:ext>
             <a:ext uri="{91240B29-F687-4f45-9708-019B960494DF}">
-              <a14:hiddenLine xmlns:a14="http://schemas.microsoft.com/office/drawing/2010/main" xmlns="" w="9525">
+              <a14:hiddenLine xmlns:a14="http://schemas.microsoft.com/office/drawing/2010/main" w="9525">
                 <a:solidFill>
                   <a:srgbClr val="000000"/>
                 </a:solidFill>
@@ -4457,6 +4441,9 @@
                 <a:headEnd/>
                 <a:tailEnd/>
               </a14:hiddenLine>
+            </a:ext>
+            <a:ext uri="{FAA26D3D-D897-4be2-8F04-BA451C77F1D7}">
+              <ma14:placeholderFlag xmlns:ma14="http://schemas.microsoft.com/office/mac/drawingml/2011/main" val="1"/>
             </a:ext>
           </a:extLst>
         </p:spPr>
@@ -4493,14 +4480,14 @@
           <a:noFill/>
           <a:extLst>
             <a:ext uri="{909E8E84-426E-40dd-AFC4-6F175D3DCCD1}">
-              <a14:hiddenFill xmlns:a14="http://schemas.microsoft.com/office/drawing/2010/main" xmlns="">
+              <a14:hiddenFill xmlns:a14="http://schemas.microsoft.com/office/drawing/2010/main">
                 <a:solidFill>
                   <a:srgbClr val="FFFFFF"/>
                 </a:solidFill>
               </a14:hiddenFill>
             </a:ext>
             <a:ext uri="{91240B29-F687-4f45-9708-019B960494DF}">
-              <a14:hiddenLine xmlns:a14="http://schemas.microsoft.com/office/drawing/2010/main" xmlns="" w="9525">
+              <a14:hiddenLine xmlns:a14="http://schemas.microsoft.com/office/drawing/2010/main" w="9525">
                 <a:solidFill>
                   <a:srgbClr val="000000"/>
                 </a:solidFill>
@@ -4648,6 +4635,279 @@
 </file>
 
 <file path=ppt/notesSlides/notesSlide16.xml><?xml version="1.0" encoding="utf-8"?>
+<p:notes xmlns:a="http://schemas.openxmlformats.org/drawingml/2006/main" xmlns:r="http://schemas.openxmlformats.org/officeDocument/2006/relationships" xmlns:p="http://schemas.openxmlformats.org/presentationml/2006/main">
+  <p:cSld>
+    <p:spTree>
+      <p:nvGrpSpPr>
+        <p:cNvPr id="1" name=""/>
+        <p:cNvGrpSpPr/>
+        <p:nvPr/>
+      </p:nvGrpSpPr>
+      <p:grpSpPr>
+        <a:xfrm>
+          <a:off x="0" y="0"/>
+          <a:ext cx="0" cy="0"/>
+          <a:chOff x="0" y="0"/>
+          <a:chExt cx="0" cy="0"/>
+        </a:xfrm>
+      </p:grpSpPr>
+      <p:sp>
+        <p:nvSpPr>
+          <p:cNvPr id="14337" name="Slide Image Placeholder 1"/>
+          <p:cNvSpPr>
+            <a:spLocks noGrp="1" noRot="1" noChangeAspect="1" noTextEdit="1"/>
+          </p:cNvSpPr>
+          <p:nvPr>
+            <p:ph type="sldImg"/>
+          </p:nvPr>
+        </p:nvSpPr>
+        <p:spPr bwMode="auto">
+          <a:noFill/>
+          <a:ln>
+            <a:solidFill>
+              <a:srgbClr val="000000"/>
+            </a:solidFill>
+            <a:miter lim="800000"/>
+            <a:headEnd/>
+            <a:tailEnd/>
+          </a:ln>
+          <a:extLst>
+            <a:ext uri="{909E8E84-426E-40dd-AFC4-6F175D3DCCD1}">
+              <a14:hiddenFill xmlns:a14="http://schemas.microsoft.com/office/drawing/2010/main">
+                <a:solidFill>
+                  <a:srgbClr val="FFFFFF"/>
+                </a:solidFill>
+              </a14:hiddenFill>
+            </a:ext>
+            <a:ext uri="{FAA26D3D-D897-4be2-8F04-BA451C77F1D7}">
+              <ma14:placeholderFlag xmlns:ma14="http://schemas.microsoft.com/office/mac/drawingml/2011/main" val="1"/>
+            </a:ext>
+          </a:extLst>
+        </p:spPr>
+      </p:sp>
+      <p:sp>
+        <p:nvSpPr>
+          <p:cNvPr id="14338" name="Notes Placeholder 2"/>
+          <p:cNvSpPr>
+            <a:spLocks noGrp="1"/>
+          </p:cNvSpPr>
+          <p:nvPr>
+            <p:ph type="body" idx="1"/>
+          </p:nvPr>
+        </p:nvSpPr>
+        <p:spPr bwMode="auto">
+          <a:noFill/>
+          <a:extLst>
+            <a:ext uri="{909E8E84-426E-40dd-AFC4-6F175D3DCCD1}">
+              <a14:hiddenFill xmlns:a14="http://schemas.microsoft.com/office/drawing/2010/main">
+                <a:solidFill>
+                  <a:srgbClr val="FFFFFF"/>
+                </a:solidFill>
+              </a14:hiddenFill>
+            </a:ext>
+            <a:ext uri="{91240B29-F687-4f45-9708-019B960494DF}">
+              <a14:hiddenLine xmlns:a14="http://schemas.microsoft.com/office/drawing/2010/main" w="9525">
+                <a:solidFill>
+                  <a:srgbClr val="000000"/>
+                </a:solidFill>
+                <a:miter lim="800000"/>
+                <a:headEnd/>
+                <a:tailEnd/>
+              </a14:hiddenLine>
+            </a:ext>
+            <a:ext uri="{FAA26D3D-D897-4be2-8F04-BA451C77F1D7}">
+              <ma14:placeholderFlag xmlns:ma14="http://schemas.microsoft.com/office/mac/drawingml/2011/main" val="1"/>
+            </a:ext>
+          </a:extLst>
+        </p:spPr>
+        <p:txBody>
+          <a:bodyPr wrap="square" numCol="1" anchor="t" anchorCtr="0" compatLnSpc="1">
+            <a:prstTxWarp prst="textNoShape">
+              <a:avLst/>
+            </a:prstTxWarp>
+          </a:bodyPr>
+          <a:lstStyle/>
+          <a:p>
+            <a:pPr eaLnBrk="1" hangingPunct="1">
+              <a:spcBef>
+                <a:spcPct val="0"/>
+              </a:spcBef>
+            </a:pPr>
+            <a:endParaRPr lang="en-US" altLang="en-US">
+              <a:ea typeface="ＭＳ Ｐゴシック" charset="-128"/>
+            </a:endParaRPr>
+          </a:p>
+        </p:txBody>
+      </p:sp>
+      <p:sp>
+        <p:nvSpPr>
+          <p:cNvPr id="14339" name="Slide Number Placeholder 3"/>
+          <p:cNvSpPr>
+            <a:spLocks noGrp="1"/>
+          </p:cNvSpPr>
+          <p:nvPr>
+            <p:ph type="sldNum" sz="quarter" idx="5"/>
+          </p:nvPr>
+        </p:nvSpPr>
+        <p:spPr bwMode="auto">
+          <a:noFill/>
+          <a:extLst>
+            <a:ext uri="{909E8E84-426E-40dd-AFC4-6F175D3DCCD1}">
+              <a14:hiddenFill xmlns:a14="http://schemas.microsoft.com/office/drawing/2010/main">
+                <a:solidFill>
+                  <a:srgbClr val="FFFFFF"/>
+                </a:solidFill>
+              </a14:hiddenFill>
+            </a:ext>
+            <a:ext uri="{91240B29-F687-4f45-9708-019B960494DF}">
+              <a14:hiddenLine xmlns:a14="http://schemas.microsoft.com/office/drawing/2010/main" w="9525">
+                <a:solidFill>
+                  <a:srgbClr val="000000"/>
+                </a:solidFill>
+                <a:miter lim="800000"/>
+                <a:headEnd/>
+                <a:tailEnd/>
+              </a14:hiddenLine>
+            </a:ext>
+          </a:extLst>
+        </p:spPr>
+        <p:txBody>
+          <a:bodyPr/>
+          <a:lstStyle>
+            <a:lvl1pPr>
+              <a:defRPr>
+                <a:solidFill>
+                  <a:schemeClr val="tx1"/>
+                </a:solidFill>
+                <a:latin typeface="Arial" charset="0"/>
+                <a:ea typeface="ＭＳ Ｐゴシック" charset="-128"/>
+              </a:defRPr>
+            </a:lvl1pPr>
+            <a:lvl2pPr marL="742950" indent="-285750">
+              <a:defRPr>
+                <a:solidFill>
+                  <a:schemeClr val="tx1"/>
+                </a:solidFill>
+                <a:latin typeface="Arial" charset="0"/>
+                <a:ea typeface="ＭＳ Ｐゴシック" charset="-128"/>
+              </a:defRPr>
+            </a:lvl2pPr>
+            <a:lvl3pPr marL="1143000" indent="-228600">
+              <a:defRPr>
+                <a:solidFill>
+                  <a:schemeClr val="tx1"/>
+                </a:solidFill>
+                <a:latin typeface="Arial" charset="0"/>
+                <a:ea typeface="ＭＳ Ｐゴシック" charset="-128"/>
+              </a:defRPr>
+            </a:lvl3pPr>
+            <a:lvl4pPr marL="1600200" indent="-228600">
+              <a:defRPr>
+                <a:solidFill>
+                  <a:schemeClr val="tx1"/>
+                </a:solidFill>
+                <a:latin typeface="Arial" charset="0"/>
+                <a:ea typeface="ＭＳ Ｐゴシック" charset="-128"/>
+              </a:defRPr>
+            </a:lvl4pPr>
+            <a:lvl5pPr marL="2057400" indent="-228600">
+              <a:defRPr>
+                <a:solidFill>
+                  <a:schemeClr val="tx1"/>
+                </a:solidFill>
+                <a:latin typeface="Arial" charset="0"/>
+                <a:ea typeface="ＭＳ Ｐゴシック" charset="-128"/>
+              </a:defRPr>
+            </a:lvl5pPr>
+            <a:lvl6pPr marL="2514600" indent="-228600" eaLnBrk="0" fontAlgn="base" hangingPunct="0">
+              <a:spcBef>
+                <a:spcPct val="0"/>
+              </a:spcBef>
+              <a:spcAft>
+                <a:spcPct val="0"/>
+              </a:spcAft>
+              <a:defRPr>
+                <a:solidFill>
+                  <a:schemeClr val="tx1"/>
+                </a:solidFill>
+                <a:latin typeface="Arial" charset="0"/>
+                <a:ea typeface="ＭＳ Ｐゴシック" charset="-128"/>
+              </a:defRPr>
+            </a:lvl6pPr>
+            <a:lvl7pPr marL="2971800" indent="-228600" eaLnBrk="0" fontAlgn="base" hangingPunct="0">
+              <a:spcBef>
+                <a:spcPct val="0"/>
+              </a:spcBef>
+              <a:spcAft>
+                <a:spcPct val="0"/>
+              </a:spcAft>
+              <a:defRPr>
+                <a:solidFill>
+                  <a:schemeClr val="tx1"/>
+                </a:solidFill>
+                <a:latin typeface="Arial" charset="0"/>
+                <a:ea typeface="ＭＳ Ｐゴシック" charset="-128"/>
+              </a:defRPr>
+            </a:lvl7pPr>
+            <a:lvl8pPr marL="3429000" indent="-228600" eaLnBrk="0" fontAlgn="base" hangingPunct="0">
+              <a:spcBef>
+                <a:spcPct val="0"/>
+              </a:spcBef>
+              <a:spcAft>
+                <a:spcPct val="0"/>
+              </a:spcAft>
+              <a:defRPr>
+                <a:solidFill>
+                  <a:schemeClr val="tx1"/>
+                </a:solidFill>
+                <a:latin typeface="Arial" charset="0"/>
+                <a:ea typeface="ＭＳ Ｐゴシック" charset="-128"/>
+              </a:defRPr>
+            </a:lvl8pPr>
+            <a:lvl9pPr marL="3886200" indent="-228600" eaLnBrk="0" fontAlgn="base" hangingPunct="0">
+              <a:spcBef>
+                <a:spcPct val="0"/>
+              </a:spcBef>
+              <a:spcAft>
+                <a:spcPct val="0"/>
+              </a:spcAft>
+              <a:defRPr>
+                <a:solidFill>
+                  <a:schemeClr val="tx1"/>
+                </a:solidFill>
+                <a:latin typeface="Arial" charset="0"/>
+                <a:ea typeface="ＭＳ Ｐゴシック" charset="-128"/>
+              </a:defRPr>
+            </a:lvl9pPr>
+          </a:lstStyle>
+          <a:p>
+            <a:fld id="{093D7E7F-F33E-D44E-AC9F-F576D5184B76}" type="slidenum">
+              <a:rPr lang="en-US" altLang="en-US">
+                <a:latin typeface="Calibri" charset="0"/>
+              </a:rPr>
+              <a:pPr/>
+              <a:t>16</a:t>
+            </a:fld>
+            <a:endParaRPr lang="en-US" altLang="en-US">
+              <a:latin typeface="Calibri" charset="0"/>
+            </a:endParaRPr>
+          </a:p>
+        </p:txBody>
+      </p:sp>
+    </p:spTree>
+    <p:extLst>
+      <p:ext uri="{BB962C8B-B14F-4D97-AF65-F5344CB8AC3E}">
+        <p14:creationId xmlns:p14="http://schemas.microsoft.com/office/powerpoint/2010/main" val="1228263825"/>
+      </p:ext>
+    </p:extLst>
+  </p:cSld>
+  <p:clrMapOvr>
+    <a:masterClrMapping/>
+  </p:clrMapOvr>
+</p:notes>
+</file>
+
+<file path=ppt/notesSlides/notesSlide17.xml><?xml version="1.0" encoding="utf-8"?>
 <p:notes xmlns:a="http://schemas.openxmlformats.org/drawingml/2006/main" xmlns:r="http://schemas.openxmlformats.org/officeDocument/2006/relationships" xmlns:p="http://schemas.openxmlformats.org/presentationml/2006/main">
   <p:cSld>
     <p:spTree>
@@ -4718,7 +4978,7 @@
               <a:pPr>
                 <a:defRPr/>
               </a:pPr>
-              <a:t>18</a:t>
+              <a:t>19</a:t>
             </a:fld>
             <a:endParaRPr lang="en-US" altLang="en-US"/>
           </a:p>
@@ -4775,15 +5035,15 @@
             <a:tailEnd/>
           </a:ln>
           <a:extLst>
+            <a:ext uri="{909E8E84-426E-40dd-AFC4-6F175D3DCCD1}">
+              <a14:hiddenFill xmlns:a14="http://schemas.microsoft.com/office/drawing/2010/main">
+                <a:solidFill>
+                  <a:srgbClr val="FFFFFF"/>
+                </a:solidFill>
+              </a14:hiddenFill>
+            </a:ext>
             <a:ext uri="{FAA26D3D-D897-4be2-8F04-BA451C77F1D7}">
               <ma14:placeholderFlag xmlns:ma14="http://schemas.microsoft.com/office/mac/drawingml/2011/main" val="1"/>
-            </a:ext>
-            <a:ext uri="{909E8E84-426E-40dd-AFC4-6F175D3DCCD1}">
-              <a14:hiddenFill xmlns:a14="http://schemas.microsoft.com/office/drawing/2010/main" xmlns="">
-                <a:solidFill>
-                  <a:srgbClr val="FFFFFF"/>
-                </a:solidFill>
-              </a14:hiddenFill>
             </a:ext>
           </a:extLst>
         </p:spPr>
@@ -4801,18 +5061,15 @@
         <p:spPr bwMode="auto">
           <a:noFill/>
           <a:extLst>
-            <a:ext uri="{FAA26D3D-D897-4be2-8F04-BA451C77F1D7}">
-              <ma14:placeholderFlag xmlns:ma14="http://schemas.microsoft.com/office/mac/drawingml/2011/main" val="1"/>
-            </a:ext>
             <a:ext uri="{909E8E84-426E-40dd-AFC4-6F175D3DCCD1}">
-              <a14:hiddenFill xmlns:a14="http://schemas.microsoft.com/office/drawing/2010/main" xmlns="">
+              <a14:hiddenFill xmlns:a14="http://schemas.microsoft.com/office/drawing/2010/main">
                 <a:solidFill>
                   <a:srgbClr val="FFFFFF"/>
                 </a:solidFill>
               </a14:hiddenFill>
             </a:ext>
             <a:ext uri="{91240B29-F687-4f45-9708-019B960494DF}">
-              <a14:hiddenLine xmlns:a14="http://schemas.microsoft.com/office/drawing/2010/main" xmlns="" w="9525">
+              <a14:hiddenLine xmlns:a14="http://schemas.microsoft.com/office/drawing/2010/main" w="9525">
                 <a:solidFill>
                   <a:srgbClr val="000000"/>
                 </a:solidFill>
@@ -4820,6 +5077,9 @@
                 <a:headEnd/>
                 <a:tailEnd/>
               </a14:hiddenLine>
+            </a:ext>
+            <a:ext uri="{FAA26D3D-D897-4be2-8F04-BA451C77F1D7}">
+              <ma14:placeholderFlag xmlns:ma14="http://schemas.microsoft.com/office/mac/drawingml/2011/main" val="1"/>
             </a:ext>
           </a:extLst>
         </p:spPr>
@@ -4856,14 +5116,14 @@
           <a:noFill/>
           <a:extLst>
             <a:ext uri="{909E8E84-426E-40dd-AFC4-6F175D3DCCD1}">
-              <a14:hiddenFill xmlns:a14="http://schemas.microsoft.com/office/drawing/2010/main" xmlns="">
+              <a14:hiddenFill xmlns:a14="http://schemas.microsoft.com/office/drawing/2010/main">
                 <a:solidFill>
                   <a:srgbClr val="FFFFFF"/>
                 </a:solidFill>
               </a14:hiddenFill>
             </a:ext>
             <a:ext uri="{91240B29-F687-4f45-9708-019B960494DF}">
-              <a14:hiddenLine xmlns:a14="http://schemas.microsoft.com/office/drawing/2010/main" xmlns="" w="9525">
+              <a14:hiddenLine xmlns:a14="http://schemas.microsoft.com/office/drawing/2010/main" w="9525">
                 <a:solidFill>
                   <a:srgbClr val="000000"/>
                 </a:solidFill>
@@ -5048,15 +5308,15 @@
             <a:tailEnd/>
           </a:ln>
           <a:extLst>
+            <a:ext uri="{909E8E84-426E-40dd-AFC4-6F175D3DCCD1}">
+              <a14:hiddenFill xmlns:a14="http://schemas.microsoft.com/office/drawing/2010/main">
+                <a:solidFill>
+                  <a:srgbClr val="FFFFFF"/>
+                </a:solidFill>
+              </a14:hiddenFill>
+            </a:ext>
             <a:ext uri="{FAA26D3D-D897-4be2-8F04-BA451C77F1D7}">
               <ma14:placeholderFlag xmlns:ma14="http://schemas.microsoft.com/office/mac/drawingml/2011/main" val="1"/>
-            </a:ext>
-            <a:ext uri="{909E8E84-426E-40dd-AFC4-6F175D3DCCD1}">
-              <a14:hiddenFill xmlns:a14="http://schemas.microsoft.com/office/drawing/2010/main" xmlns="">
-                <a:solidFill>
-                  <a:srgbClr val="FFFFFF"/>
-                </a:solidFill>
-              </a14:hiddenFill>
             </a:ext>
           </a:extLst>
         </p:spPr>
@@ -5074,18 +5334,15 @@
         <p:spPr bwMode="auto">
           <a:noFill/>
           <a:extLst>
-            <a:ext uri="{FAA26D3D-D897-4be2-8F04-BA451C77F1D7}">
-              <ma14:placeholderFlag xmlns:ma14="http://schemas.microsoft.com/office/mac/drawingml/2011/main" val="1"/>
-            </a:ext>
             <a:ext uri="{909E8E84-426E-40dd-AFC4-6F175D3DCCD1}">
-              <a14:hiddenFill xmlns:a14="http://schemas.microsoft.com/office/drawing/2010/main" xmlns="">
+              <a14:hiddenFill xmlns:a14="http://schemas.microsoft.com/office/drawing/2010/main">
                 <a:solidFill>
                   <a:srgbClr val="FFFFFF"/>
                 </a:solidFill>
               </a14:hiddenFill>
             </a:ext>
             <a:ext uri="{91240B29-F687-4f45-9708-019B960494DF}">
-              <a14:hiddenLine xmlns:a14="http://schemas.microsoft.com/office/drawing/2010/main" xmlns="" w="9525">
+              <a14:hiddenLine xmlns:a14="http://schemas.microsoft.com/office/drawing/2010/main" w="9525">
                 <a:solidFill>
                   <a:srgbClr val="000000"/>
                 </a:solidFill>
@@ -5093,6 +5350,9 @@
                 <a:headEnd/>
                 <a:tailEnd/>
               </a14:hiddenLine>
+            </a:ext>
+            <a:ext uri="{FAA26D3D-D897-4be2-8F04-BA451C77F1D7}">
+              <ma14:placeholderFlag xmlns:ma14="http://schemas.microsoft.com/office/mac/drawingml/2011/main" val="1"/>
             </a:ext>
           </a:extLst>
         </p:spPr>
@@ -5129,14 +5389,14 @@
           <a:noFill/>
           <a:extLst>
             <a:ext uri="{909E8E84-426E-40dd-AFC4-6F175D3DCCD1}">
-              <a14:hiddenFill xmlns:a14="http://schemas.microsoft.com/office/drawing/2010/main" xmlns="">
+              <a14:hiddenFill xmlns:a14="http://schemas.microsoft.com/office/drawing/2010/main">
                 <a:solidFill>
                   <a:srgbClr val="FFFFFF"/>
                 </a:solidFill>
               </a14:hiddenFill>
             </a:ext>
             <a:ext uri="{91240B29-F687-4f45-9708-019B960494DF}">
-              <a14:hiddenLine xmlns:a14="http://schemas.microsoft.com/office/drawing/2010/main" xmlns="" w="9525">
+              <a14:hiddenLine xmlns:a14="http://schemas.microsoft.com/office/drawing/2010/main" w="9525">
                 <a:solidFill>
                   <a:srgbClr val="000000"/>
                 </a:solidFill>
@@ -5560,15 +5820,15 @@
             <a:tailEnd/>
           </a:ln>
           <a:extLst>
+            <a:ext uri="{909E8E84-426E-40dd-AFC4-6F175D3DCCD1}">
+              <a14:hiddenFill xmlns:a14="http://schemas.microsoft.com/office/drawing/2010/main">
+                <a:solidFill>
+                  <a:srgbClr val="FFFFFF"/>
+                </a:solidFill>
+              </a14:hiddenFill>
+            </a:ext>
             <a:ext uri="{FAA26D3D-D897-4be2-8F04-BA451C77F1D7}">
               <ma14:placeholderFlag xmlns:ma14="http://schemas.microsoft.com/office/mac/drawingml/2011/main" val="1"/>
-            </a:ext>
-            <a:ext uri="{909E8E84-426E-40dd-AFC4-6F175D3DCCD1}">
-              <a14:hiddenFill xmlns:a14="http://schemas.microsoft.com/office/drawing/2010/main" xmlns="">
-                <a:solidFill>
-                  <a:srgbClr val="FFFFFF"/>
-                </a:solidFill>
-              </a14:hiddenFill>
             </a:ext>
           </a:extLst>
         </p:spPr>
@@ -5586,18 +5846,15 @@
         <p:spPr bwMode="auto">
           <a:noFill/>
           <a:extLst>
-            <a:ext uri="{FAA26D3D-D897-4be2-8F04-BA451C77F1D7}">
-              <ma14:placeholderFlag xmlns:ma14="http://schemas.microsoft.com/office/mac/drawingml/2011/main" val="1"/>
-            </a:ext>
             <a:ext uri="{909E8E84-426E-40dd-AFC4-6F175D3DCCD1}">
-              <a14:hiddenFill xmlns:a14="http://schemas.microsoft.com/office/drawing/2010/main" xmlns="">
+              <a14:hiddenFill xmlns:a14="http://schemas.microsoft.com/office/drawing/2010/main">
                 <a:solidFill>
                   <a:srgbClr val="FFFFFF"/>
                 </a:solidFill>
               </a14:hiddenFill>
             </a:ext>
             <a:ext uri="{91240B29-F687-4f45-9708-019B960494DF}">
-              <a14:hiddenLine xmlns:a14="http://schemas.microsoft.com/office/drawing/2010/main" xmlns="" w="9525">
+              <a14:hiddenLine xmlns:a14="http://schemas.microsoft.com/office/drawing/2010/main" w="9525">
                 <a:solidFill>
                   <a:srgbClr val="000000"/>
                 </a:solidFill>
@@ -5605,6 +5862,9 @@
                 <a:headEnd/>
                 <a:tailEnd/>
               </a14:hiddenLine>
+            </a:ext>
+            <a:ext uri="{FAA26D3D-D897-4be2-8F04-BA451C77F1D7}">
+              <ma14:placeholderFlag xmlns:ma14="http://schemas.microsoft.com/office/mac/drawingml/2011/main" val="1"/>
             </a:ext>
           </a:extLst>
         </p:spPr>
@@ -5641,14 +5901,14 @@
           <a:noFill/>
           <a:extLst>
             <a:ext uri="{909E8E84-426E-40dd-AFC4-6F175D3DCCD1}">
-              <a14:hiddenFill xmlns:a14="http://schemas.microsoft.com/office/drawing/2010/main" xmlns="">
+              <a14:hiddenFill xmlns:a14="http://schemas.microsoft.com/office/drawing/2010/main">
                 <a:solidFill>
                   <a:srgbClr val="FFFFFF"/>
                 </a:solidFill>
               </a14:hiddenFill>
             </a:ext>
             <a:ext uri="{91240B29-F687-4f45-9708-019B960494DF}">
-              <a14:hiddenLine xmlns:a14="http://schemas.microsoft.com/office/drawing/2010/main" xmlns="" w="9525">
+              <a14:hiddenLine xmlns:a14="http://schemas.microsoft.com/office/drawing/2010/main" w="9525">
                 <a:solidFill>
                   <a:srgbClr val="000000"/>
                 </a:solidFill>
@@ -5833,15 +6093,15 @@
             <a:tailEnd/>
           </a:ln>
           <a:extLst>
+            <a:ext uri="{909E8E84-426E-40dd-AFC4-6F175D3DCCD1}">
+              <a14:hiddenFill xmlns:a14="http://schemas.microsoft.com/office/drawing/2010/main">
+                <a:solidFill>
+                  <a:srgbClr val="FFFFFF"/>
+                </a:solidFill>
+              </a14:hiddenFill>
+            </a:ext>
             <a:ext uri="{FAA26D3D-D897-4be2-8F04-BA451C77F1D7}">
               <ma14:placeholderFlag xmlns:ma14="http://schemas.microsoft.com/office/mac/drawingml/2011/main" val="1"/>
-            </a:ext>
-            <a:ext uri="{909E8E84-426E-40dd-AFC4-6F175D3DCCD1}">
-              <a14:hiddenFill xmlns:a14="http://schemas.microsoft.com/office/drawing/2010/main" xmlns="">
-                <a:solidFill>
-                  <a:srgbClr val="FFFFFF"/>
-                </a:solidFill>
-              </a14:hiddenFill>
             </a:ext>
           </a:extLst>
         </p:spPr>
@@ -5859,18 +6119,15 @@
         <p:spPr bwMode="auto">
           <a:noFill/>
           <a:extLst>
-            <a:ext uri="{FAA26D3D-D897-4be2-8F04-BA451C77F1D7}">
-              <ma14:placeholderFlag xmlns:ma14="http://schemas.microsoft.com/office/mac/drawingml/2011/main" val="1"/>
-            </a:ext>
             <a:ext uri="{909E8E84-426E-40dd-AFC4-6F175D3DCCD1}">
-              <a14:hiddenFill xmlns:a14="http://schemas.microsoft.com/office/drawing/2010/main" xmlns="">
+              <a14:hiddenFill xmlns:a14="http://schemas.microsoft.com/office/drawing/2010/main">
                 <a:solidFill>
                   <a:srgbClr val="FFFFFF"/>
                 </a:solidFill>
               </a14:hiddenFill>
             </a:ext>
             <a:ext uri="{91240B29-F687-4f45-9708-019B960494DF}">
-              <a14:hiddenLine xmlns:a14="http://schemas.microsoft.com/office/drawing/2010/main" xmlns="" w="9525">
+              <a14:hiddenLine xmlns:a14="http://schemas.microsoft.com/office/drawing/2010/main" w="9525">
                 <a:solidFill>
                   <a:srgbClr val="000000"/>
                 </a:solidFill>
@@ -5878,6 +6135,9 @@
                 <a:headEnd/>
                 <a:tailEnd/>
               </a14:hiddenLine>
+            </a:ext>
+            <a:ext uri="{FAA26D3D-D897-4be2-8F04-BA451C77F1D7}">
+              <ma14:placeholderFlag xmlns:ma14="http://schemas.microsoft.com/office/mac/drawingml/2011/main" val="1"/>
             </a:ext>
           </a:extLst>
         </p:spPr>
@@ -5914,14 +6174,14 @@
           <a:noFill/>
           <a:extLst>
             <a:ext uri="{909E8E84-426E-40dd-AFC4-6F175D3DCCD1}">
-              <a14:hiddenFill xmlns:a14="http://schemas.microsoft.com/office/drawing/2010/main" xmlns="">
+              <a14:hiddenFill xmlns:a14="http://schemas.microsoft.com/office/drawing/2010/main">
                 <a:solidFill>
                   <a:srgbClr val="FFFFFF"/>
                 </a:solidFill>
               </a14:hiddenFill>
             </a:ext>
             <a:ext uri="{91240B29-F687-4f45-9708-019B960494DF}">
-              <a14:hiddenLine xmlns:a14="http://schemas.microsoft.com/office/drawing/2010/main" xmlns="" w="9525">
+              <a14:hiddenLine xmlns:a14="http://schemas.microsoft.com/office/drawing/2010/main" w="9525">
                 <a:solidFill>
                   <a:srgbClr val="000000"/>
                 </a:solidFill>
@@ -6106,15 +6366,15 @@
             <a:tailEnd/>
           </a:ln>
           <a:extLst>
+            <a:ext uri="{909E8E84-426E-40dd-AFC4-6F175D3DCCD1}">
+              <a14:hiddenFill xmlns:a14="http://schemas.microsoft.com/office/drawing/2010/main">
+                <a:solidFill>
+                  <a:srgbClr val="FFFFFF"/>
+                </a:solidFill>
+              </a14:hiddenFill>
+            </a:ext>
             <a:ext uri="{FAA26D3D-D897-4be2-8F04-BA451C77F1D7}">
               <ma14:placeholderFlag xmlns:ma14="http://schemas.microsoft.com/office/mac/drawingml/2011/main" val="1"/>
-            </a:ext>
-            <a:ext uri="{909E8E84-426E-40dd-AFC4-6F175D3DCCD1}">
-              <a14:hiddenFill xmlns:a14="http://schemas.microsoft.com/office/drawing/2010/main" xmlns="">
-                <a:solidFill>
-                  <a:srgbClr val="FFFFFF"/>
-                </a:solidFill>
-              </a14:hiddenFill>
             </a:ext>
           </a:extLst>
         </p:spPr>
@@ -6132,18 +6392,15 @@
         <p:spPr bwMode="auto">
           <a:noFill/>
           <a:extLst>
-            <a:ext uri="{FAA26D3D-D897-4be2-8F04-BA451C77F1D7}">
-              <ma14:placeholderFlag xmlns:ma14="http://schemas.microsoft.com/office/mac/drawingml/2011/main" val="1"/>
-            </a:ext>
             <a:ext uri="{909E8E84-426E-40dd-AFC4-6F175D3DCCD1}">
-              <a14:hiddenFill xmlns:a14="http://schemas.microsoft.com/office/drawing/2010/main" xmlns="">
+              <a14:hiddenFill xmlns:a14="http://schemas.microsoft.com/office/drawing/2010/main">
                 <a:solidFill>
                   <a:srgbClr val="FFFFFF"/>
                 </a:solidFill>
               </a14:hiddenFill>
             </a:ext>
             <a:ext uri="{91240B29-F687-4f45-9708-019B960494DF}">
-              <a14:hiddenLine xmlns:a14="http://schemas.microsoft.com/office/drawing/2010/main" xmlns="" w="9525">
+              <a14:hiddenLine xmlns:a14="http://schemas.microsoft.com/office/drawing/2010/main" w="9525">
                 <a:solidFill>
                   <a:srgbClr val="000000"/>
                 </a:solidFill>
@@ -6151,6 +6408,9 @@
                 <a:headEnd/>
                 <a:tailEnd/>
               </a14:hiddenLine>
+            </a:ext>
+            <a:ext uri="{FAA26D3D-D897-4be2-8F04-BA451C77F1D7}">
+              <ma14:placeholderFlag xmlns:ma14="http://schemas.microsoft.com/office/mac/drawingml/2011/main" val="1"/>
             </a:ext>
           </a:extLst>
         </p:spPr>
@@ -6187,14 +6447,14 @@
           <a:noFill/>
           <a:extLst>
             <a:ext uri="{909E8E84-426E-40dd-AFC4-6F175D3DCCD1}">
-              <a14:hiddenFill xmlns:a14="http://schemas.microsoft.com/office/drawing/2010/main" xmlns="">
+              <a14:hiddenFill xmlns:a14="http://schemas.microsoft.com/office/drawing/2010/main">
                 <a:solidFill>
                   <a:srgbClr val="FFFFFF"/>
                 </a:solidFill>
               </a14:hiddenFill>
             </a:ext>
             <a:ext uri="{91240B29-F687-4f45-9708-019B960494DF}">
-              <a14:hiddenLine xmlns:a14="http://schemas.microsoft.com/office/drawing/2010/main" xmlns="" w="9525">
+              <a14:hiddenLine xmlns:a14="http://schemas.microsoft.com/office/drawing/2010/main" w="9525">
                 <a:solidFill>
                   <a:srgbClr val="000000"/>
                 </a:solidFill>
@@ -6379,15 +6639,15 @@
             <a:tailEnd/>
           </a:ln>
           <a:extLst>
+            <a:ext uri="{909E8E84-426E-40dd-AFC4-6F175D3DCCD1}">
+              <a14:hiddenFill xmlns:a14="http://schemas.microsoft.com/office/drawing/2010/main">
+                <a:solidFill>
+                  <a:srgbClr val="FFFFFF"/>
+                </a:solidFill>
+              </a14:hiddenFill>
+            </a:ext>
             <a:ext uri="{FAA26D3D-D897-4be2-8F04-BA451C77F1D7}">
               <ma14:placeholderFlag xmlns:ma14="http://schemas.microsoft.com/office/mac/drawingml/2011/main" val="1"/>
-            </a:ext>
-            <a:ext uri="{909E8E84-426E-40dd-AFC4-6F175D3DCCD1}">
-              <a14:hiddenFill xmlns:a14="http://schemas.microsoft.com/office/drawing/2010/main" xmlns="">
-                <a:solidFill>
-                  <a:srgbClr val="FFFFFF"/>
-                </a:solidFill>
-              </a14:hiddenFill>
             </a:ext>
           </a:extLst>
         </p:spPr>
@@ -6405,18 +6665,15 @@
         <p:spPr bwMode="auto">
           <a:noFill/>
           <a:extLst>
-            <a:ext uri="{FAA26D3D-D897-4be2-8F04-BA451C77F1D7}">
-              <ma14:placeholderFlag xmlns:ma14="http://schemas.microsoft.com/office/mac/drawingml/2011/main" val="1"/>
-            </a:ext>
             <a:ext uri="{909E8E84-426E-40dd-AFC4-6F175D3DCCD1}">
-              <a14:hiddenFill xmlns:a14="http://schemas.microsoft.com/office/drawing/2010/main" xmlns="">
+              <a14:hiddenFill xmlns:a14="http://schemas.microsoft.com/office/drawing/2010/main">
                 <a:solidFill>
                   <a:srgbClr val="FFFFFF"/>
                 </a:solidFill>
               </a14:hiddenFill>
             </a:ext>
             <a:ext uri="{91240B29-F687-4f45-9708-019B960494DF}">
-              <a14:hiddenLine xmlns:a14="http://schemas.microsoft.com/office/drawing/2010/main" xmlns="" w="9525">
+              <a14:hiddenLine xmlns:a14="http://schemas.microsoft.com/office/drawing/2010/main" w="9525">
                 <a:solidFill>
                   <a:srgbClr val="000000"/>
                 </a:solidFill>
@@ -6424,6 +6681,9 @@
                 <a:headEnd/>
                 <a:tailEnd/>
               </a14:hiddenLine>
+            </a:ext>
+            <a:ext uri="{FAA26D3D-D897-4be2-8F04-BA451C77F1D7}">
+              <ma14:placeholderFlag xmlns:ma14="http://schemas.microsoft.com/office/mac/drawingml/2011/main" val="1"/>
             </a:ext>
           </a:extLst>
         </p:spPr>
@@ -6460,14 +6720,14 @@
           <a:noFill/>
           <a:extLst>
             <a:ext uri="{909E8E84-426E-40dd-AFC4-6F175D3DCCD1}">
-              <a14:hiddenFill xmlns:a14="http://schemas.microsoft.com/office/drawing/2010/main" xmlns="">
+              <a14:hiddenFill xmlns:a14="http://schemas.microsoft.com/office/drawing/2010/main">
                 <a:solidFill>
                   <a:srgbClr val="FFFFFF"/>
                 </a:solidFill>
               </a14:hiddenFill>
             </a:ext>
             <a:ext uri="{91240B29-F687-4f45-9708-019B960494DF}">
-              <a14:hiddenLine xmlns:a14="http://schemas.microsoft.com/office/drawing/2010/main" xmlns="" w="9525">
+              <a14:hiddenLine xmlns:a14="http://schemas.microsoft.com/office/drawing/2010/main" w="9525">
                 <a:solidFill>
                   <a:srgbClr val="000000"/>
                 </a:solidFill>
@@ -6666,14 +6926,14 @@
           </a:ln>
           <a:extLst>
             <a:ext uri="{909E8E84-426E-40dd-AFC4-6F175D3DCCD1}">
-              <a14:hiddenFill xmlns:a14="http://schemas.microsoft.com/office/drawing/2010/main" xmlns="">
+              <a14:hiddenFill xmlns:a14="http://schemas.microsoft.com/office/drawing/2010/main">
                 <a:solidFill>
                   <a:srgbClr val="FFFFFF"/>
                 </a:solidFill>
               </a14:hiddenFill>
             </a:ext>
             <a:ext uri="{91240B29-F687-4f45-9708-019B960494DF}">
-              <a14:hiddenLine xmlns:a14="http://schemas.microsoft.com/office/drawing/2010/main" xmlns="" w="9525">
+              <a14:hiddenLine xmlns:a14="http://schemas.microsoft.com/office/drawing/2010/main" w="9525">
                 <a:solidFill>
                   <a:srgbClr val="000000"/>
                 </a:solidFill>
@@ -6857,7 +7117,7 @@
   <p:clrMapOvr>
     <a:masterClrMapping/>
   </p:clrMapOvr>
-  <p:transition spd="med"/>
+  <p:transition xmlns:p14="http://schemas.microsoft.com/office/powerpoint/2010/main" spd="med"/>
 </p:sldLayout>
 </file>
 
@@ -7019,7 +7279,7 @@
   <p:clrMapOvr>
     <a:masterClrMapping/>
   </p:clrMapOvr>
-  <p:transition spd="med">
+  <p:transition xmlns:p14="http://schemas.microsoft.com/office/powerpoint/2010/main" spd="med">
     <p:wipe dir="d"/>
   </p:transition>
 </p:sldLayout>
@@ -7344,7 +7604,7 @@
   <p:clrMapOvr>
     <a:masterClrMapping/>
   </p:clrMapOvr>
-  <p:transition spd="med">
+  <p:transition xmlns:p14="http://schemas.microsoft.com/office/powerpoint/2010/main" spd="med">
     <p:wipe dir="d"/>
   </p:transition>
 </p:sldLayout>
@@ -7499,7 +7759,7 @@
   <p:clrMapOvr>
     <a:masterClrMapping/>
   </p:clrMapOvr>
-  <p:transition spd="med">
+  <p:transition xmlns:p14="http://schemas.microsoft.com/office/powerpoint/2010/main" spd="med">
     <p:wipe dir="d"/>
   </p:transition>
 </p:sldLayout>
@@ -7926,7 +8186,7 @@
   <p:clrMapOvr>
     <a:masterClrMapping/>
   </p:clrMapOvr>
-  <p:transition spd="med">
+  <p:transition xmlns:p14="http://schemas.microsoft.com/office/powerpoint/2010/main" spd="med">
     <p:wipe dir="d"/>
   </p:transition>
 </p:sldLayout>
@@ -8217,7 +8477,7 @@
   <p:clrMapOvr>
     <a:masterClrMapping/>
   </p:clrMapOvr>
-  <p:transition spd="med">
+  <p:transition xmlns:p14="http://schemas.microsoft.com/office/powerpoint/2010/main" spd="med">
     <p:wipe dir="d"/>
   </p:transition>
 </p:sldLayout>
@@ -8280,14 +8540,14 @@
           </a:ln>
           <a:extLst>
             <a:ext uri="{909E8E84-426E-40dd-AFC4-6F175D3DCCD1}">
-              <a14:hiddenFill xmlns:a14="http://schemas.microsoft.com/office/drawing/2010/main" xmlns="">
+              <a14:hiddenFill xmlns:a14="http://schemas.microsoft.com/office/drawing/2010/main">
                 <a:solidFill>
                   <a:srgbClr val="FFFFFF"/>
                 </a:solidFill>
               </a14:hiddenFill>
             </a:ext>
             <a:ext uri="{91240B29-F687-4f45-9708-019B960494DF}">
-              <a14:hiddenLine xmlns:a14="http://schemas.microsoft.com/office/drawing/2010/main" xmlns="" w="9525">
+              <a14:hiddenLine xmlns:a14="http://schemas.microsoft.com/office/drawing/2010/main" w="9525">
                 <a:solidFill>
                   <a:srgbClr val="000000"/>
                 </a:solidFill>
@@ -8322,18 +8582,15 @@
             <a:noFill/>
           </a:ln>
           <a:extLst>
-            <a:ext uri="{FAA26D3D-D897-4be2-8F04-BA451C77F1D7}">
-              <ma14:placeholderFlag xmlns:ma14="http://schemas.microsoft.com/office/mac/drawingml/2011/main" val="1"/>
-            </a:ext>
             <a:ext uri="{909E8E84-426E-40dd-AFC4-6F175D3DCCD1}">
-              <a14:hiddenFill xmlns:a14="http://schemas.microsoft.com/office/drawing/2010/main" xmlns="">
+              <a14:hiddenFill xmlns:a14="http://schemas.microsoft.com/office/drawing/2010/main">
                 <a:solidFill>
                   <a:srgbClr val="FFFFFF"/>
                 </a:solidFill>
               </a14:hiddenFill>
             </a:ext>
             <a:ext uri="{91240B29-F687-4f45-9708-019B960494DF}">
-              <a14:hiddenLine xmlns:a14="http://schemas.microsoft.com/office/drawing/2010/main" xmlns="" w="9525">
+              <a14:hiddenLine xmlns:a14="http://schemas.microsoft.com/office/drawing/2010/main" w="9525">
                 <a:solidFill>
                   <a:srgbClr val="000000"/>
                 </a:solidFill>
@@ -8341,6 +8598,9 @@
                 <a:headEnd/>
                 <a:tailEnd/>
               </a14:hiddenLine>
+            </a:ext>
+            <a:ext uri="{FAA26D3D-D897-4be2-8F04-BA451C77F1D7}">
+              <ma14:placeholderFlag xmlns:ma14="http://schemas.microsoft.com/office/mac/drawingml/2011/main" val="1"/>
             </a:ext>
           </a:extLst>
         </p:spPr>
@@ -8423,14 +8683,14 @@
           </a:ln>
           <a:extLst>
             <a:ext uri="{909E8E84-426E-40dd-AFC4-6F175D3DCCD1}">
-              <a14:hiddenFill xmlns:a14="http://schemas.microsoft.com/office/drawing/2010/main" xmlns="">
+              <a14:hiddenFill xmlns:a14="http://schemas.microsoft.com/office/drawing/2010/main">
                 <a:solidFill>
                   <a:srgbClr val="FFFFFF"/>
                 </a:solidFill>
               </a14:hiddenFill>
             </a:ext>
             <a:ext uri="{91240B29-F687-4f45-9708-019B960494DF}">
-              <a14:hiddenLine xmlns:a14="http://schemas.microsoft.com/office/drawing/2010/main" xmlns="" w="9525">
+              <a14:hiddenLine xmlns:a14="http://schemas.microsoft.com/office/drawing/2010/main" w="9525">
                 <a:solidFill>
                   <a:srgbClr val="000000"/>
                 </a:solidFill>
@@ -8487,14 +8747,14 @@
           </a:ln>
           <a:extLst>
             <a:ext uri="{909E8E84-426E-40dd-AFC4-6F175D3DCCD1}">
-              <a14:hiddenFill xmlns:a14="http://schemas.microsoft.com/office/drawing/2010/main" xmlns="">
+              <a14:hiddenFill xmlns:a14="http://schemas.microsoft.com/office/drawing/2010/main">
                 <a:solidFill>
                   <a:srgbClr val="FFFFFF"/>
                 </a:solidFill>
               </a14:hiddenFill>
             </a:ext>
             <a:ext uri="{91240B29-F687-4f45-9708-019B960494DF}">
-              <a14:hiddenLine xmlns:a14="http://schemas.microsoft.com/office/drawing/2010/main" xmlns="" w="9525">
+              <a14:hiddenLine xmlns:a14="http://schemas.microsoft.com/office/drawing/2010/main" w="9525">
                 <a:solidFill>
                   <a:srgbClr val="000000"/>
                 </a:solidFill>
@@ -8529,18 +8789,15 @@
             <a:noFill/>
           </a:ln>
           <a:extLst>
-            <a:ext uri="{FAA26D3D-D897-4be2-8F04-BA451C77F1D7}">
-              <ma14:placeholderFlag xmlns:ma14="http://schemas.microsoft.com/office/mac/drawingml/2011/main" val="1"/>
-            </a:ext>
             <a:ext uri="{909E8E84-426E-40dd-AFC4-6F175D3DCCD1}">
-              <a14:hiddenFill xmlns:a14="http://schemas.microsoft.com/office/drawing/2010/main" xmlns="">
+              <a14:hiddenFill xmlns:a14="http://schemas.microsoft.com/office/drawing/2010/main">
                 <a:solidFill>
                   <a:srgbClr val="FFFFFF"/>
                 </a:solidFill>
               </a14:hiddenFill>
             </a:ext>
             <a:ext uri="{91240B29-F687-4f45-9708-019B960494DF}">
-              <a14:hiddenLine xmlns:a14="http://schemas.microsoft.com/office/drawing/2010/main" xmlns="" w="9525">
+              <a14:hiddenLine xmlns:a14="http://schemas.microsoft.com/office/drawing/2010/main" w="9525">
                 <a:solidFill>
                   <a:srgbClr val="000000"/>
                 </a:solidFill>
@@ -8548,6 +8805,9 @@
                 <a:headEnd/>
                 <a:tailEnd/>
               </a14:hiddenLine>
+            </a:ext>
+            <a:ext uri="{FAA26D3D-D897-4be2-8F04-BA451C77F1D7}">
+              <ma14:placeholderFlag xmlns:ma14="http://schemas.microsoft.com/office/mac/drawingml/2011/main" val="1"/>
             </a:ext>
           </a:extLst>
         </p:spPr>
@@ -8755,13 +9015,13 @@
     <p:sldLayoutId id="2147483841" r:id="rId6"/>
     <p:sldLayoutId id="2147483842" r:id="rId7"/>
   </p:sldLayoutIdLst>
-  <p:transition spd="med">
+  <p:transition xmlns:p14="http://schemas.microsoft.com/office/powerpoint/2010/main" spd="med">
     <p:wipe dir="d"/>
   </p:transition>
   <p:timing>
     <p:tnLst>
       <p:par>
-        <p:cTn id="1" dur="indefinite" restart="never" nodeType="tmRoot"/>
+        <p:cTn xmlns:p14="http://schemas.microsoft.com/office/powerpoint/2010/main" id="1" dur="indefinite" restart="never" nodeType="tmRoot"/>
       </p:par>
     </p:tnLst>
   </p:timing>
@@ -9268,13 +9528,7 @@
               <a:rPr lang="en-US" altLang="en-US" sz="2200" b="1" dirty="0" smtClean="0">
                 <a:ea typeface="ＭＳ Ｐゴシック" charset="-128"/>
               </a:rPr>
-              <a:t>Sean </a:t>
-            </a:r>
-            <a:r>
-              <a:rPr lang="en-US" altLang="en-US" sz="2200" b="1" dirty="0" smtClean="0">
-                <a:ea typeface="ＭＳ Ｐゴシック" charset="-128"/>
-              </a:rPr>
-              <a:t>Gordon</a:t>
+              <a:t>Sean Gordon</a:t>
             </a:r>
           </a:p>
           <a:p>
@@ -9309,14 +9563,14 @@
           <a:ln/>
           <a:extLst>
             <a:ext uri="{909E8E84-426E-40dd-AFC4-6F175D3DCCD1}">
-              <a14:hiddenFill xmlns:a14="http://schemas.microsoft.com/office/drawing/2010/main" xmlns="">
+              <a14:hiddenFill xmlns:a14="http://schemas.microsoft.com/office/drawing/2010/main">
                 <a:solidFill>
                   <a:srgbClr val="FFFFFF"/>
                 </a:solidFill>
               </a14:hiddenFill>
             </a:ext>
             <a:ext uri="{91240B29-F687-4f45-9708-019B960494DF}">
-              <a14:hiddenLine xmlns:a14="http://schemas.microsoft.com/office/drawing/2010/main" xmlns="" w="9525">
+              <a14:hiddenLine xmlns:a14="http://schemas.microsoft.com/office/drawing/2010/main" w="9525">
                 <a:solidFill>
                   <a:srgbClr val="000000"/>
                 </a:solidFill>
@@ -9526,11 +9780,11 @@
   <p:clrMapOvr>
     <a:masterClrMapping/>
   </p:clrMapOvr>
-  <p:transition spd="med"/>
+  <p:transition xmlns:p14="http://schemas.microsoft.com/office/powerpoint/2010/main" spd="med"/>
   <p:timing>
     <p:tnLst>
       <p:par>
-        <p:cTn id="1" dur="indefinite" restart="never" nodeType="tmRoot"/>
+        <p:cTn xmlns:p14="http://schemas.microsoft.com/office/powerpoint/2010/main" id="1" dur="indefinite" restart="never" nodeType="tmRoot"/>
       </p:par>
     </p:tnLst>
   </p:timing>
@@ -9851,13 +10105,13 @@
   <p:clrMapOvr>
     <a:masterClrMapping/>
   </p:clrMapOvr>
-  <p:transition spd="med">
+  <p:transition xmlns:p14="http://schemas.microsoft.com/office/powerpoint/2010/main" spd="med">
     <p:wipe dir="d"/>
   </p:transition>
   <p:timing>
     <p:tnLst>
       <p:par>
-        <p:cTn id="1" dur="indefinite" restart="never" nodeType="tmRoot">
+        <p:cTn xmlns:p14="http://schemas.microsoft.com/office/powerpoint/2010/main" id="1" dur="indefinite" restart="never" nodeType="tmRoot">
           <p:childTnLst>
             <p:seq concurrent="1" nextAc="seek">
               <p:cTn id="2" dur="indefinite" nodeType="mainSeq">
@@ -10156,19 +10410,7 @@
             </a:pPr>
             <a:r>
               <a:rPr lang="en-US" dirty="0" smtClean="0"/>
-              <a:t>What recommendation </a:t>
-            </a:r>
-            <a:r>
-              <a:rPr lang="en-US" dirty="0" smtClean="0"/>
-              <a:t>profiles</a:t>
-            </a:r>
-            <a:r>
-              <a:rPr lang="en-US" dirty="0" smtClean="0"/>
-              <a:t> </a:t>
-            </a:r>
-            <a:r>
-              <a:rPr lang="en-US" dirty="0" smtClean="0"/>
-              <a:t>are most important to your organization?</a:t>
+              <a:t>What recommendation profiles are most important to your organization?</a:t>
             </a:r>
           </a:p>
           <a:p>
@@ -10197,11 +10439,7 @@
             </a:pPr>
             <a:r>
               <a:rPr lang="en-US" dirty="0" smtClean="0"/>
-              <a:t>Fix the concept missing in 90% of your records before the concept missing in 7</a:t>
-            </a:r>
-            <a:r>
-              <a:rPr lang="en-US" dirty="0" smtClean="0"/>
-              <a:t>% if they are part of the same profile.</a:t>
+              <a:t>Fix the concept missing in 90% of your records before the concept missing in 7% if they are part of the same profile.</a:t>
             </a:r>
           </a:p>
           <a:p>
@@ -10283,13 +10521,13 @@
   <p:clrMapOvr>
     <a:masterClrMapping/>
   </p:clrMapOvr>
-  <p:transition spd="med">
+  <p:transition xmlns:p14="http://schemas.microsoft.com/office/powerpoint/2010/main" spd="med">
     <p:wipe dir="d"/>
   </p:transition>
   <p:timing>
     <p:tnLst>
       <p:par>
-        <p:cTn id="1" dur="indefinite" restart="never" nodeType="tmRoot"/>
+        <p:cTn xmlns:p14="http://schemas.microsoft.com/office/powerpoint/2010/main" id="1" dur="indefinite" restart="never" nodeType="tmRoot"/>
       </p:par>
     </p:tnLst>
   </p:timing>
@@ -10452,13 +10690,13 @@
   <p:clrMapOvr>
     <a:masterClrMapping/>
   </p:clrMapOvr>
-  <p:transition spd="med">
+  <p:transition xmlns:p14="http://schemas.microsoft.com/office/powerpoint/2010/main" spd="med">
     <p:wipe dir="d"/>
   </p:transition>
   <p:timing>
     <p:tnLst>
       <p:par>
-        <p:cTn id="1" dur="indefinite" restart="never" nodeType="tmRoot"/>
+        <p:cTn xmlns:p14="http://schemas.microsoft.com/office/powerpoint/2010/main" id="1" dur="indefinite" restart="never" nodeType="tmRoot"/>
       </p:par>
     </p:tnLst>
   </p:timing>
@@ -10494,8 +10732,8 @@
         </p:nvSpPr>
         <p:spPr>
           <a:xfrm>
-            <a:off x="825500" y="50800"/>
-            <a:ext cx="8229600" cy="762000"/>
+            <a:off x="152400" y="50800"/>
+            <a:ext cx="8902700" cy="762000"/>
           </a:xfrm>
         </p:spPr>
         <p:txBody>
@@ -10521,41 +10759,6 @@
           </a:p>
         </p:txBody>
       </p:sp>
-      <p:pic>
-        <p:nvPicPr>
-          <p:cNvPr id="4" name="Picture 3" descr="Screen Shot 2016-10-18 at 8.08.15 PM.png"/>
-          <p:cNvPicPr>
-            <a:picLocks noChangeAspect="1"/>
-          </p:cNvPicPr>
-          <p:nvPr/>
-        </p:nvPicPr>
-        <p:blipFill>
-          <a:blip r:embed="rId3">
-            <a:extLst>
-              <a:ext uri="{28A0092B-C50C-407E-A947-70E740481C1C}">
-                <a14:useLocalDpi xmlns:a14="http://schemas.microsoft.com/office/drawing/2010/main" val="0"/>
-              </a:ext>
-            </a:extLst>
-          </a:blip>
-          <a:stretch>
-            <a:fillRect/>
-          </a:stretch>
-        </p:blipFill>
-        <p:spPr>
-          <a:xfrm>
-            <a:off x="889342" y="1562099"/>
-            <a:ext cx="2309288" cy="4699001"/>
-          </a:xfrm>
-          <a:prstGeom prst="rect">
-            <a:avLst/>
-          </a:prstGeom>
-          <a:ln>
-            <a:solidFill>
-              <a:srgbClr val="000000"/>
-            </a:solidFill>
-          </a:ln>
-        </p:spPr>
-      </p:pic>
       <p:sp>
         <p:nvSpPr>
           <p:cNvPr id="6" name="TextBox 5"/>
@@ -10596,7 +10799,15 @@
             <a:pPr algn="ctr"/>
             <a:r>
               <a:rPr lang="en-US" sz="1200" dirty="0" smtClean="0"/>
-              <a:t>Sept 2016</a:t>
+              <a:t>Summer</a:t>
+            </a:r>
+            <a:r>
+              <a:rPr lang="en-US" sz="1200" dirty="0" smtClean="0"/>
+              <a:t> </a:t>
+            </a:r>
+            <a:r>
+              <a:rPr lang="en-US" sz="1200" dirty="0" smtClean="0"/>
+              <a:t>2016</a:t>
             </a:r>
             <a:endParaRPr lang="en-US" sz="1200" dirty="0"/>
           </a:p>
@@ -10610,7 +10821,7 @@
         </p:nvSpPr>
         <p:spPr>
           <a:xfrm>
-            <a:off x="4526293" y="965200"/>
+            <a:off x="4825931" y="965200"/>
             <a:ext cx="2108269" cy="553998"/>
           </a:xfrm>
           <a:prstGeom prst="rect">
@@ -10648,6 +10859,464 @@
           </a:p>
         </p:txBody>
       </p:sp>
+      <p:pic>
+        <p:nvPicPr>
+          <p:cNvPr id="5" name="Picture 4" descr="Screen Shot 2016-10-20 at 9.56.13 AM.png"/>
+          <p:cNvPicPr>
+            <a:picLocks noChangeAspect="1"/>
+          </p:cNvPicPr>
+          <p:nvPr/>
+        </p:nvPicPr>
+        <p:blipFill>
+          <a:blip r:embed="rId3">
+            <a:extLst>
+              <a:ext uri="{28A0092B-C50C-407E-A947-70E740481C1C}">
+                <a14:useLocalDpi xmlns:a14="http://schemas.microsoft.com/office/drawing/2010/main" val="0"/>
+              </a:ext>
+            </a:extLst>
+          </a:blip>
+          <a:stretch>
+            <a:fillRect/>
+          </a:stretch>
+        </p:blipFill>
+        <p:spPr>
+          <a:xfrm>
+            <a:off x="4668602" y="1587500"/>
+            <a:ext cx="2722797" cy="4660900"/>
+          </a:xfrm>
+          <a:prstGeom prst="rect">
+            <a:avLst/>
+          </a:prstGeom>
+          <a:ln>
+            <a:solidFill>
+              <a:srgbClr val="000000"/>
+            </a:solidFill>
+          </a:ln>
+        </p:spPr>
+      </p:pic>
+      <p:pic>
+        <p:nvPicPr>
+          <p:cNvPr id="7" name="Picture 6" descr="Screen Shot 2016-10-20 at 10.00.11 AM.png"/>
+          <p:cNvPicPr>
+            <a:picLocks noChangeAspect="1"/>
+          </p:cNvPicPr>
+          <p:nvPr/>
+        </p:nvPicPr>
+        <p:blipFill>
+          <a:blip r:embed="rId4">
+            <a:extLst>
+              <a:ext uri="{28A0092B-C50C-407E-A947-70E740481C1C}">
+                <a14:useLocalDpi xmlns:a14="http://schemas.microsoft.com/office/drawing/2010/main" val="0"/>
+              </a:ext>
+            </a:extLst>
+          </a:blip>
+          <a:stretch>
+            <a:fillRect/>
+          </a:stretch>
+        </p:blipFill>
+        <p:spPr>
+          <a:xfrm>
+            <a:off x="609600" y="1600200"/>
+            <a:ext cx="2724690" cy="4673600"/>
+          </a:xfrm>
+          <a:prstGeom prst="rect">
+            <a:avLst/>
+          </a:prstGeom>
+          <a:ln>
+            <a:solidFill>
+              <a:srgbClr val="000000"/>
+            </a:solidFill>
+          </a:ln>
+        </p:spPr>
+      </p:pic>
+      <p:sp>
+        <p:nvSpPr>
+          <p:cNvPr id="9" name="Rectangle 8"/>
+          <p:cNvSpPr/>
+          <p:nvPr/>
+        </p:nvSpPr>
+        <p:spPr bwMode="auto">
+          <a:xfrm>
+            <a:off x="533400" y="5562600"/>
+            <a:ext cx="2895600" cy="533400"/>
+          </a:xfrm>
+          <a:prstGeom prst="rect">
+            <a:avLst/>
+          </a:prstGeom>
+          <a:noFill/>
+          <a:ln w="28575" cap="flat" cmpd="sng" algn="ctr">
+            <a:solidFill>
+              <a:schemeClr val="accent2">
+                <a:lumMod val="50000"/>
+              </a:schemeClr>
+            </a:solidFill>
+            <a:prstDash val="solid"/>
+            <a:round/>
+            <a:headEnd type="none" w="med" len="med"/>
+            <a:tailEnd type="none" w="med" len="med"/>
+          </a:ln>
+          <a:effectLst/>
+        </p:spPr>
+        <p:txBody>
+          <a:bodyPr vert="horz" wrap="none" lIns="91440" tIns="45720" rIns="91440" bIns="45720" numCol="1" rtlCol="0" anchor="ctr" anchorCtr="0" compatLnSpc="1">
+            <a:prstTxWarp prst="textNoShape">
+              <a:avLst/>
+            </a:prstTxWarp>
+          </a:bodyPr>
+          <a:lstStyle/>
+          <a:p>
+            <a:pPr marL="0" marR="0" indent="0" algn="l" defTabSz="914400" rtl="0" eaLnBrk="1" fontAlgn="base" latinLnBrk="0" hangingPunct="1">
+              <a:lnSpc>
+                <a:spcPct val="100000"/>
+              </a:lnSpc>
+              <a:spcBef>
+                <a:spcPct val="0"/>
+              </a:spcBef>
+              <a:spcAft>
+                <a:spcPct val="0"/>
+              </a:spcAft>
+              <a:buClrTx/>
+              <a:buSzTx/>
+              <a:buFontTx/>
+              <a:buNone/>
+              <a:tabLst/>
+            </a:pPr>
+            <a:endParaRPr kumimoji="0" lang="en-US" sz="2400" b="0" i="0" u="none" strike="noStrike" cap="none" normalizeH="0" baseline="0" smtClean="0">
+              <a:ln>
+                <a:noFill/>
+              </a:ln>
+              <a:solidFill>
+                <a:schemeClr val="tx1"/>
+              </a:solidFill>
+              <a:effectLst/>
+              <a:latin typeface="Times New Roman" pitchFamily="18" charset="0"/>
+            </a:endParaRPr>
+          </a:p>
+        </p:txBody>
+      </p:sp>
+      <p:sp>
+        <p:nvSpPr>
+          <p:cNvPr id="11" name="Rectangle 10"/>
+          <p:cNvSpPr/>
+          <p:nvPr/>
+        </p:nvSpPr>
+        <p:spPr bwMode="auto">
+          <a:xfrm>
+            <a:off x="4572000" y="5715000"/>
+            <a:ext cx="2895600" cy="381000"/>
+          </a:xfrm>
+          <a:prstGeom prst="rect">
+            <a:avLst/>
+          </a:prstGeom>
+          <a:noFill/>
+          <a:ln w="28575" cap="flat" cmpd="sng" algn="ctr">
+            <a:solidFill>
+              <a:srgbClr val="008000"/>
+            </a:solidFill>
+            <a:prstDash val="solid"/>
+            <a:round/>
+            <a:headEnd type="none" w="med" len="med"/>
+            <a:tailEnd type="none" w="med" len="med"/>
+          </a:ln>
+          <a:effectLst/>
+        </p:spPr>
+        <p:txBody>
+          <a:bodyPr vert="horz" wrap="none" lIns="91440" tIns="45720" rIns="91440" bIns="45720" numCol="1" rtlCol="0" anchor="ctr" anchorCtr="0" compatLnSpc="1">
+            <a:prstTxWarp prst="textNoShape">
+              <a:avLst/>
+            </a:prstTxWarp>
+          </a:bodyPr>
+          <a:lstStyle/>
+          <a:p>
+            <a:pPr marL="0" marR="0" indent="0" algn="l" defTabSz="914400" rtl="0" eaLnBrk="1" fontAlgn="base" latinLnBrk="0" hangingPunct="1">
+              <a:lnSpc>
+                <a:spcPct val="100000"/>
+              </a:lnSpc>
+              <a:spcBef>
+                <a:spcPct val="0"/>
+              </a:spcBef>
+              <a:spcAft>
+                <a:spcPct val="0"/>
+              </a:spcAft>
+              <a:buClrTx/>
+              <a:buSzTx/>
+              <a:buFontTx/>
+              <a:buNone/>
+              <a:tabLst/>
+            </a:pPr>
+            <a:endParaRPr kumimoji="0" lang="en-US" sz="2400" b="0" i="0" u="none" strike="noStrike" cap="none" normalizeH="0" baseline="0" smtClean="0">
+              <a:ln>
+                <a:noFill/>
+              </a:ln>
+              <a:solidFill>
+                <a:schemeClr val="tx1"/>
+              </a:solidFill>
+              <a:effectLst/>
+              <a:latin typeface="Times New Roman" pitchFamily="18" charset="0"/>
+            </a:endParaRPr>
+          </a:p>
+        </p:txBody>
+      </p:sp>
+      <p:sp>
+        <p:nvSpPr>
+          <p:cNvPr id="12" name="Rectangle 11"/>
+          <p:cNvSpPr/>
+          <p:nvPr/>
+        </p:nvSpPr>
+        <p:spPr bwMode="auto">
+          <a:xfrm>
+            <a:off x="533400" y="3581400"/>
+            <a:ext cx="2895600" cy="381000"/>
+          </a:xfrm>
+          <a:prstGeom prst="rect">
+            <a:avLst/>
+          </a:prstGeom>
+          <a:noFill/>
+          <a:ln w="28575" cap="flat" cmpd="sng" algn="ctr">
+            <a:solidFill>
+              <a:schemeClr val="accent2">
+                <a:lumMod val="50000"/>
+              </a:schemeClr>
+            </a:solidFill>
+            <a:prstDash val="solid"/>
+            <a:round/>
+            <a:headEnd type="none" w="med" len="med"/>
+            <a:tailEnd type="none" w="med" len="med"/>
+          </a:ln>
+          <a:effectLst/>
+        </p:spPr>
+        <p:txBody>
+          <a:bodyPr vert="horz" wrap="none" lIns="91440" tIns="45720" rIns="91440" bIns="45720" numCol="1" rtlCol="0" anchor="ctr" anchorCtr="0" compatLnSpc="1">
+            <a:prstTxWarp prst="textNoShape">
+              <a:avLst/>
+            </a:prstTxWarp>
+          </a:bodyPr>
+          <a:lstStyle/>
+          <a:p>
+            <a:pPr marL="0" marR="0" indent="0" algn="l" defTabSz="914400" rtl="0" eaLnBrk="1" fontAlgn="base" latinLnBrk="0" hangingPunct="1">
+              <a:lnSpc>
+                <a:spcPct val="100000"/>
+              </a:lnSpc>
+              <a:spcBef>
+                <a:spcPct val="0"/>
+              </a:spcBef>
+              <a:spcAft>
+                <a:spcPct val="0"/>
+              </a:spcAft>
+              <a:buClrTx/>
+              <a:buSzTx/>
+              <a:buFontTx/>
+              <a:buNone/>
+              <a:tabLst/>
+            </a:pPr>
+            <a:endParaRPr kumimoji="0" lang="en-US" sz="2400" b="0" i="0" u="none" strike="noStrike" cap="none" normalizeH="0" baseline="0" smtClean="0">
+              <a:ln>
+                <a:noFill/>
+              </a:ln>
+              <a:solidFill>
+                <a:schemeClr val="tx1"/>
+              </a:solidFill>
+              <a:effectLst/>
+              <a:latin typeface="Times New Roman" pitchFamily="18" charset="0"/>
+            </a:endParaRPr>
+          </a:p>
+        </p:txBody>
+      </p:sp>
+      <p:sp>
+        <p:nvSpPr>
+          <p:cNvPr id="13" name="Rectangle 12"/>
+          <p:cNvSpPr/>
+          <p:nvPr/>
+        </p:nvSpPr>
+        <p:spPr bwMode="auto">
+          <a:xfrm>
+            <a:off x="533400" y="2819400"/>
+            <a:ext cx="2895600" cy="228600"/>
+          </a:xfrm>
+          <a:prstGeom prst="rect">
+            <a:avLst/>
+          </a:prstGeom>
+          <a:noFill/>
+          <a:ln w="28575" cap="flat" cmpd="sng" algn="ctr">
+            <a:solidFill>
+              <a:schemeClr val="accent2">
+                <a:lumMod val="50000"/>
+              </a:schemeClr>
+            </a:solidFill>
+            <a:prstDash val="solid"/>
+            <a:round/>
+            <a:headEnd type="none" w="med" len="med"/>
+            <a:tailEnd type="none" w="med" len="med"/>
+          </a:ln>
+          <a:effectLst/>
+        </p:spPr>
+        <p:txBody>
+          <a:bodyPr vert="horz" wrap="none" lIns="91440" tIns="45720" rIns="91440" bIns="45720" numCol="1" rtlCol="0" anchor="ctr" anchorCtr="0" compatLnSpc="1">
+            <a:prstTxWarp prst="textNoShape">
+              <a:avLst/>
+            </a:prstTxWarp>
+          </a:bodyPr>
+          <a:lstStyle/>
+          <a:p>
+            <a:pPr marL="0" marR="0" indent="0" algn="l" defTabSz="914400" rtl="0" eaLnBrk="1" fontAlgn="base" latinLnBrk="0" hangingPunct="1">
+              <a:lnSpc>
+                <a:spcPct val="100000"/>
+              </a:lnSpc>
+              <a:spcBef>
+                <a:spcPct val="0"/>
+              </a:spcBef>
+              <a:spcAft>
+                <a:spcPct val="0"/>
+              </a:spcAft>
+              <a:buClrTx/>
+              <a:buSzTx/>
+              <a:buFontTx/>
+              <a:buNone/>
+              <a:tabLst/>
+            </a:pPr>
+            <a:endParaRPr kumimoji="0" lang="en-US" sz="2400" b="0" i="0" u="none" strike="noStrike" cap="none" normalizeH="0" baseline="0" smtClean="0">
+              <a:ln>
+                <a:noFill/>
+              </a:ln>
+              <a:solidFill>
+                <a:schemeClr val="tx1"/>
+              </a:solidFill>
+              <a:effectLst/>
+              <a:latin typeface="Times New Roman" pitchFamily="18" charset="0"/>
+            </a:endParaRPr>
+          </a:p>
+        </p:txBody>
+      </p:sp>
+      <p:sp>
+        <p:nvSpPr>
+          <p:cNvPr id="14" name="Rectangle 13"/>
+          <p:cNvSpPr/>
+          <p:nvPr/>
+        </p:nvSpPr>
+        <p:spPr bwMode="auto">
+          <a:xfrm>
+            <a:off x="533400" y="5029200"/>
+            <a:ext cx="2895600" cy="152400"/>
+          </a:xfrm>
+          <a:prstGeom prst="rect">
+            <a:avLst/>
+          </a:prstGeom>
+          <a:noFill/>
+          <a:ln w="28575" cap="flat" cmpd="sng" algn="ctr">
+            <a:solidFill>
+              <a:schemeClr val="accent1">
+                <a:lumMod val="50000"/>
+              </a:schemeClr>
+            </a:solidFill>
+            <a:prstDash val="solid"/>
+            <a:round/>
+            <a:headEnd type="none" w="med" len="med"/>
+            <a:tailEnd type="none" w="med" len="med"/>
+          </a:ln>
+          <a:effectLst/>
+        </p:spPr>
+        <p:txBody>
+          <a:bodyPr vert="horz" wrap="none" lIns="91440" tIns="45720" rIns="91440" bIns="45720" numCol="1" rtlCol="0" anchor="ctr" anchorCtr="0" compatLnSpc="1">
+            <a:prstTxWarp prst="textNoShape">
+              <a:avLst/>
+            </a:prstTxWarp>
+          </a:bodyPr>
+          <a:lstStyle/>
+          <a:p>
+            <a:pPr marL="0" marR="0" indent="0" algn="l" defTabSz="914400" rtl="0" eaLnBrk="1" fontAlgn="base" latinLnBrk="0" hangingPunct="1">
+              <a:lnSpc>
+                <a:spcPct val="100000"/>
+              </a:lnSpc>
+              <a:spcBef>
+                <a:spcPct val="0"/>
+              </a:spcBef>
+              <a:spcAft>
+                <a:spcPct val="0"/>
+              </a:spcAft>
+              <a:buClrTx/>
+              <a:buSzTx/>
+              <a:buFontTx/>
+              <a:buNone/>
+              <a:tabLst/>
+            </a:pPr>
+            <a:endParaRPr kumimoji="0" lang="en-US" sz="2400" b="0" i="0" u="none" strike="noStrike" cap="none" normalizeH="0" baseline="0" smtClean="0">
+              <a:ln>
+                <a:noFill/>
+              </a:ln>
+              <a:solidFill>
+                <a:schemeClr val="accent5"/>
+              </a:solidFill>
+              <a:effectLst/>
+              <a:latin typeface="Times New Roman" pitchFamily="18" charset="0"/>
+            </a:endParaRPr>
+          </a:p>
+        </p:txBody>
+      </p:sp>
+      <p:sp>
+        <p:nvSpPr>
+          <p:cNvPr id="15" name="Rectangle 14"/>
+          <p:cNvSpPr/>
+          <p:nvPr/>
+        </p:nvSpPr>
+        <p:spPr bwMode="auto">
+          <a:xfrm>
+            <a:off x="533400" y="5410200"/>
+            <a:ext cx="2895600" cy="152400"/>
+          </a:xfrm>
+          <a:prstGeom prst="rect">
+            <a:avLst/>
+          </a:prstGeom>
+          <a:noFill/>
+          <a:ln w="28575" cap="flat" cmpd="sng" algn="ctr">
+            <a:solidFill>
+              <a:schemeClr val="accent1">
+                <a:lumMod val="50000"/>
+              </a:schemeClr>
+            </a:solidFill>
+            <a:prstDash val="solid"/>
+            <a:round/>
+            <a:headEnd type="none" w="med" len="med"/>
+            <a:tailEnd type="none" w="med" len="med"/>
+          </a:ln>
+          <a:effectLst/>
+        </p:spPr>
+        <p:txBody>
+          <a:bodyPr vert="horz" wrap="none" lIns="91440" tIns="45720" rIns="91440" bIns="45720" numCol="1" rtlCol="0" anchor="ctr" anchorCtr="0" compatLnSpc="1">
+            <a:prstTxWarp prst="textNoShape">
+              <a:avLst/>
+            </a:prstTxWarp>
+          </a:bodyPr>
+          <a:lstStyle/>
+          <a:p>
+            <a:pPr marL="0" marR="0" indent="0" algn="l" defTabSz="914400" rtl="0" eaLnBrk="1" fontAlgn="base" latinLnBrk="0" hangingPunct="1">
+              <a:lnSpc>
+                <a:spcPct val="100000"/>
+              </a:lnSpc>
+              <a:spcBef>
+                <a:spcPct val="0"/>
+              </a:spcBef>
+              <a:spcAft>
+                <a:spcPct val="0"/>
+              </a:spcAft>
+              <a:buClrTx/>
+              <a:buSzTx/>
+              <a:buFontTx/>
+              <a:buNone/>
+              <a:tabLst/>
+            </a:pPr>
+            <a:endParaRPr kumimoji="0" lang="en-US" sz="2400" b="0" i="0" u="none" strike="noStrike" cap="none" normalizeH="0" baseline="0" smtClean="0">
+              <a:ln>
+                <a:noFill/>
+              </a:ln>
+              <a:solidFill>
+                <a:schemeClr val="accent5"/>
+              </a:solidFill>
+              <a:effectLst/>
+              <a:latin typeface="Times New Roman" pitchFamily="18" charset="0"/>
+            </a:endParaRPr>
+          </a:p>
+        </p:txBody>
+      </p:sp>
     </p:spTree>
     <p:extLst>
       <p:ext uri="{BB962C8B-B14F-4D97-AF65-F5344CB8AC3E}">
@@ -10658,20 +11327,887 @@
   <p:clrMapOvr>
     <a:masterClrMapping/>
   </p:clrMapOvr>
-  <p:transition spd="med">
+  <p:transition xmlns:p14="http://schemas.microsoft.com/office/powerpoint/2010/main" spd="med">
     <p:wipe dir="d"/>
   </p:transition>
   <p:timing>
     <p:tnLst>
       <p:par>
-        <p:cTn id="1" dur="indefinite" restart="never" nodeType="tmRoot"/>
+        <p:cTn xmlns:p14="http://schemas.microsoft.com/office/powerpoint/2010/main" id="1" dur="indefinite" restart="never" nodeType="tmRoot">
+          <p:childTnLst>
+            <p:seq concurrent="1" nextAc="seek">
+              <p:cTn id="2" dur="indefinite" nodeType="mainSeq">
+                <p:childTnLst>
+                  <p:par>
+                    <p:cTn id="3" fill="hold">
+                      <p:stCondLst>
+                        <p:cond delay="indefinite"/>
+                      </p:stCondLst>
+                      <p:childTnLst>
+                        <p:par>
+                          <p:cTn id="4" fill="hold">
+                            <p:stCondLst>
+                              <p:cond delay="0"/>
+                            </p:stCondLst>
+                            <p:childTnLst>
+                              <p:par>
+                                <p:cTn id="5" presetID="9" presetClass="entr" presetSubtype="0" fill="hold" grpId="0" nodeType="clickEffect">
+                                  <p:stCondLst>
+                                    <p:cond delay="0"/>
+                                  </p:stCondLst>
+                                  <p:childTnLst>
+                                    <p:set>
+                                      <p:cBhvr>
+                                        <p:cTn id="6" dur="1" fill="hold">
+                                          <p:stCondLst>
+                                            <p:cond delay="0"/>
+                                          </p:stCondLst>
+                                        </p:cTn>
+                                        <p:tgtEl>
+                                          <p:spTgt spid="9"/>
+                                        </p:tgtEl>
+                                        <p:attrNameLst>
+                                          <p:attrName>style.visibility</p:attrName>
+                                        </p:attrNameLst>
+                                      </p:cBhvr>
+                                      <p:to>
+                                        <p:strVal val="visible"/>
+                                      </p:to>
+                                    </p:set>
+                                    <p:animEffect transition="in" filter="dissolve">
+                                      <p:cBhvr>
+                                        <p:cTn id="7" dur="500"/>
+                                        <p:tgtEl>
+                                          <p:spTgt spid="9"/>
+                                        </p:tgtEl>
+                                      </p:cBhvr>
+                                    </p:animEffect>
+                                  </p:childTnLst>
+                                </p:cTn>
+                              </p:par>
+                              <p:par>
+                                <p:cTn id="8" presetID="9" presetClass="entr" presetSubtype="0" fill="hold" grpId="0" nodeType="withEffect">
+                                  <p:stCondLst>
+                                    <p:cond delay="0"/>
+                                  </p:stCondLst>
+                                  <p:childTnLst>
+                                    <p:set>
+                                      <p:cBhvr>
+                                        <p:cTn id="9" dur="1" fill="hold">
+                                          <p:stCondLst>
+                                            <p:cond delay="0"/>
+                                          </p:stCondLst>
+                                        </p:cTn>
+                                        <p:tgtEl>
+                                          <p:spTgt spid="12"/>
+                                        </p:tgtEl>
+                                        <p:attrNameLst>
+                                          <p:attrName>style.visibility</p:attrName>
+                                        </p:attrNameLst>
+                                      </p:cBhvr>
+                                      <p:to>
+                                        <p:strVal val="visible"/>
+                                      </p:to>
+                                    </p:set>
+                                    <p:animEffect transition="in" filter="dissolve">
+                                      <p:cBhvr>
+                                        <p:cTn id="10" dur="500"/>
+                                        <p:tgtEl>
+                                          <p:spTgt spid="12"/>
+                                        </p:tgtEl>
+                                      </p:cBhvr>
+                                    </p:animEffect>
+                                  </p:childTnLst>
+                                </p:cTn>
+                              </p:par>
+                              <p:par>
+                                <p:cTn id="11" presetID="9" presetClass="entr" presetSubtype="0" fill="hold" grpId="0" nodeType="withEffect">
+                                  <p:stCondLst>
+                                    <p:cond delay="0"/>
+                                  </p:stCondLst>
+                                  <p:childTnLst>
+                                    <p:set>
+                                      <p:cBhvr>
+                                        <p:cTn id="12" dur="1" fill="hold">
+                                          <p:stCondLst>
+                                            <p:cond delay="0"/>
+                                          </p:stCondLst>
+                                        </p:cTn>
+                                        <p:tgtEl>
+                                          <p:spTgt spid="13"/>
+                                        </p:tgtEl>
+                                        <p:attrNameLst>
+                                          <p:attrName>style.visibility</p:attrName>
+                                        </p:attrNameLst>
+                                      </p:cBhvr>
+                                      <p:to>
+                                        <p:strVal val="visible"/>
+                                      </p:to>
+                                    </p:set>
+                                    <p:animEffect transition="in" filter="dissolve">
+                                      <p:cBhvr>
+                                        <p:cTn id="13" dur="500"/>
+                                        <p:tgtEl>
+                                          <p:spTgt spid="13"/>
+                                        </p:tgtEl>
+                                      </p:cBhvr>
+                                    </p:animEffect>
+                                  </p:childTnLst>
+                                </p:cTn>
+                              </p:par>
+                            </p:childTnLst>
+                          </p:cTn>
+                        </p:par>
+                      </p:childTnLst>
+                    </p:cTn>
+                  </p:par>
+                  <p:par>
+                    <p:cTn id="14" fill="hold">
+                      <p:stCondLst>
+                        <p:cond delay="indefinite"/>
+                      </p:stCondLst>
+                      <p:childTnLst>
+                        <p:par>
+                          <p:cTn id="15" fill="hold">
+                            <p:stCondLst>
+                              <p:cond delay="0"/>
+                            </p:stCondLst>
+                            <p:childTnLst>
+                              <p:par>
+                                <p:cTn id="16" presetID="9" presetClass="entr" presetSubtype="0" fill="hold" grpId="0" nodeType="clickEffect">
+                                  <p:stCondLst>
+                                    <p:cond delay="0"/>
+                                  </p:stCondLst>
+                                  <p:childTnLst>
+                                    <p:set>
+                                      <p:cBhvr>
+                                        <p:cTn id="17" dur="1" fill="hold">
+                                          <p:stCondLst>
+                                            <p:cond delay="0"/>
+                                          </p:stCondLst>
+                                        </p:cTn>
+                                        <p:tgtEl>
+                                          <p:spTgt spid="14"/>
+                                        </p:tgtEl>
+                                        <p:attrNameLst>
+                                          <p:attrName>style.visibility</p:attrName>
+                                        </p:attrNameLst>
+                                      </p:cBhvr>
+                                      <p:to>
+                                        <p:strVal val="visible"/>
+                                      </p:to>
+                                    </p:set>
+                                    <p:animEffect transition="in" filter="dissolve">
+                                      <p:cBhvr>
+                                        <p:cTn id="18" dur="500"/>
+                                        <p:tgtEl>
+                                          <p:spTgt spid="14"/>
+                                        </p:tgtEl>
+                                      </p:cBhvr>
+                                    </p:animEffect>
+                                  </p:childTnLst>
+                                </p:cTn>
+                              </p:par>
+                              <p:par>
+                                <p:cTn id="19" presetID="9" presetClass="entr" presetSubtype="0" fill="hold" grpId="0" nodeType="withEffect">
+                                  <p:stCondLst>
+                                    <p:cond delay="0"/>
+                                  </p:stCondLst>
+                                  <p:childTnLst>
+                                    <p:set>
+                                      <p:cBhvr>
+                                        <p:cTn id="20" dur="1" fill="hold">
+                                          <p:stCondLst>
+                                            <p:cond delay="0"/>
+                                          </p:stCondLst>
+                                        </p:cTn>
+                                        <p:tgtEl>
+                                          <p:spTgt spid="15"/>
+                                        </p:tgtEl>
+                                        <p:attrNameLst>
+                                          <p:attrName>style.visibility</p:attrName>
+                                        </p:attrNameLst>
+                                      </p:cBhvr>
+                                      <p:to>
+                                        <p:strVal val="visible"/>
+                                      </p:to>
+                                    </p:set>
+                                    <p:animEffect transition="in" filter="dissolve">
+                                      <p:cBhvr>
+                                        <p:cTn id="21" dur="500"/>
+                                        <p:tgtEl>
+                                          <p:spTgt spid="15"/>
+                                        </p:tgtEl>
+                                      </p:cBhvr>
+                                    </p:animEffect>
+                                  </p:childTnLst>
+                                </p:cTn>
+                              </p:par>
+                            </p:childTnLst>
+                          </p:cTn>
+                        </p:par>
+                      </p:childTnLst>
+                    </p:cTn>
+                  </p:par>
+                  <p:par>
+                    <p:cTn id="22" fill="hold">
+                      <p:stCondLst>
+                        <p:cond delay="indefinite"/>
+                      </p:stCondLst>
+                      <p:childTnLst>
+                        <p:par>
+                          <p:cTn id="23" fill="hold">
+                            <p:stCondLst>
+                              <p:cond delay="0"/>
+                            </p:stCondLst>
+                            <p:childTnLst>
+                              <p:par>
+                                <p:cTn id="24" presetID="9" presetClass="entr" presetSubtype="0" fill="hold" grpId="0" nodeType="clickEffect">
+                                  <p:stCondLst>
+                                    <p:cond delay="0"/>
+                                  </p:stCondLst>
+                                  <p:childTnLst>
+                                    <p:set>
+                                      <p:cBhvr>
+                                        <p:cTn id="25" dur="1" fill="hold">
+                                          <p:stCondLst>
+                                            <p:cond delay="0"/>
+                                          </p:stCondLst>
+                                        </p:cTn>
+                                        <p:tgtEl>
+                                          <p:spTgt spid="11"/>
+                                        </p:tgtEl>
+                                        <p:attrNameLst>
+                                          <p:attrName>style.visibility</p:attrName>
+                                        </p:attrNameLst>
+                                      </p:cBhvr>
+                                      <p:to>
+                                        <p:strVal val="visible"/>
+                                      </p:to>
+                                    </p:set>
+                                    <p:animEffect transition="in" filter="dissolve">
+                                      <p:cBhvr>
+                                        <p:cTn id="26" dur="500"/>
+                                        <p:tgtEl>
+                                          <p:spTgt spid="11"/>
+                                        </p:tgtEl>
+                                      </p:cBhvr>
+                                    </p:animEffect>
+                                  </p:childTnLst>
+                                </p:cTn>
+                              </p:par>
+                            </p:childTnLst>
+                          </p:cTn>
+                        </p:par>
+                      </p:childTnLst>
+                    </p:cTn>
+                  </p:par>
+                </p:childTnLst>
+              </p:cTn>
+              <p:prevCondLst>
+                <p:cond evt="onPrev" delay="0">
+                  <p:tgtEl>
+                    <p:sldTgt/>
+                  </p:tgtEl>
+                </p:cond>
+              </p:prevCondLst>
+              <p:nextCondLst>
+                <p:cond evt="onNext" delay="0">
+                  <p:tgtEl>
+                    <p:sldTgt/>
+                  </p:tgtEl>
+                </p:cond>
+              </p:nextCondLst>
+            </p:seq>
+          </p:childTnLst>
+        </p:cTn>
       </p:par>
     </p:tnLst>
+    <p:bldLst>
+      <p:bldP spid="9" grpId="0" animBg="1"/>
+      <p:bldP spid="11" grpId="0" animBg="1"/>
+      <p:bldP spid="12" grpId="0" animBg="1"/>
+      <p:bldP spid="13" grpId="0" animBg="1"/>
+      <p:bldP spid="14" grpId="0" animBg="1"/>
+      <p:bldP spid="15" grpId="0" animBg="1"/>
+    </p:bldLst>
   </p:timing>
 </p:sld>
 </file>
 
 <file path=ppt/slides/slide14.xml><?xml version="1.0" encoding="utf-8"?>
+<p:sld xmlns:a="http://schemas.openxmlformats.org/drawingml/2006/main" xmlns:r="http://schemas.openxmlformats.org/officeDocument/2006/relationships" xmlns:p="http://schemas.openxmlformats.org/presentationml/2006/main">
+  <p:cSld>
+    <p:spTree>
+      <p:nvGrpSpPr>
+        <p:cNvPr id="1" name=""/>
+        <p:cNvGrpSpPr/>
+        <p:nvPr/>
+      </p:nvGrpSpPr>
+      <p:grpSpPr>
+        <a:xfrm>
+          <a:off x="0" y="0"/>
+          <a:ext cx="0" cy="0"/>
+          <a:chOff x="0" y="0"/>
+          <a:chExt cx="0" cy="0"/>
+        </a:xfrm>
+      </p:grpSpPr>
+      <p:sp>
+        <p:nvSpPr>
+          <p:cNvPr id="13313" name="Title 8"/>
+          <p:cNvSpPr>
+            <a:spLocks noGrp="1"/>
+          </p:cNvSpPr>
+          <p:nvPr>
+            <p:ph type="title"/>
+          </p:nvPr>
+        </p:nvSpPr>
+        <p:spPr>
+          <a:xfrm>
+            <a:off x="825500" y="50800"/>
+            <a:ext cx="8229600" cy="762000"/>
+          </a:xfrm>
+        </p:spPr>
+        <p:txBody>
+          <a:bodyPr/>
+          <a:lstStyle/>
+          <a:p>
+            <a:pPr eaLnBrk="1" hangingPunct="1"/>
+            <a:r>
+              <a:rPr lang="en-US" altLang="en-US" dirty="0" err="1" smtClean="0">
+                <a:ea typeface="ＭＳ Ｐゴシック" charset="-128"/>
+              </a:rPr>
+              <a:t>GeoTraces</a:t>
+            </a:r>
+            <a:r>
+              <a:rPr lang="en-US" altLang="en-US" dirty="0" smtClean="0">
+                <a:ea typeface="ＭＳ Ｐゴシック" charset="-128"/>
+              </a:rPr>
+              <a:t> Metadata </a:t>
+            </a:r>
+            <a:r>
+              <a:rPr lang="en-US" altLang="en-US" dirty="0" smtClean="0">
+                <a:ea typeface="ＭＳ Ｐゴシック" charset="-128"/>
+              </a:rPr>
+              <a:t>Improvement</a:t>
+            </a:r>
+            <a:endParaRPr lang="en-US" altLang="en-US" dirty="0">
+              <a:ea typeface="ＭＳ Ｐゴシック" charset="-128"/>
+            </a:endParaRPr>
+          </a:p>
+        </p:txBody>
+      </p:sp>
+      <p:pic>
+        <p:nvPicPr>
+          <p:cNvPr id="2" name="Picture 1" descr="Screen Shot 2016-10-20 at 10.17.20 AM.png"/>
+          <p:cNvPicPr>
+            <a:picLocks noChangeAspect="1"/>
+          </p:cNvPicPr>
+          <p:nvPr/>
+        </p:nvPicPr>
+        <p:blipFill>
+          <a:blip r:embed="rId3">
+            <a:extLst>
+              <a:ext uri="{28A0092B-C50C-407E-A947-70E740481C1C}">
+                <a14:useLocalDpi xmlns:a14="http://schemas.microsoft.com/office/drawing/2010/main" val="0"/>
+              </a:ext>
+            </a:extLst>
+          </a:blip>
+          <a:stretch>
+            <a:fillRect/>
+          </a:stretch>
+        </p:blipFill>
+        <p:spPr>
+          <a:xfrm>
+            <a:off x="381000" y="1447800"/>
+            <a:ext cx="4632378" cy="1521707"/>
+          </a:xfrm>
+          <a:prstGeom prst="rect">
+            <a:avLst/>
+          </a:prstGeom>
+          <a:ln>
+            <a:solidFill>
+              <a:schemeClr val="tx1"/>
+            </a:solidFill>
+          </a:ln>
+        </p:spPr>
+      </p:pic>
+      <p:sp>
+        <p:nvSpPr>
+          <p:cNvPr id="10" name="TextBox 9"/>
+          <p:cNvSpPr txBox="1"/>
+          <p:nvPr/>
+        </p:nvSpPr>
+        <p:spPr>
+          <a:xfrm>
+            <a:off x="304800" y="1143000"/>
+            <a:ext cx="3531114" cy="307777"/>
+          </a:xfrm>
+          <a:prstGeom prst="rect">
+            <a:avLst/>
+          </a:prstGeom>
+          <a:noFill/>
+        </p:spPr>
+        <p:txBody>
+          <a:bodyPr wrap="none" rtlCol="0">
+            <a:spAutoFit/>
+          </a:bodyPr>
+          <a:lstStyle/>
+          <a:p>
+            <a:r>
+              <a:rPr lang="en-US" sz="1400" i="1" dirty="0" smtClean="0"/>
+              <a:t>Incomplete or Missing </a:t>
+            </a:r>
+            <a:r>
+              <a:rPr lang="en-US" sz="1400" i="1" dirty="0" err="1" smtClean="0"/>
+              <a:t>DataCite</a:t>
+            </a:r>
+            <a:r>
+              <a:rPr lang="en-US" sz="1400" i="1" dirty="0" smtClean="0"/>
+              <a:t> Concepts</a:t>
+            </a:r>
+            <a:endParaRPr lang="en-US" sz="1400" i="1" dirty="0"/>
+          </a:p>
+        </p:txBody>
+      </p:sp>
+      <p:sp>
+        <p:nvSpPr>
+          <p:cNvPr id="13" name="TextBox 12"/>
+          <p:cNvSpPr txBox="1"/>
+          <p:nvPr/>
+        </p:nvSpPr>
+        <p:spPr>
+          <a:xfrm>
+            <a:off x="304800" y="3578423"/>
+            <a:ext cx="2184329" cy="307777"/>
+          </a:xfrm>
+          <a:prstGeom prst="rect">
+            <a:avLst/>
+          </a:prstGeom>
+          <a:noFill/>
+        </p:spPr>
+        <p:txBody>
+          <a:bodyPr wrap="none" rtlCol="0">
+            <a:spAutoFit/>
+          </a:bodyPr>
+          <a:lstStyle/>
+          <a:p>
+            <a:r>
+              <a:rPr lang="en-US" sz="1400" i="1" dirty="0" smtClean="0"/>
+              <a:t>Concept Guidance Links</a:t>
+            </a:r>
+            <a:endParaRPr lang="en-US" sz="1400" i="1" dirty="0"/>
+          </a:p>
+        </p:txBody>
+      </p:sp>
+      <p:pic>
+        <p:nvPicPr>
+          <p:cNvPr id="14" name="Picture 13" descr="Screen Shot 2016-10-20 at 10.48.47 AM.png"/>
+          <p:cNvPicPr>
+            <a:picLocks noChangeAspect="1"/>
+          </p:cNvPicPr>
+          <p:nvPr/>
+        </p:nvPicPr>
+        <p:blipFill>
+          <a:blip r:embed="rId4">
+            <a:extLst>
+              <a:ext uri="{28A0092B-C50C-407E-A947-70E740481C1C}">
+                <a14:useLocalDpi xmlns:a14="http://schemas.microsoft.com/office/drawing/2010/main" val="0"/>
+              </a:ext>
+            </a:extLst>
+          </a:blip>
+          <a:stretch>
+            <a:fillRect/>
+          </a:stretch>
+        </p:blipFill>
+        <p:spPr>
+          <a:xfrm>
+            <a:off x="381000" y="3886200"/>
+            <a:ext cx="4648200" cy="1251857"/>
+          </a:xfrm>
+          <a:prstGeom prst="rect">
+            <a:avLst/>
+          </a:prstGeom>
+          <a:ln>
+            <a:solidFill>
+              <a:srgbClr val="000000"/>
+            </a:solidFill>
+          </a:ln>
+        </p:spPr>
+      </p:pic>
+      <p:sp>
+        <p:nvSpPr>
+          <p:cNvPr id="15" name="TextBox 14"/>
+          <p:cNvSpPr txBox="1"/>
+          <p:nvPr/>
+        </p:nvSpPr>
+        <p:spPr>
+          <a:xfrm>
+            <a:off x="5562600" y="1806714"/>
+            <a:ext cx="2667000" cy="707886"/>
+          </a:xfrm>
+          <a:prstGeom prst="rect">
+            <a:avLst/>
+          </a:prstGeom>
+          <a:solidFill>
+            <a:srgbClr val="FFFFFF"/>
+          </a:solidFill>
+          <a:ln>
+            <a:solidFill>
+              <a:schemeClr val="tx2"/>
+            </a:solidFill>
+          </a:ln>
+        </p:spPr>
+        <p:txBody>
+          <a:bodyPr wrap="square" rtlCol="0">
+            <a:spAutoFit/>
+          </a:bodyPr>
+          <a:lstStyle/>
+          <a:p>
+            <a:r>
+              <a:rPr lang="en-US" sz="2000" dirty="0" smtClean="0"/>
+              <a:t>What concepts should be updated?</a:t>
+            </a:r>
+            <a:endParaRPr lang="en-US" sz="2000" dirty="0"/>
+          </a:p>
+        </p:txBody>
+      </p:sp>
+      <p:sp>
+        <p:nvSpPr>
+          <p:cNvPr id="18" name="TextBox 17"/>
+          <p:cNvSpPr txBox="1"/>
+          <p:nvPr/>
+        </p:nvSpPr>
+        <p:spPr>
+          <a:xfrm>
+            <a:off x="5562600" y="4114800"/>
+            <a:ext cx="2667000" cy="707886"/>
+          </a:xfrm>
+          <a:prstGeom prst="rect">
+            <a:avLst/>
+          </a:prstGeom>
+          <a:solidFill>
+            <a:srgbClr val="FFFFFF"/>
+          </a:solidFill>
+          <a:ln>
+            <a:solidFill>
+              <a:schemeClr val="tx2"/>
+            </a:solidFill>
+          </a:ln>
+        </p:spPr>
+        <p:txBody>
+          <a:bodyPr wrap="square" rtlCol="0">
+            <a:spAutoFit/>
+          </a:bodyPr>
+          <a:lstStyle/>
+          <a:p>
+            <a:r>
+              <a:rPr lang="en-US" sz="2000" dirty="0" smtClean="0"/>
+              <a:t>How to fix incomplete or unused concepts?</a:t>
+            </a:r>
+            <a:endParaRPr lang="en-US" sz="2000" dirty="0"/>
+          </a:p>
+        </p:txBody>
+      </p:sp>
+    </p:spTree>
+    <p:extLst>
+      <p:ext uri="{BB962C8B-B14F-4D97-AF65-F5344CB8AC3E}">
+        <p14:creationId xmlns:p14="http://schemas.microsoft.com/office/powerpoint/2010/main" val="1473702581"/>
+      </p:ext>
+    </p:extLst>
+  </p:cSld>
+  <p:clrMapOvr>
+    <a:masterClrMapping/>
+  </p:clrMapOvr>
+  <p:transition xmlns:p14="http://schemas.microsoft.com/office/powerpoint/2010/main" spd="med">
+    <p:wipe dir="d"/>
+  </p:transition>
+  <p:timing>
+    <p:tnLst>
+      <p:par>
+        <p:cTn xmlns:p14="http://schemas.microsoft.com/office/powerpoint/2010/main" id="1" dur="indefinite" restart="never" nodeType="tmRoot">
+          <p:childTnLst>
+            <p:seq concurrent="1" nextAc="seek">
+              <p:cTn id="2" dur="indefinite" nodeType="mainSeq">
+                <p:childTnLst>
+                  <p:par>
+                    <p:cTn id="3" fill="hold">
+                      <p:stCondLst>
+                        <p:cond delay="indefinite"/>
+                      </p:stCondLst>
+                      <p:childTnLst>
+                        <p:par>
+                          <p:cTn id="4" fill="hold">
+                            <p:stCondLst>
+                              <p:cond delay="0"/>
+                            </p:stCondLst>
+                            <p:childTnLst>
+                              <p:par>
+                                <p:cTn id="5" presetID="9" presetClass="entr" presetSubtype="0" fill="hold" nodeType="clickEffect">
+                                  <p:stCondLst>
+                                    <p:cond delay="0"/>
+                                  </p:stCondLst>
+                                  <p:childTnLst>
+                                    <p:set>
+                                      <p:cBhvr>
+                                        <p:cTn id="6" dur="1" fill="hold">
+                                          <p:stCondLst>
+                                            <p:cond delay="0"/>
+                                          </p:stCondLst>
+                                        </p:cTn>
+                                        <p:tgtEl>
+                                          <p:spTgt spid="2"/>
+                                        </p:tgtEl>
+                                        <p:attrNameLst>
+                                          <p:attrName>style.visibility</p:attrName>
+                                        </p:attrNameLst>
+                                      </p:cBhvr>
+                                      <p:to>
+                                        <p:strVal val="visible"/>
+                                      </p:to>
+                                    </p:set>
+                                    <p:animEffect transition="in" filter="dissolve">
+                                      <p:cBhvr>
+                                        <p:cTn id="7" dur="500"/>
+                                        <p:tgtEl>
+                                          <p:spTgt spid="2"/>
+                                        </p:tgtEl>
+                                      </p:cBhvr>
+                                    </p:animEffect>
+                                  </p:childTnLst>
+                                </p:cTn>
+                              </p:par>
+                              <p:par>
+                                <p:cTn id="8" presetID="9" presetClass="entr" presetSubtype="0" fill="hold" grpId="0" nodeType="withEffect">
+                                  <p:stCondLst>
+                                    <p:cond delay="0"/>
+                                  </p:stCondLst>
+                                  <p:childTnLst>
+                                    <p:set>
+                                      <p:cBhvr>
+                                        <p:cTn id="9" dur="1" fill="hold">
+                                          <p:stCondLst>
+                                            <p:cond delay="0"/>
+                                          </p:stCondLst>
+                                        </p:cTn>
+                                        <p:tgtEl>
+                                          <p:spTgt spid="10"/>
+                                        </p:tgtEl>
+                                        <p:attrNameLst>
+                                          <p:attrName>style.visibility</p:attrName>
+                                        </p:attrNameLst>
+                                      </p:cBhvr>
+                                      <p:to>
+                                        <p:strVal val="visible"/>
+                                      </p:to>
+                                    </p:set>
+                                    <p:animEffect transition="in" filter="dissolve">
+                                      <p:cBhvr>
+                                        <p:cTn id="10" dur="500"/>
+                                        <p:tgtEl>
+                                          <p:spTgt spid="10"/>
+                                        </p:tgtEl>
+                                      </p:cBhvr>
+                                    </p:animEffect>
+                                  </p:childTnLst>
+                                </p:cTn>
+                              </p:par>
+                              <p:par>
+                                <p:cTn id="11" presetID="9" presetClass="entr" presetSubtype="0" fill="hold" grpId="0" nodeType="withEffect">
+                                  <p:stCondLst>
+                                    <p:cond delay="0"/>
+                                  </p:stCondLst>
+                                  <p:childTnLst>
+                                    <p:set>
+                                      <p:cBhvr>
+                                        <p:cTn id="12" dur="1" fill="hold">
+                                          <p:stCondLst>
+                                            <p:cond delay="0"/>
+                                          </p:stCondLst>
+                                        </p:cTn>
+                                        <p:tgtEl>
+                                          <p:spTgt spid="15"/>
+                                        </p:tgtEl>
+                                        <p:attrNameLst>
+                                          <p:attrName>style.visibility</p:attrName>
+                                        </p:attrNameLst>
+                                      </p:cBhvr>
+                                      <p:to>
+                                        <p:strVal val="visible"/>
+                                      </p:to>
+                                    </p:set>
+                                    <p:animEffect transition="in" filter="dissolve">
+                                      <p:cBhvr>
+                                        <p:cTn id="13" dur="500"/>
+                                        <p:tgtEl>
+                                          <p:spTgt spid="15"/>
+                                        </p:tgtEl>
+                                      </p:cBhvr>
+                                    </p:animEffect>
+                                  </p:childTnLst>
+                                </p:cTn>
+                              </p:par>
+                            </p:childTnLst>
+                          </p:cTn>
+                        </p:par>
+                      </p:childTnLst>
+                    </p:cTn>
+                  </p:par>
+                  <p:par>
+                    <p:cTn id="14" fill="hold">
+                      <p:stCondLst>
+                        <p:cond delay="indefinite"/>
+                      </p:stCondLst>
+                      <p:childTnLst>
+                        <p:par>
+                          <p:cTn id="15" fill="hold">
+                            <p:stCondLst>
+                              <p:cond delay="0"/>
+                            </p:stCondLst>
+                            <p:childTnLst>
+                              <p:par>
+                                <p:cTn id="16" presetID="9" presetClass="entr" presetSubtype="0" fill="hold" grpId="0" nodeType="clickEffect">
+                                  <p:stCondLst>
+                                    <p:cond delay="0"/>
+                                  </p:stCondLst>
+                                  <p:childTnLst>
+                                    <p:set>
+                                      <p:cBhvr>
+                                        <p:cTn id="17" dur="1" fill="hold">
+                                          <p:stCondLst>
+                                            <p:cond delay="0"/>
+                                          </p:stCondLst>
+                                        </p:cTn>
+                                        <p:tgtEl>
+                                          <p:spTgt spid="13"/>
+                                        </p:tgtEl>
+                                        <p:attrNameLst>
+                                          <p:attrName>style.visibility</p:attrName>
+                                        </p:attrNameLst>
+                                      </p:cBhvr>
+                                      <p:to>
+                                        <p:strVal val="visible"/>
+                                      </p:to>
+                                    </p:set>
+                                    <p:animEffect transition="in" filter="dissolve">
+                                      <p:cBhvr>
+                                        <p:cTn id="18" dur="500"/>
+                                        <p:tgtEl>
+                                          <p:spTgt spid="13"/>
+                                        </p:tgtEl>
+                                      </p:cBhvr>
+                                    </p:animEffect>
+                                  </p:childTnLst>
+                                </p:cTn>
+                              </p:par>
+                              <p:par>
+                                <p:cTn id="19" presetID="9" presetClass="entr" presetSubtype="0" fill="hold" nodeType="withEffect">
+                                  <p:stCondLst>
+                                    <p:cond delay="0"/>
+                                  </p:stCondLst>
+                                  <p:childTnLst>
+                                    <p:set>
+                                      <p:cBhvr>
+                                        <p:cTn id="20" dur="1" fill="hold">
+                                          <p:stCondLst>
+                                            <p:cond delay="0"/>
+                                          </p:stCondLst>
+                                        </p:cTn>
+                                        <p:tgtEl>
+                                          <p:spTgt spid="14"/>
+                                        </p:tgtEl>
+                                        <p:attrNameLst>
+                                          <p:attrName>style.visibility</p:attrName>
+                                        </p:attrNameLst>
+                                      </p:cBhvr>
+                                      <p:to>
+                                        <p:strVal val="visible"/>
+                                      </p:to>
+                                    </p:set>
+                                    <p:animEffect transition="in" filter="dissolve">
+                                      <p:cBhvr>
+                                        <p:cTn id="21" dur="500"/>
+                                        <p:tgtEl>
+                                          <p:spTgt spid="14"/>
+                                        </p:tgtEl>
+                                      </p:cBhvr>
+                                    </p:animEffect>
+                                  </p:childTnLst>
+                                </p:cTn>
+                              </p:par>
+                              <p:par>
+                                <p:cTn id="22" presetID="9" presetClass="entr" presetSubtype="0" fill="hold" grpId="0" nodeType="withEffect">
+                                  <p:stCondLst>
+                                    <p:cond delay="0"/>
+                                  </p:stCondLst>
+                                  <p:childTnLst>
+                                    <p:set>
+                                      <p:cBhvr>
+                                        <p:cTn id="23" dur="1" fill="hold">
+                                          <p:stCondLst>
+                                            <p:cond delay="0"/>
+                                          </p:stCondLst>
+                                        </p:cTn>
+                                        <p:tgtEl>
+                                          <p:spTgt spid="18"/>
+                                        </p:tgtEl>
+                                        <p:attrNameLst>
+                                          <p:attrName>style.visibility</p:attrName>
+                                        </p:attrNameLst>
+                                      </p:cBhvr>
+                                      <p:to>
+                                        <p:strVal val="visible"/>
+                                      </p:to>
+                                    </p:set>
+                                    <p:animEffect transition="in" filter="dissolve">
+                                      <p:cBhvr>
+                                        <p:cTn id="24" dur="500"/>
+                                        <p:tgtEl>
+                                          <p:spTgt spid="18"/>
+                                        </p:tgtEl>
+                                      </p:cBhvr>
+                                    </p:animEffect>
+                                  </p:childTnLst>
+                                </p:cTn>
+                              </p:par>
+                            </p:childTnLst>
+                          </p:cTn>
+                        </p:par>
+                      </p:childTnLst>
+                    </p:cTn>
+                  </p:par>
+                </p:childTnLst>
+              </p:cTn>
+              <p:prevCondLst>
+                <p:cond evt="onPrev" delay="0">
+                  <p:tgtEl>
+                    <p:sldTgt/>
+                  </p:tgtEl>
+                </p:cond>
+              </p:prevCondLst>
+              <p:nextCondLst>
+                <p:cond evt="onNext" delay="0">
+                  <p:tgtEl>
+                    <p:sldTgt/>
+                  </p:tgtEl>
+                </p:cond>
+              </p:nextCondLst>
+            </p:seq>
+          </p:childTnLst>
+        </p:cTn>
+      </p:par>
+    </p:tnLst>
+    <p:bldLst>
+      <p:bldP spid="10" grpId="0"/>
+      <p:bldP spid="13" grpId="0"/>
+      <p:bldP spid="15" grpId="0" animBg="1"/>
+      <p:bldP spid="18" grpId="0" animBg="1"/>
+    </p:bldLst>
+  </p:timing>
+</p:sld>
+</file>
+
+<file path=ppt/slides/slide15.xml><?xml version="1.0" encoding="utf-8"?>
 <p:sld xmlns:a="http://schemas.openxmlformats.org/drawingml/2006/main" xmlns:r="http://schemas.openxmlformats.org/officeDocument/2006/relationships" xmlns:p="http://schemas.openxmlformats.org/presentationml/2006/main">
   <p:cSld>
     <p:spTree>
@@ -10713,7 +12249,13 @@
               <a:rPr lang="en-US" altLang="en-US" dirty="0" smtClean="0">
                 <a:ea typeface="ＭＳ Ｐゴシック" charset="-128"/>
               </a:rPr>
-              <a:t>Goals for November Workshop</a:t>
+              <a:t>Goals for November </a:t>
+            </a:r>
+            <a:r>
+              <a:rPr lang="en-US" altLang="en-US" dirty="0" smtClean="0">
+                <a:ea typeface="ＭＳ Ｐゴシック" charset="-128"/>
+              </a:rPr>
+              <a:t>Meeting</a:t>
             </a:r>
             <a:endParaRPr lang="en-US" altLang="en-US" dirty="0">
               <a:ea typeface="ＭＳ Ｐゴシック" charset="-128"/>
@@ -10730,7 +12272,7 @@
         <p:spPr>
           <a:xfrm>
             <a:off x="266700" y="1143000"/>
-            <a:ext cx="8521700" cy="5078314"/>
+            <a:ext cx="8521700" cy="6463309"/>
           </a:xfrm>
           <a:prstGeom prst="rect">
             <a:avLst/>
@@ -10743,13 +12285,89 @@
           </a:bodyPr>
           <a:lstStyle/>
           <a:p>
-            <a:pPr marL="285750" indent="-285750">
+            <a:r>
+              <a:rPr lang="en-US" dirty="0" smtClean="0"/>
+              <a:t>Workshop Scope</a:t>
+            </a:r>
+            <a:endParaRPr lang="en-US" dirty="0"/>
+          </a:p>
+          <a:p>
+            <a:pPr marL="742950" lvl="1" indent="-285750">
               <a:buFont typeface="Arial"/>
               <a:buChar char="•"/>
             </a:pPr>
             <a:r>
               <a:rPr lang="en-US" dirty="0" smtClean="0"/>
-              <a:t>Run a TRAD metadata evaluation for BCO-DMO metadata collections</a:t>
+              <a:t>What metadata collections</a:t>
+            </a:r>
+          </a:p>
+          <a:p>
+            <a:pPr marL="1200150" lvl="2" indent="-285750">
+              <a:buFont typeface="Arial"/>
+              <a:buChar char="•"/>
+            </a:pPr>
+            <a:r>
+              <a:rPr lang="en-US" dirty="0" err="1" smtClean="0"/>
+              <a:t>GeoTraces</a:t>
+            </a:r>
+            <a:r>
+              <a:rPr lang="en-US" dirty="0" smtClean="0"/>
+              <a:t> or other selection</a:t>
+            </a:r>
+            <a:endParaRPr lang="en-US" dirty="0"/>
+          </a:p>
+          <a:p>
+            <a:pPr marL="742950" lvl="1" indent="-285750">
+              <a:buFont typeface="Arial"/>
+              <a:buChar char="•"/>
+            </a:pPr>
+            <a:r>
+              <a:rPr lang="en-US" dirty="0"/>
+              <a:t>What </a:t>
+            </a:r>
+            <a:r>
+              <a:rPr lang="en-US" dirty="0" smtClean="0"/>
+              <a:t>recommendation </a:t>
+            </a:r>
+            <a:r>
+              <a:rPr lang="en-US" dirty="0"/>
+              <a:t>(</a:t>
+            </a:r>
+            <a:r>
+              <a:rPr lang="en-US" dirty="0" err="1"/>
+              <a:t>DataCite</a:t>
+            </a:r>
+            <a:r>
+              <a:rPr lang="en-US" dirty="0"/>
+              <a:t>, DCAT, DIF)</a:t>
+            </a:r>
+            <a:r>
+              <a:rPr lang="en-US" dirty="0" smtClean="0"/>
+              <a:t>?</a:t>
+            </a:r>
+          </a:p>
+          <a:p>
+            <a:pPr lvl="1"/>
+            <a:endParaRPr lang="en-US" dirty="0"/>
+          </a:p>
+          <a:p>
+            <a:r>
+              <a:rPr lang="en-US" dirty="0" smtClean="0"/>
+              <a:t>Pre Workshop </a:t>
+            </a:r>
+          </a:p>
+          <a:p>
+            <a:pPr marL="742950" lvl="1" indent="-285750">
+              <a:buFont typeface="Arial"/>
+              <a:buChar char="•"/>
+            </a:pPr>
+            <a:r>
+              <a:rPr lang="en-US" dirty="0" smtClean="0"/>
+              <a:t>Run </a:t>
+            </a:r>
+            <a:r>
+              <a:rPr lang="en-US" dirty="0" smtClean="0"/>
+              <a:t>a TRAD metadata evaluation for BCO-DMO metadata collections</a:t>
             </a:r>
           </a:p>
           <a:p>
@@ -10760,14 +12378,11 @@
             <a:endParaRPr lang="en-US" dirty="0"/>
           </a:p>
           <a:p>
-            <a:pPr marL="285750" indent="-285750">
-              <a:buFont typeface="Arial"/>
-              <a:buChar char="•"/>
-            </a:pPr>
             <a:r>
               <a:rPr lang="en-US" dirty="0" smtClean="0"/>
-              <a:t>Scope</a:t>
-            </a:r>
+              <a:t>Workshop Deliverables</a:t>
+            </a:r>
+            <a:endParaRPr lang="en-US" dirty="0" smtClean="0"/>
           </a:p>
           <a:p>
             <a:pPr marL="742950" lvl="1" indent="-285750">
@@ -10776,7 +12391,39 @@
             </a:pPr>
             <a:r>
               <a:rPr lang="en-US" dirty="0" smtClean="0"/>
-              <a:t>BCO-DMO ISO metadata collections</a:t>
+              <a:t>TRAD evaluation spreadsheet</a:t>
+            </a:r>
+          </a:p>
+          <a:p>
+            <a:pPr marL="1200150" lvl="2" indent="-285750">
+              <a:buFont typeface="Arial"/>
+              <a:buChar char="•"/>
+            </a:pPr>
+            <a:r>
+              <a:rPr lang="en-US" dirty="0" smtClean="0"/>
+              <a:t>Summary </a:t>
+            </a:r>
+            <a:r>
+              <a:rPr lang="en-US" dirty="0" smtClean="0"/>
+              <a:t>results table</a:t>
+            </a:r>
+          </a:p>
+          <a:p>
+            <a:pPr marL="1200150" lvl="2" indent="-285750">
+              <a:buFont typeface="Arial"/>
+              <a:buChar char="•"/>
+            </a:pPr>
+            <a:r>
+              <a:rPr lang="en-US" dirty="0"/>
+              <a:t>M</a:t>
+            </a:r>
+            <a:r>
+              <a:rPr lang="en-US" dirty="0" smtClean="0"/>
+              <a:t>issing concepts </a:t>
+            </a:r>
+            <a:r>
+              <a:rPr lang="en-US" dirty="0" smtClean="0"/>
+              <a:t>graphs</a:t>
             </a:r>
           </a:p>
           <a:p>
@@ -10786,29 +12433,7 @@
             </a:pPr>
             <a:r>
               <a:rPr lang="en-US" dirty="0" smtClean="0"/>
-              <a:t>What recommendations (</a:t>
-            </a:r>
-            <a:r>
-              <a:rPr lang="en-US" dirty="0" err="1" smtClean="0"/>
-              <a:t>DataCite</a:t>
-            </a:r>
-            <a:r>
-              <a:rPr lang="en-US" dirty="0" smtClean="0"/>
-              <a:t>, DCAT, DIF)?</a:t>
-            </a:r>
-          </a:p>
-          <a:p>
-            <a:pPr lvl="1"/>
-            <a:endParaRPr lang="en-US" dirty="0"/>
-          </a:p>
-          <a:p>
-            <a:pPr marL="285750" indent="-285750">
-              <a:buFont typeface="Arial"/>
-              <a:buChar char="•"/>
-            </a:pPr>
-            <a:r>
-              <a:rPr lang="en-US" dirty="0" smtClean="0"/>
-              <a:t>Deliverable</a:t>
+              <a:t>Updated RAD spreadsheet and datasheet</a:t>
             </a:r>
           </a:p>
           <a:p>
@@ -10816,52 +12441,18 @@
               <a:buFont typeface="Arial"/>
               <a:buChar char="•"/>
             </a:pPr>
+            <a:endParaRPr lang="en-US" dirty="0"/>
+          </a:p>
+          <a:p>
             <a:r>
               <a:rPr lang="en-US" dirty="0" smtClean="0"/>
-              <a:t>TRAD evaluation spreadsheet</a:t>
-            </a:r>
-          </a:p>
-          <a:p>
-            <a:pPr marL="1200150" lvl="2" indent="-285750">
-              <a:buFont typeface="Arial"/>
-              <a:buChar char="•"/>
-            </a:pPr>
+              <a:t>Worksho</a:t>
+            </a:r>
             <a:r>
               <a:rPr lang="en-US" dirty="0" smtClean="0"/>
-              <a:t>Data </a:t>
-            </a:r>
-            <a:r>
-              <a:rPr lang="en-US" dirty="0"/>
-              <a:t>s</a:t>
-            </a:r>
-            <a:r>
-              <a:rPr lang="en-US" dirty="0" smtClean="0"/>
-              <a:t>heet</a:t>
-            </a:r>
-          </a:p>
-          <a:p>
-            <a:pPr marL="1200150" lvl="2" indent="-285750">
-              <a:buFont typeface="Arial"/>
-              <a:buChar char="•"/>
-            </a:pPr>
-            <a:r>
-              <a:rPr lang="en-US" dirty="0" smtClean="0"/>
-              <a:t>Summary results table</a:t>
-            </a:r>
-          </a:p>
-          <a:p>
-            <a:pPr marL="1200150" lvl="2" indent="-285750">
-              <a:buFont typeface="Arial"/>
-              <a:buChar char="•"/>
-            </a:pPr>
-            <a:r>
-              <a:rPr lang="en-US" dirty="0"/>
-              <a:t>M</a:t>
-            </a:r>
-            <a:r>
-              <a:rPr lang="en-US" dirty="0" smtClean="0"/>
-              <a:t>issing concepts graphs</a:t>
-            </a:r>
+              <a:t>p Focus</a:t>
+            </a:r>
+            <a:endParaRPr lang="en-US" dirty="0" smtClean="0"/>
           </a:p>
           <a:p>
             <a:pPr marL="742950" lvl="1" indent="-285750">
@@ -10870,8 +12461,24 @@
             </a:pPr>
             <a:r>
               <a:rPr lang="en-US" dirty="0" smtClean="0"/>
-              <a:t>Spreadsheet review </a:t>
-            </a:r>
+              <a:t>TRAD Spreadsheet </a:t>
+            </a:r>
+            <a:r>
+              <a:rPr lang="en-US" dirty="0" smtClean="0"/>
+              <a:t>review </a:t>
+            </a:r>
+            <a:endParaRPr lang="en-US" dirty="0" smtClean="0"/>
+          </a:p>
+          <a:p>
+            <a:pPr marL="742950" lvl="1" indent="-285750">
+              <a:buFont typeface="Arial"/>
+              <a:buChar char="•"/>
+            </a:pPr>
+            <a:r>
+              <a:rPr lang="en-US" dirty="0" smtClean="0"/>
+              <a:t>RAD Spreadsheet review</a:t>
+            </a:r>
+            <a:endParaRPr lang="en-US" dirty="0" smtClean="0"/>
           </a:p>
           <a:p>
             <a:pPr marL="742950" lvl="1" indent="-285750">
@@ -10927,20 +12534,20 @@
   <p:clrMapOvr>
     <a:masterClrMapping/>
   </p:clrMapOvr>
-  <p:transition spd="med">
+  <p:transition xmlns:p14="http://schemas.microsoft.com/office/powerpoint/2010/main" spd="med">
     <p:wipe dir="d"/>
   </p:transition>
   <p:timing>
     <p:tnLst>
       <p:par>
-        <p:cTn id="1" dur="indefinite" restart="never" nodeType="tmRoot"/>
+        <p:cTn xmlns:p14="http://schemas.microsoft.com/office/powerpoint/2010/main" id="1" dur="indefinite" restart="never" nodeType="tmRoot"/>
       </p:par>
     </p:tnLst>
   </p:timing>
 </p:sld>
 </file>
 
-<file path=ppt/slides/slide15.xml><?xml version="1.0" encoding="utf-8"?>
+<file path=ppt/slides/slide16.xml><?xml version="1.0" encoding="utf-8"?>
 <p:sld xmlns:a="http://schemas.openxmlformats.org/drawingml/2006/main" xmlns:r="http://schemas.openxmlformats.org/officeDocument/2006/relationships" xmlns:p="http://schemas.openxmlformats.org/presentationml/2006/main" show="0">
   <p:cSld>
     <p:spTree>
@@ -11469,13 +13076,13 @@
   <p:clrMapOvr>
     <a:masterClrMapping/>
   </p:clrMapOvr>
-  <p:transition spd="med">
+  <p:transition xmlns:p14="http://schemas.microsoft.com/office/powerpoint/2010/main" spd="med">
     <p:wipe dir="d"/>
   </p:transition>
   <p:timing>
     <p:tnLst>
       <p:par>
-        <p:cTn id="1" dur="indefinite" restart="never" nodeType="tmRoot">
+        <p:cTn xmlns:p14="http://schemas.microsoft.com/office/powerpoint/2010/main" id="1" dur="indefinite" restart="never" nodeType="tmRoot">
           <p:childTnLst>
             <p:seq concurrent="1" nextAc="seek">
               <p:cTn id="2" dur="indefinite" nodeType="mainSeq">
@@ -11723,7 +13330,7 @@
 </p:sld>
 </file>
 
-<file path=ppt/slides/slide16.xml><?xml version="1.0" encoding="utf-8"?>
+<file path=ppt/slides/slide17.xml><?xml version="1.0" encoding="utf-8"?>
 <p:sld xmlns:a="http://schemas.openxmlformats.org/drawingml/2006/main" xmlns:r="http://schemas.openxmlformats.org/officeDocument/2006/relationships" xmlns:p="http://schemas.openxmlformats.org/presentationml/2006/main" show="0">
   <p:cSld>
     <p:spTree>
@@ -11793,14 +13400,14 @@
           <a:ln/>
           <a:extLst>
             <a:ext uri="{909E8E84-426E-40dd-AFC4-6F175D3DCCD1}">
-              <a14:hiddenFill xmlns:a14="http://schemas.microsoft.com/office/drawing/2010/main" xmlns="">
+              <a14:hiddenFill xmlns:a14="http://schemas.microsoft.com/office/drawing/2010/main">
                 <a:solidFill>
                   <a:srgbClr val="FFFFFF"/>
                 </a:solidFill>
               </a14:hiddenFill>
             </a:ext>
             <a:ext uri="{91240B29-F687-4f45-9708-019B960494DF}">
-              <a14:hiddenLine xmlns:a14="http://schemas.microsoft.com/office/drawing/2010/main" xmlns="" w="9525">
+              <a14:hiddenLine xmlns:a14="http://schemas.microsoft.com/office/drawing/2010/main" w="9525">
                 <a:solidFill>
                   <a:srgbClr val="000000"/>
                 </a:solidFill>
@@ -11929,7 +13536,7 @@
                 </a:solidFill>
               </a:rPr>
               <a:pPr eaLnBrk="1" hangingPunct="1"/>
-              <a:t>16</a:t>
+              <a:t>17</a:t>
             </a:fld>
             <a:endParaRPr lang="en-US" altLang="en-US" sz="1200">
               <a:solidFill>
@@ -11961,14 +13568,14 @@
           </a:ln>
           <a:extLst>
             <a:ext uri="{909E8E84-426E-40dd-AFC4-6F175D3DCCD1}">
-              <a14:hiddenFill xmlns:a14="http://schemas.microsoft.com/office/drawing/2010/main" xmlns="">
+              <a14:hiddenFill xmlns:a14="http://schemas.microsoft.com/office/drawing/2010/main">
                 <a:solidFill>
                   <a:srgbClr val="FFFFFF"/>
                 </a:solidFill>
               </a14:hiddenFill>
             </a:ext>
             <a:ext uri="{91240B29-F687-4f45-9708-019B960494DF}">
-              <a14:hiddenLine xmlns:a14="http://schemas.microsoft.com/office/drawing/2010/main" xmlns="" w="9525">
+              <a14:hiddenLine xmlns:a14="http://schemas.microsoft.com/office/drawing/2010/main" w="9525">
                 <a:solidFill>
                   <a:srgbClr val="000000"/>
                 </a:solidFill>
@@ -12126,14 +13733,14 @@
           </a:ln>
           <a:extLst>
             <a:ext uri="{909E8E84-426E-40dd-AFC4-6F175D3DCCD1}">
-              <a14:hiddenFill xmlns:a14="http://schemas.microsoft.com/office/drawing/2010/main" xmlns="">
+              <a14:hiddenFill xmlns:a14="http://schemas.microsoft.com/office/drawing/2010/main">
                 <a:solidFill>
                   <a:srgbClr val="FFFFFF"/>
                 </a:solidFill>
               </a14:hiddenFill>
             </a:ext>
             <a:ext uri="{91240B29-F687-4f45-9708-019B960494DF}">
-              <a14:hiddenLine xmlns:a14="http://schemas.microsoft.com/office/drawing/2010/main" xmlns="" w="9525">
+              <a14:hiddenLine xmlns:a14="http://schemas.microsoft.com/office/drawing/2010/main" w="9525">
                 <a:solidFill>
                   <a:srgbClr val="000000"/>
                 </a:solidFill>
@@ -12291,14 +13898,14 @@
           </a:ln>
           <a:extLst>
             <a:ext uri="{909E8E84-426E-40dd-AFC4-6F175D3DCCD1}">
-              <a14:hiddenFill xmlns:a14="http://schemas.microsoft.com/office/drawing/2010/main" xmlns="">
+              <a14:hiddenFill xmlns:a14="http://schemas.microsoft.com/office/drawing/2010/main">
                 <a:solidFill>
                   <a:srgbClr val="FFFFFF"/>
                 </a:solidFill>
               </a14:hiddenFill>
             </a:ext>
             <a:ext uri="{91240B29-F687-4f45-9708-019B960494DF}">
-              <a14:hiddenLine xmlns:a14="http://schemas.microsoft.com/office/drawing/2010/main" xmlns="" w="9525">
+              <a14:hiddenLine xmlns:a14="http://schemas.microsoft.com/office/drawing/2010/main" w="9525">
                 <a:solidFill>
                   <a:srgbClr val="000000"/>
                 </a:solidFill>
@@ -12456,14 +14063,14 @@
           </a:ln>
           <a:extLst>
             <a:ext uri="{909E8E84-426E-40dd-AFC4-6F175D3DCCD1}">
-              <a14:hiddenFill xmlns:a14="http://schemas.microsoft.com/office/drawing/2010/main" xmlns="">
+              <a14:hiddenFill xmlns:a14="http://schemas.microsoft.com/office/drawing/2010/main">
                 <a:solidFill>
                   <a:srgbClr val="FFFFFF"/>
                 </a:solidFill>
               </a14:hiddenFill>
             </a:ext>
             <a:ext uri="{91240B29-F687-4f45-9708-019B960494DF}">
-              <a14:hiddenLine xmlns:a14="http://schemas.microsoft.com/office/drawing/2010/main" xmlns="" w="9525">
+              <a14:hiddenLine xmlns:a14="http://schemas.microsoft.com/office/drawing/2010/main" w="9525">
                 <a:solidFill>
                   <a:srgbClr val="000000"/>
                 </a:solidFill>
@@ -12639,20 +14246,20 @@
   <p:clrMapOvr>
     <a:masterClrMapping/>
   </p:clrMapOvr>
-  <p:transition spd="med">
+  <p:transition xmlns:p14="http://schemas.microsoft.com/office/powerpoint/2010/main" spd="med">
     <p:wipe dir="d"/>
   </p:transition>
   <p:timing>
     <p:tnLst>
       <p:par>
-        <p:cTn id="1" dur="indefinite" restart="never" nodeType="tmRoot"/>
+        <p:cTn xmlns:p14="http://schemas.microsoft.com/office/powerpoint/2010/main" id="1" dur="indefinite" restart="never" nodeType="tmRoot"/>
       </p:par>
     </p:tnLst>
   </p:timing>
 </p:sld>
 </file>
 
-<file path=ppt/slides/slide17.xml><?xml version="1.0" encoding="utf-8"?>
+<file path=ppt/slides/slide18.xml><?xml version="1.0" encoding="utf-8"?>
 <p:sld xmlns:a="http://schemas.openxmlformats.org/drawingml/2006/main" xmlns:r="http://schemas.openxmlformats.org/officeDocument/2006/relationships" xmlns:p="http://schemas.openxmlformats.org/presentationml/2006/main" show="0">
   <p:cSld>
     <p:spTree>
@@ -12711,14 +14318,14 @@
           <a:ln/>
           <a:extLst>
             <a:ext uri="{909E8E84-426E-40dd-AFC4-6F175D3DCCD1}">
-              <a14:hiddenFill xmlns:a14="http://schemas.microsoft.com/office/drawing/2010/main" xmlns="">
+              <a14:hiddenFill xmlns:a14="http://schemas.microsoft.com/office/drawing/2010/main">
                 <a:solidFill>
                   <a:srgbClr val="FFFFFF"/>
                 </a:solidFill>
               </a14:hiddenFill>
             </a:ext>
             <a:ext uri="{91240B29-F687-4f45-9708-019B960494DF}">
-              <a14:hiddenLine xmlns:a14="http://schemas.microsoft.com/office/drawing/2010/main" xmlns="" w="9525">
+              <a14:hiddenLine xmlns:a14="http://schemas.microsoft.com/office/drawing/2010/main" w="9525">
                 <a:solidFill>
                   <a:srgbClr val="000000"/>
                 </a:solidFill>
@@ -12847,7 +14454,7 @@
                 </a:solidFill>
               </a:rPr>
               <a:pPr eaLnBrk="1" hangingPunct="1"/>
-              <a:t>17</a:t>
+              <a:t>18</a:t>
             </a:fld>
             <a:endParaRPr lang="en-US" altLang="en-US" sz="1200">
               <a:solidFill>
@@ -12879,14 +14486,14 @@
           </a:ln>
           <a:extLst>
             <a:ext uri="{909E8E84-426E-40dd-AFC4-6F175D3DCCD1}">
-              <a14:hiddenFill xmlns:a14="http://schemas.microsoft.com/office/drawing/2010/main" xmlns="">
+              <a14:hiddenFill xmlns:a14="http://schemas.microsoft.com/office/drawing/2010/main">
                 <a:solidFill>
                   <a:srgbClr val="FFFFFF"/>
                 </a:solidFill>
               </a14:hiddenFill>
             </a:ext>
             <a:ext uri="{91240B29-F687-4f45-9708-019B960494DF}">
-              <a14:hiddenLine xmlns:a14="http://schemas.microsoft.com/office/drawing/2010/main" xmlns="" w="9525">
+              <a14:hiddenLine xmlns:a14="http://schemas.microsoft.com/office/drawing/2010/main" w="9525">
                 <a:solidFill>
                   <a:srgbClr val="000000"/>
                 </a:solidFill>
@@ -13044,14 +14651,14 @@
           </a:ln>
           <a:extLst>
             <a:ext uri="{909E8E84-426E-40dd-AFC4-6F175D3DCCD1}">
-              <a14:hiddenFill xmlns:a14="http://schemas.microsoft.com/office/drawing/2010/main" xmlns="">
+              <a14:hiddenFill xmlns:a14="http://schemas.microsoft.com/office/drawing/2010/main">
                 <a:solidFill>
                   <a:srgbClr val="FFFFFF"/>
                 </a:solidFill>
               </a14:hiddenFill>
             </a:ext>
             <a:ext uri="{91240B29-F687-4f45-9708-019B960494DF}">
-              <a14:hiddenLine xmlns:a14="http://schemas.microsoft.com/office/drawing/2010/main" xmlns="" w="9525">
+              <a14:hiddenLine xmlns:a14="http://schemas.microsoft.com/office/drawing/2010/main" w="9525">
                 <a:solidFill>
                   <a:srgbClr val="000000"/>
                 </a:solidFill>
@@ -13209,14 +14816,14 @@
           </a:ln>
           <a:extLst>
             <a:ext uri="{909E8E84-426E-40dd-AFC4-6F175D3DCCD1}">
-              <a14:hiddenFill xmlns:a14="http://schemas.microsoft.com/office/drawing/2010/main" xmlns="">
+              <a14:hiddenFill xmlns:a14="http://schemas.microsoft.com/office/drawing/2010/main">
                 <a:solidFill>
                   <a:srgbClr val="FFFFFF"/>
                 </a:solidFill>
               </a14:hiddenFill>
             </a:ext>
             <a:ext uri="{91240B29-F687-4f45-9708-019B960494DF}">
-              <a14:hiddenLine xmlns:a14="http://schemas.microsoft.com/office/drawing/2010/main" xmlns="" w="9525">
+              <a14:hiddenLine xmlns:a14="http://schemas.microsoft.com/office/drawing/2010/main" w="9525">
                 <a:solidFill>
                   <a:srgbClr val="000000"/>
                 </a:solidFill>
@@ -13374,14 +14981,14 @@
           </a:ln>
           <a:extLst>
             <a:ext uri="{909E8E84-426E-40dd-AFC4-6F175D3DCCD1}">
-              <a14:hiddenFill xmlns:a14="http://schemas.microsoft.com/office/drawing/2010/main" xmlns="">
+              <a14:hiddenFill xmlns:a14="http://schemas.microsoft.com/office/drawing/2010/main">
                 <a:solidFill>
                   <a:srgbClr val="FFFFFF"/>
                 </a:solidFill>
               </a14:hiddenFill>
             </a:ext>
             <a:ext uri="{91240B29-F687-4f45-9708-019B960494DF}">
-              <a14:hiddenLine xmlns:a14="http://schemas.microsoft.com/office/drawing/2010/main" xmlns="" w="9525">
+              <a14:hiddenLine xmlns:a14="http://schemas.microsoft.com/office/drawing/2010/main" w="9525">
                 <a:solidFill>
                   <a:srgbClr val="000000"/>
                 </a:solidFill>
@@ -13557,20 +15164,20 @@
   <p:clrMapOvr>
     <a:masterClrMapping/>
   </p:clrMapOvr>
-  <p:transition spd="med">
+  <p:transition xmlns:p14="http://schemas.microsoft.com/office/powerpoint/2010/main" spd="med">
     <p:wipe dir="d"/>
   </p:transition>
   <p:timing>
     <p:tnLst>
       <p:par>
-        <p:cTn id="1" dur="indefinite" restart="never" nodeType="tmRoot"/>
+        <p:cTn xmlns:p14="http://schemas.microsoft.com/office/powerpoint/2010/main" id="1" dur="indefinite" restart="never" nodeType="tmRoot"/>
       </p:par>
     </p:tnLst>
   </p:timing>
 </p:sld>
 </file>
 
-<file path=ppt/slides/slide18.xml><?xml version="1.0" encoding="utf-8"?>
+<file path=ppt/slides/slide19.xml><?xml version="1.0" encoding="utf-8"?>
 <p:sld xmlns:a="http://schemas.openxmlformats.org/drawingml/2006/main" xmlns:r="http://schemas.openxmlformats.org/officeDocument/2006/relationships" xmlns:p="http://schemas.openxmlformats.org/presentationml/2006/main" show="0">
   <p:cSld>
     <p:spTree>
@@ -13634,14 +15241,14 @@
           <a:ln/>
           <a:extLst>
             <a:ext uri="{909E8E84-426E-40dd-AFC4-6F175D3DCCD1}">
-              <a14:hiddenFill xmlns:a14="http://schemas.microsoft.com/office/drawing/2010/main" xmlns="">
+              <a14:hiddenFill xmlns:a14="http://schemas.microsoft.com/office/drawing/2010/main">
                 <a:solidFill>
                   <a:srgbClr val="FFFFFF"/>
                 </a:solidFill>
               </a14:hiddenFill>
             </a:ext>
             <a:ext uri="{91240B29-F687-4f45-9708-019B960494DF}">
-              <a14:hiddenLine xmlns:a14="http://schemas.microsoft.com/office/drawing/2010/main" xmlns="" w="9525">
+              <a14:hiddenLine xmlns:a14="http://schemas.microsoft.com/office/drawing/2010/main" w="9525">
                 <a:solidFill>
                   <a:srgbClr val="000000"/>
                 </a:solidFill>
@@ -13770,7 +15377,7 @@
                 </a:solidFill>
               </a:rPr>
               <a:pPr eaLnBrk="1" hangingPunct="1"/>
-              <a:t>18</a:t>
+              <a:t>19</a:t>
             </a:fld>
             <a:endParaRPr lang="en-US" altLang="en-US" sz="1200">
               <a:solidFill>
@@ -13802,14 +15409,14 @@
           </a:ln>
           <a:extLst>
             <a:ext uri="{909E8E84-426E-40dd-AFC4-6F175D3DCCD1}">
-              <a14:hiddenFill xmlns:a14="http://schemas.microsoft.com/office/drawing/2010/main" xmlns="">
+              <a14:hiddenFill xmlns:a14="http://schemas.microsoft.com/office/drawing/2010/main">
                 <a:solidFill>
                   <a:srgbClr val="FFFFFF"/>
                 </a:solidFill>
               </a14:hiddenFill>
             </a:ext>
             <a:ext uri="{91240B29-F687-4f45-9708-019B960494DF}">
-              <a14:hiddenLine xmlns:a14="http://schemas.microsoft.com/office/drawing/2010/main" xmlns="" w="9525">
+              <a14:hiddenLine xmlns:a14="http://schemas.microsoft.com/office/drawing/2010/main" w="9525">
                 <a:solidFill>
                   <a:srgbClr val="000000"/>
                 </a:solidFill>
@@ -13967,14 +15574,14 @@
           </a:ln>
           <a:extLst>
             <a:ext uri="{909E8E84-426E-40dd-AFC4-6F175D3DCCD1}">
-              <a14:hiddenFill xmlns:a14="http://schemas.microsoft.com/office/drawing/2010/main" xmlns="">
+              <a14:hiddenFill xmlns:a14="http://schemas.microsoft.com/office/drawing/2010/main">
                 <a:solidFill>
                   <a:srgbClr val="FFFFFF"/>
                 </a:solidFill>
               </a14:hiddenFill>
             </a:ext>
             <a:ext uri="{91240B29-F687-4f45-9708-019B960494DF}">
-              <a14:hiddenLine xmlns:a14="http://schemas.microsoft.com/office/drawing/2010/main" xmlns="" w="9525">
+              <a14:hiddenLine xmlns:a14="http://schemas.microsoft.com/office/drawing/2010/main" w="9525">
                 <a:solidFill>
                   <a:srgbClr val="000000"/>
                 </a:solidFill>
@@ -14132,14 +15739,14 @@
           </a:ln>
           <a:extLst>
             <a:ext uri="{909E8E84-426E-40dd-AFC4-6F175D3DCCD1}">
-              <a14:hiddenFill xmlns:a14="http://schemas.microsoft.com/office/drawing/2010/main" xmlns="">
+              <a14:hiddenFill xmlns:a14="http://schemas.microsoft.com/office/drawing/2010/main">
                 <a:solidFill>
                   <a:srgbClr val="FFFFFF"/>
                 </a:solidFill>
               </a14:hiddenFill>
             </a:ext>
             <a:ext uri="{91240B29-F687-4f45-9708-019B960494DF}">
-              <a14:hiddenLine xmlns:a14="http://schemas.microsoft.com/office/drawing/2010/main" xmlns="" w="9525">
+              <a14:hiddenLine xmlns:a14="http://schemas.microsoft.com/office/drawing/2010/main" w="9525">
                 <a:solidFill>
                   <a:srgbClr val="000000"/>
                 </a:solidFill>
@@ -14297,14 +15904,14 @@
           </a:ln>
           <a:extLst>
             <a:ext uri="{909E8E84-426E-40dd-AFC4-6F175D3DCCD1}">
-              <a14:hiddenFill xmlns:a14="http://schemas.microsoft.com/office/drawing/2010/main" xmlns="">
+              <a14:hiddenFill xmlns:a14="http://schemas.microsoft.com/office/drawing/2010/main">
                 <a:solidFill>
                   <a:srgbClr val="FFFFFF"/>
                 </a:solidFill>
               </a14:hiddenFill>
             </a:ext>
             <a:ext uri="{91240B29-F687-4f45-9708-019B960494DF}">
-              <a14:hiddenLine xmlns:a14="http://schemas.microsoft.com/office/drawing/2010/main" xmlns="" w="9525">
+              <a14:hiddenLine xmlns:a14="http://schemas.microsoft.com/office/drawing/2010/main" w="9525">
                 <a:solidFill>
                   <a:srgbClr val="000000"/>
                 </a:solidFill>
@@ -14474,20 +16081,320 @@
   <p:clrMapOvr>
     <a:masterClrMapping/>
   </p:clrMapOvr>
-  <p:transition spd="med">
+  <p:transition xmlns:p14="http://schemas.microsoft.com/office/powerpoint/2010/main" spd="med">
     <p:wipe dir="d"/>
   </p:transition>
   <p:timing>
     <p:tnLst>
       <p:par>
-        <p:cTn id="1" dur="indefinite" restart="never" nodeType="tmRoot"/>
+        <p:cTn xmlns:p14="http://schemas.microsoft.com/office/powerpoint/2010/main" id="1" dur="indefinite" restart="never" nodeType="tmRoot"/>
       </p:par>
     </p:tnLst>
   </p:timing>
 </p:sld>
 </file>
 
-<file path=ppt/slides/slide19.xml><?xml version="1.0" encoding="utf-8"?>
+<file path=ppt/slides/slide2.xml><?xml version="1.0" encoding="utf-8"?>
+<p:sld xmlns:a="http://schemas.openxmlformats.org/drawingml/2006/main" xmlns:r="http://schemas.openxmlformats.org/officeDocument/2006/relationships" xmlns:p="http://schemas.openxmlformats.org/presentationml/2006/main">
+  <p:cSld>
+    <p:spTree>
+      <p:nvGrpSpPr>
+        <p:cNvPr id="1" name=""/>
+        <p:cNvGrpSpPr/>
+        <p:nvPr/>
+      </p:nvGrpSpPr>
+      <p:grpSpPr>
+        <a:xfrm>
+          <a:off x="0" y="0"/>
+          <a:ext cx="0" cy="0"/>
+          <a:chOff x="0" y="0"/>
+          <a:chExt cx="0" cy="0"/>
+        </a:xfrm>
+      </p:grpSpPr>
+      <p:sp>
+        <p:nvSpPr>
+          <p:cNvPr id="13313" name="Title 8"/>
+          <p:cNvSpPr>
+            <a:spLocks noGrp="1"/>
+          </p:cNvSpPr>
+          <p:nvPr>
+            <p:ph type="title"/>
+          </p:nvPr>
+        </p:nvSpPr>
+        <p:spPr/>
+        <p:txBody>
+          <a:bodyPr/>
+          <a:lstStyle/>
+          <a:p>
+            <a:pPr eaLnBrk="1" hangingPunct="1"/>
+            <a:r>
+              <a:rPr lang="en-US" altLang="en-US" dirty="0" smtClean="0">
+                <a:ea typeface="ＭＳ Ｐゴシック" charset="-128"/>
+              </a:rPr>
+              <a:t>Agenda</a:t>
+            </a:r>
+            <a:endParaRPr lang="en-US" altLang="en-US" dirty="0">
+              <a:ea typeface="ＭＳ Ｐゴシック" charset="-128"/>
+            </a:endParaRPr>
+          </a:p>
+        </p:txBody>
+      </p:sp>
+      <p:sp>
+        <p:nvSpPr>
+          <p:cNvPr id="13" name="Rectangle 12"/>
+          <p:cNvSpPr>
+            <a:spLocks noChangeArrowheads="1"/>
+          </p:cNvSpPr>
+          <p:nvPr/>
+        </p:nvSpPr>
+        <p:spPr bwMode="auto">
+          <a:xfrm>
+            <a:off x="342900" y="1020763"/>
+            <a:ext cx="7981950" cy="4093428"/>
+          </a:xfrm>
+          <a:prstGeom prst="rect">
+            <a:avLst/>
+          </a:prstGeom>
+          <a:noFill/>
+          <a:ln>
+            <a:noFill/>
+          </a:ln>
+          <a:extLst/>
+        </p:spPr>
+        <p:txBody>
+          <a:bodyPr>
+            <a:spAutoFit/>
+          </a:bodyPr>
+          <a:lstStyle/>
+          <a:p>
+            <a:pPr eaLnBrk="1" hangingPunct="1">
+              <a:defRPr/>
+            </a:pPr>
+            <a:endParaRPr lang="en-US" sz="2000" dirty="0">
+              <a:latin typeface="+mn-lt"/>
+              <a:ea typeface="ＭＳ Ｐゴシック" charset="0"/>
+              <a:cs typeface="ＭＳ Ｐゴシック" charset="0"/>
+            </a:endParaRPr>
+          </a:p>
+          <a:p>
+            <a:pPr marL="342900" indent="-342900" eaLnBrk="1" hangingPunct="1">
+              <a:buFont typeface="Arial"/>
+              <a:buChar char="•"/>
+              <a:defRPr/>
+            </a:pPr>
+            <a:r>
+              <a:rPr lang="en-US" sz="2000" dirty="0" smtClean="0">
+                <a:latin typeface="+mn-lt"/>
+                <a:ea typeface="ＭＳ Ｐゴシック" charset="0"/>
+                <a:cs typeface="ＭＳ Ｐゴシック" charset="0"/>
+              </a:rPr>
+              <a:t>Compare Metadata Evaluation Techniques</a:t>
+            </a:r>
+          </a:p>
+          <a:p>
+            <a:pPr marL="800100" lvl="1" indent="-342900" eaLnBrk="1" hangingPunct="1">
+              <a:buFont typeface="Arial"/>
+              <a:buChar char="•"/>
+              <a:defRPr/>
+            </a:pPr>
+            <a:r>
+              <a:rPr lang="en-US" sz="2000" dirty="0" smtClean="0">
+                <a:latin typeface="+mn-lt"/>
+                <a:ea typeface="ＭＳ Ｐゴシック" charset="0"/>
+                <a:cs typeface="ＭＳ Ｐゴシック" charset="0"/>
+              </a:rPr>
+              <a:t>RAD Approach</a:t>
+            </a:r>
+          </a:p>
+          <a:p>
+            <a:pPr marL="800100" lvl="1" indent="-342900" eaLnBrk="1" hangingPunct="1">
+              <a:buFont typeface="Arial"/>
+              <a:buChar char="•"/>
+              <a:defRPr/>
+            </a:pPr>
+            <a:r>
+              <a:rPr lang="en-US" sz="2000" dirty="0" smtClean="0">
+                <a:latin typeface="+mn-lt"/>
+                <a:ea typeface="ＭＳ Ｐゴシック" charset="0"/>
+                <a:cs typeface="ＭＳ Ｐゴシック" charset="0"/>
+              </a:rPr>
+              <a:t>TRAD Approach</a:t>
+            </a:r>
+          </a:p>
+          <a:p>
+            <a:pPr marL="800100" lvl="1" indent="-342900" eaLnBrk="1" hangingPunct="1">
+              <a:buFont typeface="Arial"/>
+              <a:buChar char="•"/>
+              <a:defRPr/>
+            </a:pPr>
+            <a:r>
+              <a:rPr lang="en-US" sz="2000" dirty="0" smtClean="0">
+                <a:latin typeface="+mn-lt"/>
+                <a:ea typeface="ＭＳ Ｐゴシック" charset="0"/>
+                <a:cs typeface="ＭＳ Ｐゴシック" charset="0"/>
+              </a:rPr>
+              <a:t>Quick </a:t>
+            </a:r>
+            <a:r>
+              <a:rPr lang="en-US" sz="2000" dirty="0" err="1" smtClean="0">
+                <a:latin typeface="+mn-lt"/>
+                <a:ea typeface="ＭＳ Ｐゴシック" charset="0"/>
+                <a:cs typeface="ＭＳ Ｐゴシック" charset="0"/>
+              </a:rPr>
+              <a:t>Eval</a:t>
+            </a:r>
+            <a:r>
+              <a:rPr lang="en-US" sz="2000" dirty="0" smtClean="0">
+                <a:latin typeface="+mn-lt"/>
+                <a:ea typeface="ＭＳ Ｐゴシック" charset="0"/>
+                <a:cs typeface="ＭＳ Ｐゴシック" charset="0"/>
+              </a:rPr>
+              <a:t> Reports</a:t>
+            </a:r>
+          </a:p>
+          <a:p>
+            <a:pPr marL="342900" indent="-342900" eaLnBrk="1" hangingPunct="1">
+              <a:buFont typeface="Arial"/>
+              <a:buChar char="•"/>
+              <a:defRPr/>
+            </a:pPr>
+            <a:endParaRPr lang="en-US" sz="2000" dirty="0">
+              <a:latin typeface="+mn-lt"/>
+              <a:ea typeface="ＭＳ Ｐゴシック" charset="0"/>
+              <a:cs typeface="ＭＳ Ｐゴシック" charset="0"/>
+            </a:endParaRPr>
+          </a:p>
+          <a:p>
+            <a:pPr marL="342900" indent="-342900" eaLnBrk="1" hangingPunct="1">
+              <a:buFont typeface="Arial"/>
+              <a:buChar char="•"/>
+              <a:defRPr/>
+            </a:pPr>
+            <a:r>
+              <a:rPr lang="en-US" sz="2000" dirty="0" err="1" smtClean="0">
+                <a:latin typeface="+mn-lt"/>
+                <a:ea typeface="ＭＳ Ｐゴシック" charset="0"/>
+                <a:cs typeface="ＭＳ Ｐゴシック" charset="0"/>
+              </a:rPr>
+              <a:t>GeoTraces</a:t>
+            </a:r>
+            <a:r>
+              <a:rPr lang="en-US" sz="2000" dirty="0" smtClean="0">
+                <a:latin typeface="+mn-lt"/>
+                <a:ea typeface="ＭＳ Ｐゴシック" charset="0"/>
+                <a:cs typeface="ＭＳ Ｐゴシック" charset="0"/>
+              </a:rPr>
+              <a:t> Metadata RAD Report (Summer ESIP)</a:t>
+            </a:r>
+          </a:p>
+          <a:p>
+            <a:pPr marL="342900" indent="-342900" eaLnBrk="1" hangingPunct="1">
+              <a:buFont typeface="Arial"/>
+              <a:buChar char="•"/>
+              <a:defRPr/>
+            </a:pPr>
+            <a:endParaRPr lang="en-US" sz="2000" dirty="0">
+              <a:latin typeface="+mn-lt"/>
+              <a:ea typeface="ＭＳ Ｐゴシック" charset="0"/>
+              <a:cs typeface="ＭＳ Ｐゴシック" charset="0"/>
+            </a:endParaRPr>
+          </a:p>
+          <a:p>
+            <a:pPr marL="342900" indent="-342900" eaLnBrk="1" hangingPunct="1">
+              <a:buFont typeface="Arial"/>
+              <a:buChar char="•"/>
+              <a:defRPr/>
+            </a:pPr>
+            <a:r>
+              <a:rPr lang="en-US" sz="2000" dirty="0" err="1" smtClean="0">
+                <a:latin typeface="+mn-lt"/>
+                <a:ea typeface="ＭＳ Ｐゴシック" charset="0"/>
+                <a:cs typeface="ＭＳ Ｐゴシック" charset="0"/>
+              </a:rPr>
+              <a:t>GeoTraces</a:t>
+            </a:r>
+            <a:r>
+              <a:rPr lang="en-US" sz="2000" dirty="0" smtClean="0">
+                <a:latin typeface="+mn-lt"/>
+                <a:ea typeface="ＭＳ Ｐゴシック" charset="0"/>
+                <a:cs typeface="ＭＳ Ｐゴシック" charset="0"/>
+              </a:rPr>
+              <a:t> Updated Metadata RAD Report (October)</a:t>
+            </a:r>
+          </a:p>
+          <a:p>
+            <a:pPr marL="342900" indent="-342900" eaLnBrk="1" hangingPunct="1">
+              <a:buFont typeface="Arial"/>
+              <a:buChar char="•"/>
+              <a:defRPr/>
+            </a:pPr>
+            <a:endParaRPr lang="en-US" sz="2000" dirty="0">
+              <a:latin typeface="+mn-lt"/>
+              <a:ea typeface="ＭＳ Ｐゴシック" charset="0"/>
+              <a:cs typeface="ＭＳ Ｐゴシック" charset="0"/>
+            </a:endParaRPr>
+          </a:p>
+          <a:p>
+            <a:pPr marL="342900" indent="-342900" eaLnBrk="1" hangingPunct="1">
+              <a:buFont typeface="Arial"/>
+              <a:buChar char="•"/>
+              <a:defRPr/>
+            </a:pPr>
+            <a:r>
+              <a:rPr lang="en-US" sz="2000" dirty="0" smtClean="0">
+                <a:latin typeface="+mn-lt"/>
+                <a:ea typeface="ＭＳ Ｐゴシック" charset="0"/>
+                <a:cs typeface="ＭＳ Ｐゴシック" charset="0"/>
+              </a:rPr>
+              <a:t>Goals for November Workshop?</a:t>
+            </a:r>
+          </a:p>
+          <a:p>
+            <a:pPr lvl="1" eaLnBrk="1" hangingPunct="1">
+              <a:defRPr/>
+            </a:pPr>
+            <a:endParaRPr lang="en-US" sz="2000" dirty="0" smtClean="0">
+              <a:latin typeface="+mn-lt"/>
+              <a:ea typeface="ＭＳ Ｐゴシック" charset="0"/>
+              <a:cs typeface="ＭＳ Ｐゴシック" charset="0"/>
+            </a:endParaRPr>
+          </a:p>
+          <a:p>
+            <a:pPr eaLnBrk="1" hangingPunct="1">
+              <a:defRPr/>
+            </a:pPr>
+            <a:endParaRPr lang="en-US" sz="2000" dirty="0">
+              <a:latin typeface="+mn-lt"/>
+              <a:ea typeface="ＭＳ Ｐゴシック" charset="0"/>
+              <a:cs typeface="ＭＳ Ｐゴシック" charset="0"/>
+            </a:endParaRPr>
+          </a:p>
+        </p:txBody>
+      </p:sp>
+    </p:spTree>
+    <p:extLst>
+      <p:ext uri="{BB962C8B-B14F-4D97-AF65-F5344CB8AC3E}">
+        <p14:creationId xmlns:p14="http://schemas.microsoft.com/office/powerpoint/2010/main" val="3985358418"/>
+      </p:ext>
+    </p:extLst>
+  </p:cSld>
+  <p:clrMapOvr>
+    <a:masterClrMapping/>
+  </p:clrMapOvr>
+  <p:transition xmlns:p14="http://schemas.microsoft.com/office/powerpoint/2010/main" spd="med">
+    <p:wipe dir="d"/>
+  </p:transition>
+  <p:timing>
+    <p:tnLst>
+      <p:par>
+        <p:cTn xmlns:p14="http://schemas.microsoft.com/office/powerpoint/2010/main" id="1" dur="indefinite" restart="never" nodeType="tmRoot"/>
+      </p:par>
+    </p:tnLst>
+  </p:timing>
+</p:sld>
+</file>
+
+<file path=ppt/slides/slide20.xml><?xml version="1.0" encoding="utf-8"?>
 <p:sld xmlns:a="http://schemas.openxmlformats.org/drawingml/2006/main" xmlns:r="http://schemas.openxmlformats.org/officeDocument/2006/relationships" xmlns:p="http://schemas.openxmlformats.org/presentationml/2006/main" show="0">
   <p:cSld>
     <p:spTree>
@@ -14546,14 +16453,14 @@
           <a:ln/>
           <a:extLst>
             <a:ext uri="{909E8E84-426E-40dd-AFC4-6F175D3DCCD1}">
-              <a14:hiddenFill xmlns:a14="http://schemas.microsoft.com/office/drawing/2010/main" xmlns="">
+              <a14:hiddenFill xmlns:a14="http://schemas.microsoft.com/office/drawing/2010/main">
                 <a:solidFill>
                   <a:srgbClr val="FFFFFF"/>
                 </a:solidFill>
               </a14:hiddenFill>
             </a:ext>
             <a:ext uri="{91240B29-F687-4f45-9708-019B960494DF}">
-              <a14:hiddenLine xmlns:a14="http://schemas.microsoft.com/office/drawing/2010/main" xmlns="" w="9525">
+              <a14:hiddenLine xmlns:a14="http://schemas.microsoft.com/office/drawing/2010/main" w="9525">
                 <a:solidFill>
                   <a:srgbClr val="000000"/>
                 </a:solidFill>
@@ -14682,7 +16589,7 @@
                 </a:solidFill>
               </a:rPr>
               <a:pPr eaLnBrk="1" hangingPunct="1"/>
-              <a:t>19</a:t>
+              <a:t>20</a:t>
             </a:fld>
             <a:endParaRPr lang="en-US" altLang="en-US" sz="1200">
               <a:solidFill>
@@ -14714,14 +16621,14 @@
           </a:ln>
           <a:extLst>
             <a:ext uri="{909E8E84-426E-40dd-AFC4-6F175D3DCCD1}">
-              <a14:hiddenFill xmlns:a14="http://schemas.microsoft.com/office/drawing/2010/main" xmlns="">
+              <a14:hiddenFill xmlns:a14="http://schemas.microsoft.com/office/drawing/2010/main">
                 <a:solidFill>
                   <a:srgbClr val="FFFFFF"/>
                 </a:solidFill>
               </a14:hiddenFill>
             </a:ext>
             <a:ext uri="{91240B29-F687-4f45-9708-019B960494DF}">
-              <a14:hiddenLine xmlns:a14="http://schemas.microsoft.com/office/drawing/2010/main" xmlns="" w="9525">
+              <a14:hiddenLine xmlns:a14="http://schemas.microsoft.com/office/drawing/2010/main" w="9525">
                 <a:solidFill>
                   <a:srgbClr val="000000"/>
                 </a:solidFill>
@@ -14879,14 +16786,14 @@
           </a:ln>
           <a:extLst>
             <a:ext uri="{909E8E84-426E-40dd-AFC4-6F175D3DCCD1}">
-              <a14:hiddenFill xmlns:a14="http://schemas.microsoft.com/office/drawing/2010/main" xmlns="">
+              <a14:hiddenFill xmlns:a14="http://schemas.microsoft.com/office/drawing/2010/main">
                 <a:solidFill>
                   <a:srgbClr val="FFFFFF"/>
                 </a:solidFill>
               </a14:hiddenFill>
             </a:ext>
             <a:ext uri="{91240B29-F687-4f45-9708-019B960494DF}">
-              <a14:hiddenLine xmlns:a14="http://schemas.microsoft.com/office/drawing/2010/main" xmlns="" w="9525">
+              <a14:hiddenLine xmlns:a14="http://schemas.microsoft.com/office/drawing/2010/main" w="9525">
                 <a:solidFill>
                   <a:srgbClr val="000000"/>
                 </a:solidFill>
@@ -15044,14 +16951,14 @@
           </a:ln>
           <a:extLst>
             <a:ext uri="{909E8E84-426E-40dd-AFC4-6F175D3DCCD1}">
-              <a14:hiddenFill xmlns:a14="http://schemas.microsoft.com/office/drawing/2010/main" xmlns="">
+              <a14:hiddenFill xmlns:a14="http://schemas.microsoft.com/office/drawing/2010/main">
                 <a:solidFill>
                   <a:srgbClr val="FFFFFF"/>
                 </a:solidFill>
               </a14:hiddenFill>
             </a:ext>
             <a:ext uri="{91240B29-F687-4f45-9708-019B960494DF}">
-              <a14:hiddenLine xmlns:a14="http://schemas.microsoft.com/office/drawing/2010/main" xmlns="" w="9525">
+              <a14:hiddenLine xmlns:a14="http://schemas.microsoft.com/office/drawing/2010/main" w="9525">
                 <a:solidFill>
                   <a:srgbClr val="000000"/>
                 </a:solidFill>
@@ -15209,14 +17116,14 @@
           </a:ln>
           <a:extLst>
             <a:ext uri="{909E8E84-426E-40dd-AFC4-6F175D3DCCD1}">
-              <a14:hiddenFill xmlns:a14="http://schemas.microsoft.com/office/drawing/2010/main" xmlns="">
+              <a14:hiddenFill xmlns:a14="http://schemas.microsoft.com/office/drawing/2010/main">
                 <a:solidFill>
                   <a:srgbClr val="FFFFFF"/>
                 </a:solidFill>
               </a14:hiddenFill>
             </a:ext>
             <a:ext uri="{91240B29-F687-4f45-9708-019B960494DF}">
-              <a14:hiddenLine xmlns:a14="http://schemas.microsoft.com/office/drawing/2010/main" xmlns="" w="9525">
+              <a14:hiddenLine xmlns:a14="http://schemas.microsoft.com/office/drawing/2010/main" w="9525">
                 <a:solidFill>
                   <a:srgbClr val="000000"/>
                 </a:solidFill>
@@ -15422,320 +17329,20 @@
   <p:clrMapOvr>
     <a:masterClrMapping/>
   </p:clrMapOvr>
-  <p:transition spd="med">
+  <p:transition xmlns:p14="http://schemas.microsoft.com/office/powerpoint/2010/main" spd="med">
     <p:wipe dir="d"/>
   </p:transition>
   <p:timing>
     <p:tnLst>
       <p:par>
-        <p:cTn id="1" dur="indefinite" restart="never" nodeType="tmRoot"/>
+        <p:cTn xmlns:p14="http://schemas.microsoft.com/office/powerpoint/2010/main" id="1" dur="indefinite" restart="never" nodeType="tmRoot"/>
       </p:par>
     </p:tnLst>
   </p:timing>
 </p:sld>
 </file>
 
-<file path=ppt/slides/slide2.xml><?xml version="1.0" encoding="utf-8"?>
-<p:sld xmlns:a="http://schemas.openxmlformats.org/drawingml/2006/main" xmlns:r="http://schemas.openxmlformats.org/officeDocument/2006/relationships" xmlns:p="http://schemas.openxmlformats.org/presentationml/2006/main">
-  <p:cSld>
-    <p:spTree>
-      <p:nvGrpSpPr>
-        <p:cNvPr id="1" name=""/>
-        <p:cNvGrpSpPr/>
-        <p:nvPr/>
-      </p:nvGrpSpPr>
-      <p:grpSpPr>
-        <a:xfrm>
-          <a:off x="0" y="0"/>
-          <a:ext cx="0" cy="0"/>
-          <a:chOff x="0" y="0"/>
-          <a:chExt cx="0" cy="0"/>
-        </a:xfrm>
-      </p:grpSpPr>
-      <p:sp>
-        <p:nvSpPr>
-          <p:cNvPr id="13313" name="Title 8"/>
-          <p:cNvSpPr>
-            <a:spLocks noGrp="1"/>
-          </p:cNvSpPr>
-          <p:nvPr>
-            <p:ph type="title"/>
-          </p:nvPr>
-        </p:nvSpPr>
-        <p:spPr/>
-        <p:txBody>
-          <a:bodyPr/>
-          <a:lstStyle/>
-          <a:p>
-            <a:pPr eaLnBrk="1" hangingPunct="1"/>
-            <a:r>
-              <a:rPr lang="en-US" altLang="en-US" dirty="0" smtClean="0">
-                <a:ea typeface="ＭＳ Ｐゴシック" charset="-128"/>
-              </a:rPr>
-              <a:t>Agenda</a:t>
-            </a:r>
-            <a:endParaRPr lang="en-US" altLang="en-US" dirty="0">
-              <a:ea typeface="ＭＳ Ｐゴシック" charset="-128"/>
-            </a:endParaRPr>
-          </a:p>
-        </p:txBody>
-      </p:sp>
-      <p:sp>
-        <p:nvSpPr>
-          <p:cNvPr id="13" name="Rectangle 12"/>
-          <p:cNvSpPr>
-            <a:spLocks noChangeArrowheads="1"/>
-          </p:cNvSpPr>
-          <p:nvPr/>
-        </p:nvSpPr>
-        <p:spPr bwMode="auto">
-          <a:xfrm>
-            <a:off x="342900" y="1020763"/>
-            <a:ext cx="7981950" cy="4093428"/>
-          </a:xfrm>
-          <a:prstGeom prst="rect">
-            <a:avLst/>
-          </a:prstGeom>
-          <a:noFill/>
-          <a:ln>
-            <a:noFill/>
-          </a:ln>
-          <a:extLst/>
-        </p:spPr>
-        <p:txBody>
-          <a:bodyPr>
-            <a:spAutoFit/>
-          </a:bodyPr>
-          <a:lstStyle/>
-          <a:p>
-            <a:pPr eaLnBrk="1" hangingPunct="1">
-              <a:defRPr/>
-            </a:pPr>
-            <a:endParaRPr lang="en-US" sz="2000" dirty="0">
-              <a:latin typeface="+mn-lt"/>
-              <a:ea typeface="ＭＳ Ｐゴシック" charset="0"/>
-              <a:cs typeface="ＭＳ Ｐゴシック" charset="0"/>
-            </a:endParaRPr>
-          </a:p>
-          <a:p>
-            <a:pPr marL="342900" indent="-342900" eaLnBrk="1" hangingPunct="1">
-              <a:buFont typeface="Arial"/>
-              <a:buChar char="•"/>
-              <a:defRPr/>
-            </a:pPr>
-            <a:r>
-              <a:rPr lang="en-US" sz="2000" dirty="0" smtClean="0">
-                <a:latin typeface="+mn-lt"/>
-                <a:ea typeface="ＭＳ Ｐゴシック" charset="0"/>
-                <a:cs typeface="ＭＳ Ｐゴシック" charset="0"/>
-              </a:rPr>
-              <a:t>Compare Metadata Evaluation Techniques</a:t>
-            </a:r>
-          </a:p>
-          <a:p>
-            <a:pPr marL="800100" lvl="1" indent="-342900" eaLnBrk="1" hangingPunct="1">
-              <a:buFont typeface="Arial"/>
-              <a:buChar char="•"/>
-              <a:defRPr/>
-            </a:pPr>
-            <a:r>
-              <a:rPr lang="en-US" sz="2000" dirty="0" smtClean="0">
-                <a:latin typeface="+mn-lt"/>
-                <a:ea typeface="ＭＳ Ｐゴシック" charset="0"/>
-                <a:cs typeface="ＭＳ Ｐゴシック" charset="0"/>
-              </a:rPr>
-              <a:t>RAD Approach</a:t>
-            </a:r>
-          </a:p>
-          <a:p>
-            <a:pPr marL="800100" lvl="1" indent="-342900" eaLnBrk="1" hangingPunct="1">
-              <a:buFont typeface="Arial"/>
-              <a:buChar char="•"/>
-              <a:defRPr/>
-            </a:pPr>
-            <a:r>
-              <a:rPr lang="en-US" sz="2000" dirty="0" smtClean="0">
-                <a:latin typeface="+mn-lt"/>
-                <a:ea typeface="ＭＳ Ｐゴシック" charset="0"/>
-                <a:cs typeface="ＭＳ Ｐゴシック" charset="0"/>
-              </a:rPr>
-              <a:t>TRAD Approach</a:t>
-            </a:r>
-          </a:p>
-          <a:p>
-            <a:pPr marL="800100" lvl="1" indent="-342900" eaLnBrk="1" hangingPunct="1">
-              <a:buFont typeface="Arial"/>
-              <a:buChar char="•"/>
-              <a:defRPr/>
-            </a:pPr>
-            <a:r>
-              <a:rPr lang="en-US" sz="2000" dirty="0" smtClean="0">
-                <a:latin typeface="+mn-lt"/>
-                <a:ea typeface="ＭＳ Ｐゴシック" charset="0"/>
-                <a:cs typeface="ＭＳ Ｐゴシック" charset="0"/>
-              </a:rPr>
-              <a:t>Quick </a:t>
-            </a:r>
-            <a:r>
-              <a:rPr lang="en-US" sz="2000" dirty="0" err="1" smtClean="0">
-                <a:latin typeface="+mn-lt"/>
-                <a:ea typeface="ＭＳ Ｐゴシック" charset="0"/>
-                <a:cs typeface="ＭＳ Ｐゴシック" charset="0"/>
-              </a:rPr>
-              <a:t>Eval</a:t>
-            </a:r>
-            <a:r>
-              <a:rPr lang="en-US" sz="2000" dirty="0" smtClean="0">
-                <a:latin typeface="+mn-lt"/>
-                <a:ea typeface="ＭＳ Ｐゴシック" charset="0"/>
-                <a:cs typeface="ＭＳ Ｐゴシック" charset="0"/>
-              </a:rPr>
-              <a:t> Reports</a:t>
-            </a:r>
-          </a:p>
-          <a:p>
-            <a:pPr marL="342900" indent="-342900" eaLnBrk="1" hangingPunct="1">
-              <a:buFont typeface="Arial"/>
-              <a:buChar char="•"/>
-              <a:defRPr/>
-            </a:pPr>
-            <a:endParaRPr lang="en-US" sz="2000" dirty="0">
-              <a:latin typeface="+mn-lt"/>
-              <a:ea typeface="ＭＳ Ｐゴシック" charset="0"/>
-              <a:cs typeface="ＭＳ Ｐゴシック" charset="0"/>
-            </a:endParaRPr>
-          </a:p>
-          <a:p>
-            <a:pPr marL="342900" indent="-342900" eaLnBrk="1" hangingPunct="1">
-              <a:buFont typeface="Arial"/>
-              <a:buChar char="•"/>
-              <a:defRPr/>
-            </a:pPr>
-            <a:r>
-              <a:rPr lang="en-US" sz="2000" dirty="0" err="1" smtClean="0">
-                <a:latin typeface="+mn-lt"/>
-                <a:ea typeface="ＭＳ Ｐゴシック" charset="0"/>
-                <a:cs typeface="ＭＳ Ｐゴシック" charset="0"/>
-              </a:rPr>
-              <a:t>GeoTraces</a:t>
-            </a:r>
-            <a:r>
-              <a:rPr lang="en-US" sz="2000" dirty="0" smtClean="0">
-                <a:latin typeface="+mn-lt"/>
-                <a:ea typeface="ＭＳ Ｐゴシック" charset="0"/>
-                <a:cs typeface="ＭＳ Ｐゴシック" charset="0"/>
-              </a:rPr>
-              <a:t> Metadata RAD Report (Summer ESIP)</a:t>
-            </a:r>
-          </a:p>
-          <a:p>
-            <a:pPr marL="342900" indent="-342900" eaLnBrk="1" hangingPunct="1">
-              <a:buFont typeface="Arial"/>
-              <a:buChar char="•"/>
-              <a:defRPr/>
-            </a:pPr>
-            <a:endParaRPr lang="en-US" sz="2000" dirty="0">
-              <a:latin typeface="+mn-lt"/>
-              <a:ea typeface="ＭＳ Ｐゴシック" charset="0"/>
-              <a:cs typeface="ＭＳ Ｐゴシック" charset="0"/>
-            </a:endParaRPr>
-          </a:p>
-          <a:p>
-            <a:pPr marL="342900" indent="-342900" eaLnBrk="1" hangingPunct="1">
-              <a:buFont typeface="Arial"/>
-              <a:buChar char="•"/>
-              <a:defRPr/>
-            </a:pPr>
-            <a:r>
-              <a:rPr lang="en-US" sz="2000" dirty="0" err="1" smtClean="0">
-                <a:latin typeface="+mn-lt"/>
-                <a:ea typeface="ＭＳ Ｐゴシック" charset="0"/>
-                <a:cs typeface="ＭＳ Ｐゴシック" charset="0"/>
-              </a:rPr>
-              <a:t>GeoTraces</a:t>
-            </a:r>
-            <a:r>
-              <a:rPr lang="en-US" sz="2000" dirty="0" smtClean="0">
-                <a:latin typeface="+mn-lt"/>
-                <a:ea typeface="ＭＳ Ｐゴシック" charset="0"/>
-                <a:cs typeface="ＭＳ Ｐゴシック" charset="0"/>
-              </a:rPr>
-              <a:t> Updated Metadata RAD Report (October)</a:t>
-            </a:r>
-          </a:p>
-          <a:p>
-            <a:pPr marL="342900" indent="-342900" eaLnBrk="1" hangingPunct="1">
-              <a:buFont typeface="Arial"/>
-              <a:buChar char="•"/>
-              <a:defRPr/>
-            </a:pPr>
-            <a:endParaRPr lang="en-US" sz="2000" dirty="0">
-              <a:latin typeface="+mn-lt"/>
-              <a:ea typeface="ＭＳ Ｐゴシック" charset="0"/>
-              <a:cs typeface="ＭＳ Ｐゴシック" charset="0"/>
-            </a:endParaRPr>
-          </a:p>
-          <a:p>
-            <a:pPr marL="342900" indent="-342900" eaLnBrk="1" hangingPunct="1">
-              <a:buFont typeface="Arial"/>
-              <a:buChar char="•"/>
-              <a:defRPr/>
-            </a:pPr>
-            <a:r>
-              <a:rPr lang="en-US" sz="2000" dirty="0" smtClean="0">
-                <a:latin typeface="+mn-lt"/>
-                <a:ea typeface="ＭＳ Ｐゴシック" charset="0"/>
-                <a:cs typeface="ＭＳ Ｐゴシック" charset="0"/>
-              </a:rPr>
-              <a:t>Goals for November Workshop?</a:t>
-            </a:r>
-          </a:p>
-          <a:p>
-            <a:pPr lvl="1" eaLnBrk="1" hangingPunct="1">
-              <a:defRPr/>
-            </a:pPr>
-            <a:endParaRPr lang="en-US" sz="2000" dirty="0" smtClean="0">
-              <a:latin typeface="+mn-lt"/>
-              <a:ea typeface="ＭＳ Ｐゴシック" charset="0"/>
-              <a:cs typeface="ＭＳ Ｐゴシック" charset="0"/>
-            </a:endParaRPr>
-          </a:p>
-          <a:p>
-            <a:pPr eaLnBrk="1" hangingPunct="1">
-              <a:defRPr/>
-            </a:pPr>
-            <a:endParaRPr lang="en-US" sz="2000" dirty="0">
-              <a:latin typeface="+mn-lt"/>
-              <a:ea typeface="ＭＳ Ｐゴシック" charset="0"/>
-              <a:cs typeface="ＭＳ Ｐゴシック" charset="0"/>
-            </a:endParaRPr>
-          </a:p>
-        </p:txBody>
-      </p:sp>
-    </p:spTree>
-    <p:extLst>
-      <p:ext uri="{BB962C8B-B14F-4D97-AF65-F5344CB8AC3E}">
-        <p14:creationId xmlns:p14="http://schemas.microsoft.com/office/powerpoint/2010/main" val="3985358418"/>
-      </p:ext>
-    </p:extLst>
-  </p:cSld>
-  <p:clrMapOvr>
-    <a:masterClrMapping/>
-  </p:clrMapOvr>
-  <p:transition spd="med">
-    <p:wipe dir="d"/>
-  </p:transition>
-  <p:timing>
-    <p:tnLst>
-      <p:par>
-        <p:cTn id="1" dur="indefinite" restart="never" nodeType="tmRoot"/>
-      </p:par>
-    </p:tnLst>
-  </p:timing>
-</p:sld>
-</file>
-
-<file path=ppt/slides/slide20.xml><?xml version="1.0" encoding="utf-8"?>
+<file path=ppt/slides/slide21.xml><?xml version="1.0" encoding="utf-8"?>
 <p:sld xmlns:a="http://schemas.openxmlformats.org/drawingml/2006/main" xmlns:r="http://schemas.openxmlformats.org/officeDocument/2006/relationships" xmlns:p="http://schemas.openxmlformats.org/presentationml/2006/main" show="0">
   <p:cSld>
     <p:spTree>
@@ -15794,14 +17401,14 @@
           <a:ln/>
           <a:extLst>
             <a:ext uri="{909E8E84-426E-40dd-AFC4-6F175D3DCCD1}">
-              <a14:hiddenFill xmlns:a14="http://schemas.microsoft.com/office/drawing/2010/main" xmlns="">
+              <a14:hiddenFill xmlns:a14="http://schemas.microsoft.com/office/drawing/2010/main">
                 <a:solidFill>
                   <a:srgbClr val="FFFFFF"/>
                 </a:solidFill>
               </a14:hiddenFill>
             </a:ext>
             <a:ext uri="{91240B29-F687-4f45-9708-019B960494DF}">
-              <a14:hiddenLine xmlns:a14="http://schemas.microsoft.com/office/drawing/2010/main" xmlns="" w="9525">
+              <a14:hiddenLine xmlns:a14="http://schemas.microsoft.com/office/drawing/2010/main" w="9525">
                 <a:solidFill>
                   <a:srgbClr val="000000"/>
                 </a:solidFill>
@@ -15930,7 +17537,7 @@
                 </a:solidFill>
               </a:rPr>
               <a:pPr eaLnBrk="1" hangingPunct="1"/>
-              <a:t>20</a:t>
+              <a:t>21</a:t>
             </a:fld>
             <a:endParaRPr lang="en-US" altLang="en-US" sz="1200">
               <a:solidFill>
@@ -15962,14 +17569,14 @@
           </a:ln>
           <a:extLst>
             <a:ext uri="{909E8E84-426E-40dd-AFC4-6F175D3DCCD1}">
-              <a14:hiddenFill xmlns:a14="http://schemas.microsoft.com/office/drawing/2010/main" xmlns="">
+              <a14:hiddenFill xmlns:a14="http://schemas.microsoft.com/office/drawing/2010/main">
                 <a:solidFill>
                   <a:srgbClr val="FFFFFF"/>
                 </a:solidFill>
               </a14:hiddenFill>
             </a:ext>
             <a:ext uri="{91240B29-F687-4f45-9708-019B960494DF}">
-              <a14:hiddenLine xmlns:a14="http://schemas.microsoft.com/office/drawing/2010/main" xmlns="" w="9525">
+              <a14:hiddenLine xmlns:a14="http://schemas.microsoft.com/office/drawing/2010/main" w="9525">
                 <a:solidFill>
                   <a:srgbClr val="000000"/>
                 </a:solidFill>
@@ -16127,14 +17734,14 @@
           </a:ln>
           <a:extLst>
             <a:ext uri="{909E8E84-426E-40dd-AFC4-6F175D3DCCD1}">
-              <a14:hiddenFill xmlns:a14="http://schemas.microsoft.com/office/drawing/2010/main" xmlns="">
+              <a14:hiddenFill xmlns:a14="http://schemas.microsoft.com/office/drawing/2010/main">
                 <a:solidFill>
                   <a:srgbClr val="FFFFFF"/>
                 </a:solidFill>
               </a14:hiddenFill>
             </a:ext>
             <a:ext uri="{91240B29-F687-4f45-9708-019B960494DF}">
-              <a14:hiddenLine xmlns:a14="http://schemas.microsoft.com/office/drawing/2010/main" xmlns="" w="9525">
+              <a14:hiddenLine xmlns:a14="http://schemas.microsoft.com/office/drawing/2010/main" w="9525">
                 <a:solidFill>
                   <a:srgbClr val="000000"/>
                 </a:solidFill>
@@ -16292,14 +17899,14 @@
           </a:ln>
           <a:extLst>
             <a:ext uri="{909E8E84-426E-40dd-AFC4-6F175D3DCCD1}">
-              <a14:hiddenFill xmlns:a14="http://schemas.microsoft.com/office/drawing/2010/main" xmlns="">
+              <a14:hiddenFill xmlns:a14="http://schemas.microsoft.com/office/drawing/2010/main">
                 <a:solidFill>
                   <a:srgbClr val="FFFFFF"/>
                 </a:solidFill>
               </a14:hiddenFill>
             </a:ext>
             <a:ext uri="{91240B29-F687-4f45-9708-019B960494DF}">
-              <a14:hiddenLine xmlns:a14="http://schemas.microsoft.com/office/drawing/2010/main" xmlns="" w="9525">
+              <a14:hiddenLine xmlns:a14="http://schemas.microsoft.com/office/drawing/2010/main" w="9525">
                 <a:solidFill>
                   <a:srgbClr val="000000"/>
                 </a:solidFill>
@@ -16457,14 +18064,14 @@
           </a:ln>
           <a:extLst>
             <a:ext uri="{909E8E84-426E-40dd-AFC4-6F175D3DCCD1}">
-              <a14:hiddenFill xmlns:a14="http://schemas.microsoft.com/office/drawing/2010/main" xmlns="">
+              <a14:hiddenFill xmlns:a14="http://schemas.microsoft.com/office/drawing/2010/main">
                 <a:solidFill>
                   <a:srgbClr val="FFFFFF"/>
                 </a:solidFill>
               </a14:hiddenFill>
             </a:ext>
             <a:ext uri="{91240B29-F687-4f45-9708-019B960494DF}">
-              <a14:hiddenLine xmlns:a14="http://schemas.microsoft.com/office/drawing/2010/main" xmlns="" w="9525">
+              <a14:hiddenLine xmlns:a14="http://schemas.microsoft.com/office/drawing/2010/main" w="9525">
                 <a:solidFill>
                   <a:srgbClr val="000000"/>
                 </a:solidFill>
@@ -16605,7 +18212,7 @@
           <p:cNvPr id="9" name="Chart 8">
             <a:extLst>
               <a:ext uri="{FF2B5EF4-FFF2-40B4-BE49-F238E27FC236}">
-                <a16:creationId xmlns:xdr="http://schemas.openxmlformats.org/drawingml/2006/spreadsheetDrawing" xmlns="" xmlns:a16="http://schemas.microsoft.com/office/drawing/2014/main" xmlns:lc="http://schemas.openxmlformats.org/drawingml/2006/lockedCanvas" id="{00000000-0008-0000-0700-000003000000}"/>
+                <a16:creationId xmlns:lc="http://schemas.openxmlformats.org/drawingml/2006/lockedCanvas" xmlns:a16="http://schemas.microsoft.com/office/drawing/2014/main" xmlns="" xmlns:xdr="http://schemas.openxmlformats.org/drawingml/2006/spreadsheetDrawing" id="{00000000-0008-0000-0700-000003000000}"/>
               </a:ext>
             </a:extLst>
           </p:cNvPr>
@@ -16640,20 +18247,20 @@
   <p:clrMapOvr>
     <a:masterClrMapping/>
   </p:clrMapOvr>
-  <p:transition spd="med">
+  <p:transition xmlns:p14="http://schemas.microsoft.com/office/powerpoint/2010/main" spd="med">
     <p:wipe dir="d"/>
   </p:transition>
   <p:timing>
     <p:tnLst>
       <p:par>
-        <p:cTn id="1" dur="indefinite" restart="never" nodeType="tmRoot"/>
+        <p:cTn xmlns:p14="http://schemas.microsoft.com/office/powerpoint/2010/main" id="1" dur="indefinite" restart="never" nodeType="tmRoot"/>
       </p:par>
     </p:tnLst>
   </p:timing>
 </p:sld>
 </file>
 
-<file path=ppt/slides/slide21.xml><?xml version="1.0" encoding="utf-8"?>
+<file path=ppt/slides/slide22.xml><?xml version="1.0" encoding="utf-8"?>
 <p:sld xmlns:a="http://schemas.openxmlformats.org/drawingml/2006/main" xmlns:r="http://schemas.openxmlformats.org/officeDocument/2006/relationships" xmlns:p="http://schemas.openxmlformats.org/presentationml/2006/main" show="0">
   <p:cSld>
     <p:spTree>
@@ -16712,14 +18319,14 @@
           <a:ln/>
           <a:extLst>
             <a:ext uri="{909E8E84-426E-40dd-AFC4-6F175D3DCCD1}">
-              <a14:hiddenFill xmlns:a14="http://schemas.microsoft.com/office/drawing/2010/main" xmlns="">
+              <a14:hiddenFill xmlns:a14="http://schemas.microsoft.com/office/drawing/2010/main">
                 <a:solidFill>
                   <a:srgbClr val="FFFFFF"/>
                 </a:solidFill>
               </a14:hiddenFill>
             </a:ext>
             <a:ext uri="{91240B29-F687-4f45-9708-019B960494DF}">
-              <a14:hiddenLine xmlns:a14="http://schemas.microsoft.com/office/drawing/2010/main" xmlns="" w="9525">
+              <a14:hiddenLine xmlns:a14="http://schemas.microsoft.com/office/drawing/2010/main" w="9525">
                 <a:solidFill>
                   <a:srgbClr val="000000"/>
                 </a:solidFill>
@@ -16914,7 +18521,7 @@
                 <a:buFontTx/>
                 <a:buNone/>
               </a:pPr>
-              <a:t>21</a:t>
+              <a:t>22</a:t>
             </a:fld>
             <a:endParaRPr lang="en-US" altLang="en-US" sz="1200">
               <a:solidFill>
@@ -16946,14 +18553,14 @@
           </a:ln>
           <a:extLst>
             <a:ext uri="{909E8E84-426E-40dd-AFC4-6F175D3DCCD1}">
-              <a14:hiddenFill xmlns:a14="http://schemas.microsoft.com/office/drawing/2010/main" xmlns="">
+              <a14:hiddenFill xmlns:a14="http://schemas.microsoft.com/office/drawing/2010/main">
                 <a:solidFill>
                   <a:srgbClr val="FFFFFF"/>
                 </a:solidFill>
               </a14:hiddenFill>
             </a:ext>
             <a:ext uri="{91240B29-F687-4f45-9708-019B960494DF}">
-              <a14:hiddenLine xmlns:a14="http://schemas.microsoft.com/office/drawing/2010/main" xmlns="" w="9525">
+              <a14:hiddenLine xmlns:a14="http://schemas.microsoft.com/office/drawing/2010/main" w="9525">
                 <a:solidFill>
                   <a:srgbClr val="000000"/>
                 </a:solidFill>
@@ -17170,14 +18777,14 @@
           </a:ln>
           <a:extLst>
             <a:ext uri="{909E8E84-426E-40dd-AFC4-6F175D3DCCD1}">
-              <a14:hiddenFill xmlns:a14="http://schemas.microsoft.com/office/drawing/2010/main" xmlns="">
+              <a14:hiddenFill xmlns:a14="http://schemas.microsoft.com/office/drawing/2010/main">
                 <a:solidFill>
                   <a:srgbClr val="FFFFFF"/>
                 </a:solidFill>
               </a14:hiddenFill>
             </a:ext>
             <a:ext uri="{91240B29-F687-4f45-9708-019B960494DF}">
-              <a14:hiddenLine xmlns:a14="http://schemas.microsoft.com/office/drawing/2010/main" xmlns="" w="9525">
+              <a14:hiddenLine xmlns:a14="http://schemas.microsoft.com/office/drawing/2010/main" w="9525">
                 <a:solidFill>
                   <a:srgbClr val="000000"/>
                 </a:solidFill>
@@ -17394,14 +19001,14 @@
           </a:ln>
           <a:extLst>
             <a:ext uri="{909E8E84-426E-40dd-AFC4-6F175D3DCCD1}">
-              <a14:hiddenFill xmlns:a14="http://schemas.microsoft.com/office/drawing/2010/main" xmlns="">
+              <a14:hiddenFill xmlns:a14="http://schemas.microsoft.com/office/drawing/2010/main">
                 <a:solidFill>
                   <a:srgbClr val="FFFFFF"/>
                 </a:solidFill>
               </a14:hiddenFill>
             </a:ext>
             <a:ext uri="{91240B29-F687-4f45-9708-019B960494DF}">
-              <a14:hiddenLine xmlns:a14="http://schemas.microsoft.com/office/drawing/2010/main" xmlns="" w="9525">
+              <a14:hiddenLine xmlns:a14="http://schemas.microsoft.com/office/drawing/2010/main" w="9525">
                 <a:solidFill>
                   <a:srgbClr val="000000"/>
                 </a:solidFill>
@@ -17618,14 +19225,14 @@
           </a:ln>
           <a:extLst>
             <a:ext uri="{909E8E84-426E-40dd-AFC4-6F175D3DCCD1}">
-              <a14:hiddenFill xmlns:a14="http://schemas.microsoft.com/office/drawing/2010/main" xmlns="">
+              <a14:hiddenFill xmlns:a14="http://schemas.microsoft.com/office/drawing/2010/main">
                 <a:solidFill>
                   <a:srgbClr val="FFFFFF"/>
                 </a:solidFill>
               </a14:hiddenFill>
             </a:ext>
             <a:ext uri="{91240B29-F687-4f45-9708-019B960494DF}">
-              <a14:hiddenLine xmlns:a14="http://schemas.microsoft.com/office/drawing/2010/main" xmlns="" w="9525">
+              <a14:hiddenLine xmlns:a14="http://schemas.microsoft.com/office/drawing/2010/main" w="9525">
                 <a:solidFill>
                   <a:srgbClr val="000000"/>
                 </a:solidFill>
@@ -17860,20 +19467,20 @@
   <p:clrMapOvr>
     <a:masterClrMapping/>
   </p:clrMapOvr>
-  <p:transition spd="med">
+  <p:transition xmlns:p14="http://schemas.microsoft.com/office/powerpoint/2010/main" spd="med">
     <p:wipe dir="d"/>
   </p:transition>
   <p:timing>
     <p:tnLst>
       <p:par>
-        <p:cTn id="1" dur="indefinite" restart="never" nodeType="tmRoot"/>
+        <p:cTn xmlns:p14="http://schemas.microsoft.com/office/powerpoint/2010/main" id="1" dur="indefinite" restart="never" nodeType="tmRoot"/>
       </p:par>
     </p:tnLst>
   </p:timing>
 </p:sld>
 </file>
 
-<file path=ppt/slides/slide22.xml><?xml version="1.0" encoding="utf-8"?>
+<file path=ppt/slides/slide23.xml><?xml version="1.0" encoding="utf-8"?>
 <p:sld xmlns:a="http://schemas.openxmlformats.org/drawingml/2006/main" xmlns:r="http://schemas.openxmlformats.org/officeDocument/2006/relationships" xmlns:p="http://schemas.openxmlformats.org/presentationml/2006/main" show="0">
   <p:cSld>
     <p:spTree>
@@ -17929,14 +19536,14 @@
           <a:ln/>
           <a:extLst>
             <a:ext uri="{909E8E84-426E-40dd-AFC4-6F175D3DCCD1}">
-              <a14:hiddenFill xmlns:a14="http://schemas.microsoft.com/office/drawing/2010/main" xmlns="">
+              <a14:hiddenFill xmlns:a14="http://schemas.microsoft.com/office/drawing/2010/main">
                 <a:solidFill>
                   <a:srgbClr val="FFFFFF"/>
                 </a:solidFill>
               </a14:hiddenFill>
             </a:ext>
             <a:ext uri="{91240B29-F687-4f45-9708-019B960494DF}">
-              <a14:hiddenLine xmlns:a14="http://schemas.microsoft.com/office/drawing/2010/main" xmlns="" w="9525">
+              <a14:hiddenLine xmlns:a14="http://schemas.microsoft.com/office/drawing/2010/main" w="9525">
                 <a:solidFill>
                   <a:srgbClr val="000000"/>
                 </a:solidFill>
@@ -18131,7 +19738,7 @@
                 <a:buFontTx/>
                 <a:buNone/>
               </a:pPr>
-              <a:t>22</a:t>
+              <a:t>23</a:t>
             </a:fld>
             <a:endParaRPr lang="en-US" altLang="en-US" sz="1200">
               <a:solidFill>
@@ -18163,14 +19770,14 @@
           </a:ln>
           <a:extLst>
             <a:ext uri="{909E8E84-426E-40dd-AFC4-6F175D3DCCD1}">
-              <a14:hiddenFill xmlns:a14="http://schemas.microsoft.com/office/drawing/2010/main" xmlns="">
+              <a14:hiddenFill xmlns:a14="http://schemas.microsoft.com/office/drawing/2010/main">
                 <a:solidFill>
                   <a:srgbClr val="FFFFFF"/>
                 </a:solidFill>
               </a14:hiddenFill>
             </a:ext>
             <a:ext uri="{91240B29-F687-4f45-9708-019B960494DF}">
-              <a14:hiddenLine xmlns:a14="http://schemas.microsoft.com/office/drawing/2010/main" xmlns="" w="9525">
+              <a14:hiddenLine xmlns:a14="http://schemas.microsoft.com/office/drawing/2010/main" w="9525">
                 <a:solidFill>
                   <a:srgbClr val="000000"/>
                 </a:solidFill>
@@ -18387,14 +19994,14 @@
           </a:ln>
           <a:extLst>
             <a:ext uri="{909E8E84-426E-40dd-AFC4-6F175D3DCCD1}">
-              <a14:hiddenFill xmlns:a14="http://schemas.microsoft.com/office/drawing/2010/main" xmlns="">
+              <a14:hiddenFill xmlns:a14="http://schemas.microsoft.com/office/drawing/2010/main">
                 <a:solidFill>
                   <a:srgbClr val="FFFFFF"/>
                 </a:solidFill>
               </a14:hiddenFill>
             </a:ext>
             <a:ext uri="{91240B29-F687-4f45-9708-019B960494DF}">
-              <a14:hiddenLine xmlns:a14="http://schemas.microsoft.com/office/drawing/2010/main" xmlns="" w="9525">
+              <a14:hiddenLine xmlns:a14="http://schemas.microsoft.com/office/drawing/2010/main" w="9525">
                 <a:solidFill>
                   <a:srgbClr val="000000"/>
                 </a:solidFill>
@@ -18611,14 +20218,14 @@
           </a:ln>
           <a:extLst>
             <a:ext uri="{909E8E84-426E-40dd-AFC4-6F175D3DCCD1}">
-              <a14:hiddenFill xmlns:a14="http://schemas.microsoft.com/office/drawing/2010/main" xmlns="">
+              <a14:hiddenFill xmlns:a14="http://schemas.microsoft.com/office/drawing/2010/main">
                 <a:solidFill>
                   <a:srgbClr val="FFFFFF"/>
                 </a:solidFill>
               </a14:hiddenFill>
             </a:ext>
             <a:ext uri="{91240B29-F687-4f45-9708-019B960494DF}">
-              <a14:hiddenLine xmlns:a14="http://schemas.microsoft.com/office/drawing/2010/main" xmlns="" w="9525">
+              <a14:hiddenLine xmlns:a14="http://schemas.microsoft.com/office/drawing/2010/main" w="9525">
                 <a:solidFill>
                   <a:srgbClr val="000000"/>
                 </a:solidFill>
@@ -18835,14 +20442,14 @@
           </a:ln>
           <a:extLst>
             <a:ext uri="{909E8E84-426E-40dd-AFC4-6F175D3DCCD1}">
-              <a14:hiddenFill xmlns:a14="http://schemas.microsoft.com/office/drawing/2010/main" xmlns="">
+              <a14:hiddenFill xmlns:a14="http://schemas.microsoft.com/office/drawing/2010/main">
                 <a:solidFill>
                   <a:srgbClr val="FFFFFF"/>
                 </a:solidFill>
               </a14:hiddenFill>
             </a:ext>
             <a:ext uri="{91240B29-F687-4f45-9708-019B960494DF}">
-              <a14:hiddenLine xmlns:a14="http://schemas.microsoft.com/office/drawing/2010/main" xmlns="" w="9525">
+              <a14:hiddenLine xmlns:a14="http://schemas.microsoft.com/office/drawing/2010/main" w="9525">
                 <a:solidFill>
                   <a:srgbClr val="000000"/>
                 </a:solidFill>
@@ -19077,7 +20684,7 @@
           </a:ln>
           <a:extLst>
             <a:ext uri="{909E8E84-426E-40dd-AFC4-6F175D3DCCD1}">
-              <a14:hiddenFill xmlns:a14="http://schemas.microsoft.com/office/drawing/2010/main" xmlns="">
+              <a14:hiddenFill xmlns:a14="http://schemas.microsoft.com/office/drawing/2010/main">
                 <a:solidFill>
                   <a:srgbClr val="FFFFFF"/>
                 </a:solidFill>
@@ -19126,7 +20733,7 @@
           </a:ln>
           <a:extLst>
             <a:ext uri="{909E8E84-426E-40dd-AFC4-6F175D3DCCD1}">
-              <a14:hiddenFill xmlns:a14="http://schemas.microsoft.com/office/drawing/2010/main" xmlns="">
+              <a14:hiddenFill xmlns:a14="http://schemas.microsoft.com/office/drawing/2010/main">
                 <a:solidFill>
                   <a:srgbClr val="FFFFFF"/>
                 </a:solidFill>
@@ -19175,7 +20782,7 @@
           </a:ln>
           <a:extLst>
             <a:ext uri="{909E8E84-426E-40dd-AFC4-6F175D3DCCD1}">
-              <a14:hiddenFill xmlns:a14="http://schemas.microsoft.com/office/drawing/2010/main" xmlns="">
+              <a14:hiddenFill xmlns:a14="http://schemas.microsoft.com/office/drawing/2010/main">
                 <a:solidFill>
                   <a:srgbClr val="FFFFFF"/>
                 </a:solidFill>
@@ -19206,14 +20813,14 @@
           </a:ln>
           <a:extLst>
             <a:ext uri="{909E8E84-426E-40dd-AFC4-6F175D3DCCD1}">
-              <a14:hiddenFill xmlns:a14="http://schemas.microsoft.com/office/drawing/2010/main" xmlns="">
+              <a14:hiddenFill xmlns:a14="http://schemas.microsoft.com/office/drawing/2010/main">
                 <a:solidFill>
                   <a:srgbClr val="FFFFFF"/>
                 </a:solidFill>
               </a14:hiddenFill>
             </a:ext>
             <a:ext uri="{91240B29-F687-4f45-9708-019B960494DF}">
-              <a14:hiddenLine xmlns:a14="http://schemas.microsoft.com/office/drawing/2010/main" xmlns="" w="9525">
+              <a14:hiddenLine xmlns:a14="http://schemas.microsoft.com/office/drawing/2010/main" w="9525">
                 <a:solidFill>
                   <a:srgbClr val="000000"/>
                 </a:solidFill>
@@ -19417,13 +21024,13 @@
   <p:clrMapOvr>
     <a:masterClrMapping/>
   </p:clrMapOvr>
-  <p:transition spd="med">
+  <p:transition xmlns:p14="http://schemas.microsoft.com/office/powerpoint/2010/main" spd="med">
     <p:wipe dir="d"/>
   </p:transition>
   <p:timing>
     <p:tnLst>
       <p:par>
-        <p:cTn id="1" dur="indefinite" restart="never" nodeType="tmRoot">
+        <p:cTn xmlns:p14="http://schemas.microsoft.com/office/powerpoint/2010/main" id="1" dur="indefinite" restart="never" nodeType="tmRoot">
           <p:childTnLst>
             <p:seq concurrent="1" nextAc="seek">
               <p:cTn id="2" dur="indefinite" nodeType="mainSeq">
@@ -19615,7 +21222,7 @@
 </p:sld>
 </file>
 
-<file path=ppt/slides/slide23.xml><?xml version="1.0" encoding="utf-8"?>
+<file path=ppt/slides/slide24.xml><?xml version="1.0" encoding="utf-8"?>
 <p:sld xmlns:a="http://schemas.openxmlformats.org/drawingml/2006/main" xmlns:r="http://schemas.openxmlformats.org/officeDocument/2006/relationships" xmlns:p="http://schemas.openxmlformats.org/presentationml/2006/main" show="0">
   <p:cSld>
     <p:spTree>
@@ -19674,14 +21281,14 @@
           <a:ln/>
           <a:extLst>
             <a:ext uri="{909E8E84-426E-40dd-AFC4-6F175D3DCCD1}">
-              <a14:hiddenFill xmlns:a14="http://schemas.microsoft.com/office/drawing/2010/main" xmlns="">
+              <a14:hiddenFill xmlns:a14="http://schemas.microsoft.com/office/drawing/2010/main">
                 <a:solidFill>
                   <a:srgbClr val="FFFFFF"/>
                 </a:solidFill>
               </a14:hiddenFill>
             </a:ext>
             <a:ext uri="{91240B29-F687-4f45-9708-019B960494DF}">
-              <a14:hiddenLine xmlns:a14="http://schemas.microsoft.com/office/drawing/2010/main" xmlns="" w="9525">
+              <a14:hiddenLine xmlns:a14="http://schemas.microsoft.com/office/drawing/2010/main" w="9525">
                 <a:solidFill>
                   <a:srgbClr val="000000"/>
                 </a:solidFill>
@@ -19876,7 +21483,7 @@
                 <a:buFontTx/>
                 <a:buNone/>
               </a:pPr>
-              <a:t>23</a:t>
+              <a:t>24</a:t>
             </a:fld>
             <a:endParaRPr lang="en-US" altLang="en-US" sz="1200">
               <a:solidFill>
@@ -19908,14 +21515,14 @@
           </a:ln>
           <a:extLst>
             <a:ext uri="{909E8E84-426E-40dd-AFC4-6F175D3DCCD1}">
-              <a14:hiddenFill xmlns:a14="http://schemas.microsoft.com/office/drawing/2010/main" xmlns="">
+              <a14:hiddenFill xmlns:a14="http://schemas.microsoft.com/office/drawing/2010/main">
                 <a:solidFill>
                   <a:srgbClr val="FFFFFF"/>
                 </a:solidFill>
               </a14:hiddenFill>
             </a:ext>
             <a:ext uri="{91240B29-F687-4f45-9708-019B960494DF}">
-              <a14:hiddenLine xmlns:a14="http://schemas.microsoft.com/office/drawing/2010/main" xmlns="" w="9525">
+              <a14:hiddenLine xmlns:a14="http://schemas.microsoft.com/office/drawing/2010/main" w="9525">
                 <a:solidFill>
                   <a:srgbClr val="000000"/>
                 </a:solidFill>
@@ -20156,14 +21763,14 @@
           </a:ln>
           <a:extLst>
             <a:ext uri="{909E8E84-426E-40dd-AFC4-6F175D3DCCD1}">
-              <a14:hiddenFill xmlns:a14="http://schemas.microsoft.com/office/drawing/2010/main" xmlns="">
+              <a14:hiddenFill xmlns:a14="http://schemas.microsoft.com/office/drawing/2010/main">
                 <a:solidFill>
                   <a:srgbClr val="FFFFFF"/>
                 </a:solidFill>
               </a14:hiddenFill>
             </a:ext>
             <a:ext uri="{91240B29-F687-4f45-9708-019B960494DF}">
-              <a14:hiddenLine xmlns:a14="http://schemas.microsoft.com/office/drawing/2010/main" xmlns="" w="9525">
+              <a14:hiddenLine xmlns:a14="http://schemas.microsoft.com/office/drawing/2010/main" w="9525">
                 <a:solidFill>
                   <a:srgbClr val="000000"/>
                 </a:solidFill>
@@ -20380,14 +21987,14 @@
           </a:ln>
           <a:extLst>
             <a:ext uri="{909E8E84-426E-40dd-AFC4-6F175D3DCCD1}">
-              <a14:hiddenFill xmlns:a14="http://schemas.microsoft.com/office/drawing/2010/main" xmlns="">
+              <a14:hiddenFill xmlns:a14="http://schemas.microsoft.com/office/drawing/2010/main">
                 <a:solidFill>
                   <a:srgbClr val="FFFFFF"/>
                 </a:solidFill>
               </a14:hiddenFill>
             </a:ext>
             <a:ext uri="{91240B29-F687-4f45-9708-019B960494DF}">
-              <a14:hiddenLine xmlns:a14="http://schemas.microsoft.com/office/drawing/2010/main" xmlns="" w="9525">
+              <a14:hiddenLine xmlns:a14="http://schemas.microsoft.com/office/drawing/2010/main" w="9525">
                 <a:solidFill>
                   <a:srgbClr val="000000"/>
                 </a:solidFill>
@@ -20604,14 +22211,14 @@
           </a:ln>
           <a:extLst>
             <a:ext uri="{909E8E84-426E-40dd-AFC4-6F175D3DCCD1}">
-              <a14:hiddenFill xmlns:a14="http://schemas.microsoft.com/office/drawing/2010/main" xmlns="">
+              <a14:hiddenFill xmlns:a14="http://schemas.microsoft.com/office/drawing/2010/main">
                 <a:solidFill>
                   <a:srgbClr val="FFFFFF"/>
                 </a:solidFill>
               </a14:hiddenFill>
             </a:ext>
             <a:ext uri="{91240B29-F687-4f45-9708-019B960494DF}">
-              <a14:hiddenLine xmlns:a14="http://schemas.microsoft.com/office/drawing/2010/main" xmlns="" w="9525">
+              <a14:hiddenLine xmlns:a14="http://schemas.microsoft.com/office/drawing/2010/main" w="9525">
                 <a:solidFill>
                   <a:srgbClr val="000000"/>
                 </a:solidFill>
@@ -20850,13 +22457,13 @@
   <p:clrMapOvr>
     <a:masterClrMapping/>
   </p:clrMapOvr>
-  <p:transition spd="med">
+  <p:transition xmlns:p14="http://schemas.microsoft.com/office/powerpoint/2010/main" spd="med">
     <p:wipe dir="d"/>
   </p:transition>
   <p:timing>
     <p:tnLst>
       <p:par>
-        <p:cTn id="1" dur="indefinite" restart="never" nodeType="tmRoot">
+        <p:cTn xmlns:p14="http://schemas.microsoft.com/office/powerpoint/2010/main" id="1" dur="indefinite" restart="never" nodeType="tmRoot">
           <p:childTnLst>
             <p:seq concurrent="1" nextAc="seek">
               <p:cTn id="2" dur="indefinite" nodeType="mainSeq">
@@ -20935,7 +22542,7 @@
 </file>
 
 <file path=ppt/slides/slide3.xml><?xml version="1.0" encoding="utf-8"?>
-<p:sld xmlns:a="http://schemas.openxmlformats.org/drawingml/2006/main" xmlns:r="http://schemas.openxmlformats.org/officeDocument/2006/relationships" xmlns:p="http://schemas.openxmlformats.org/presentationml/2006/main">
+<p:sld xmlns:a="http://schemas.openxmlformats.org/drawingml/2006/main" xmlns:r="http://schemas.openxmlformats.org/officeDocument/2006/relationships" xmlns:p="http://schemas.openxmlformats.org/presentationml/2006/main" show="0">
   <p:cSld>
     <p:spTree>
       <p:nvGrpSpPr>
@@ -21512,13 +23119,13 @@
   <p:clrMapOvr>
     <a:masterClrMapping/>
   </p:clrMapOvr>
-  <p:transition spd="med">
+  <p:transition xmlns:p14="http://schemas.microsoft.com/office/powerpoint/2010/main" spd="med">
     <p:wipe dir="d"/>
   </p:transition>
   <p:timing>
     <p:tnLst>
       <p:par>
-        <p:cTn id="1" dur="indefinite" restart="never" nodeType="tmRoot">
+        <p:cTn xmlns:p14="http://schemas.microsoft.com/office/powerpoint/2010/main" id="1" dur="indefinite" restart="never" nodeType="tmRoot">
           <p:childTnLst>
             <p:seq concurrent="1" nextAc="seek">
               <p:cTn id="2" dur="indefinite" nodeType="mainSeq">
@@ -22059,13 +23666,13 @@
       <p:transition spd="slow" p14:dur="2000"/>
     </mc:Choice>
     <mc:Fallback>
-      <p:transition spd="slow"/>
+      <p:transition xmlns:p14="http://schemas.microsoft.com/office/powerpoint/2010/main" spd="slow"/>
     </mc:Fallback>
   </mc:AlternateContent>
   <p:timing>
     <p:tnLst>
       <p:par>
-        <p:cTn id="1" dur="indefinite" restart="never" nodeType="tmRoot">
+        <p:cTn xmlns:p14="http://schemas.microsoft.com/office/powerpoint/2010/main" id="1" dur="indefinite" restart="never" nodeType="tmRoot">
           <p:childTnLst>
             <p:seq concurrent="1" nextAc="seek">
               <p:cTn id="2" dur="indefinite" nodeType="mainSeq">
@@ -22679,14 +24286,14 @@
           <a:ln/>
           <a:extLst>
             <a:ext uri="{909E8E84-426E-40dd-AFC4-6F175D3DCCD1}">
-              <a14:hiddenFill xmlns:a14="http://schemas.microsoft.com/office/drawing/2010/main" xmlns="">
+              <a14:hiddenFill xmlns:a14="http://schemas.microsoft.com/office/drawing/2010/main">
                 <a:solidFill>
                   <a:srgbClr val="FFFFFF"/>
                 </a:solidFill>
               </a14:hiddenFill>
             </a:ext>
             <a:ext uri="{91240B29-F687-4f45-9708-019B960494DF}">
-              <a14:hiddenLine xmlns:a14="http://schemas.microsoft.com/office/drawing/2010/main" xmlns="" w="9525">
+              <a14:hiddenLine xmlns:a14="http://schemas.microsoft.com/office/drawing/2010/main" w="9525">
                 <a:solidFill>
                   <a:srgbClr val="000000"/>
                 </a:solidFill>
@@ -22847,14 +24454,14 @@
           </a:ln>
           <a:extLst>
             <a:ext uri="{909E8E84-426E-40dd-AFC4-6F175D3DCCD1}">
-              <a14:hiddenFill xmlns:a14="http://schemas.microsoft.com/office/drawing/2010/main" xmlns="">
+              <a14:hiddenFill xmlns:a14="http://schemas.microsoft.com/office/drawing/2010/main">
                 <a:solidFill>
                   <a:srgbClr val="FFFFFF"/>
                 </a:solidFill>
               </a14:hiddenFill>
             </a:ext>
             <a:ext uri="{91240B29-F687-4f45-9708-019B960494DF}">
-              <a14:hiddenLine xmlns:a14="http://schemas.microsoft.com/office/drawing/2010/main" xmlns="" w="9525">
+              <a14:hiddenLine xmlns:a14="http://schemas.microsoft.com/office/drawing/2010/main" w="9525">
                 <a:solidFill>
                   <a:srgbClr val="000000"/>
                 </a:solidFill>
@@ -23012,14 +24619,14 @@
           </a:ln>
           <a:extLst>
             <a:ext uri="{909E8E84-426E-40dd-AFC4-6F175D3DCCD1}">
-              <a14:hiddenFill xmlns:a14="http://schemas.microsoft.com/office/drawing/2010/main" xmlns="">
+              <a14:hiddenFill xmlns:a14="http://schemas.microsoft.com/office/drawing/2010/main">
                 <a:solidFill>
                   <a:srgbClr val="FFFFFF"/>
                 </a:solidFill>
               </a14:hiddenFill>
             </a:ext>
             <a:ext uri="{91240B29-F687-4f45-9708-019B960494DF}">
-              <a14:hiddenLine xmlns:a14="http://schemas.microsoft.com/office/drawing/2010/main" xmlns="" w="9525">
+              <a14:hiddenLine xmlns:a14="http://schemas.microsoft.com/office/drawing/2010/main" w="9525">
                 <a:solidFill>
                   <a:srgbClr val="000000"/>
                 </a:solidFill>
@@ -23177,14 +24784,14 @@
           </a:ln>
           <a:extLst>
             <a:ext uri="{909E8E84-426E-40dd-AFC4-6F175D3DCCD1}">
-              <a14:hiddenFill xmlns:a14="http://schemas.microsoft.com/office/drawing/2010/main" xmlns="">
+              <a14:hiddenFill xmlns:a14="http://schemas.microsoft.com/office/drawing/2010/main">
                 <a:solidFill>
                   <a:srgbClr val="FFFFFF"/>
                 </a:solidFill>
               </a14:hiddenFill>
             </a:ext>
             <a:ext uri="{91240B29-F687-4f45-9708-019B960494DF}">
-              <a14:hiddenLine xmlns:a14="http://schemas.microsoft.com/office/drawing/2010/main" xmlns="" w="9525">
+              <a14:hiddenLine xmlns:a14="http://schemas.microsoft.com/office/drawing/2010/main" w="9525">
                 <a:solidFill>
                   <a:srgbClr val="000000"/>
                 </a:solidFill>
@@ -23342,14 +24949,14 @@
           </a:ln>
           <a:extLst>
             <a:ext uri="{909E8E84-426E-40dd-AFC4-6F175D3DCCD1}">
-              <a14:hiddenFill xmlns:a14="http://schemas.microsoft.com/office/drawing/2010/main" xmlns="">
+              <a14:hiddenFill xmlns:a14="http://schemas.microsoft.com/office/drawing/2010/main">
                 <a:solidFill>
                   <a:srgbClr val="FFFFFF"/>
                 </a:solidFill>
               </a14:hiddenFill>
             </a:ext>
             <a:ext uri="{91240B29-F687-4f45-9708-019B960494DF}">
-              <a14:hiddenLine xmlns:a14="http://schemas.microsoft.com/office/drawing/2010/main" xmlns="" w="9525">
+              <a14:hiddenLine xmlns:a14="http://schemas.microsoft.com/office/drawing/2010/main" w="9525">
                 <a:solidFill>
                   <a:srgbClr val="000000"/>
                 </a:solidFill>
@@ -23642,13 +25249,13 @@
   <p:clrMapOvr>
     <a:masterClrMapping/>
   </p:clrMapOvr>
-  <p:transition spd="med">
+  <p:transition xmlns:p14="http://schemas.microsoft.com/office/powerpoint/2010/main" spd="med">
     <p:wipe dir="d"/>
   </p:transition>
   <p:timing>
     <p:tnLst>
       <p:par>
-        <p:cTn id="1" dur="indefinite" restart="never" nodeType="tmRoot"/>
+        <p:cTn xmlns:p14="http://schemas.microsoft.com/office/powerpoint/2010/main" id="1" dur="indefinite" restart="never" nodeType="tmRoot"/>
       </p:par>
     </p:tnLst>
   </p:timing>
@@ -23822,13 +25429,13 @@
   <p:clrMapOvr>
     <a:masterClrMapping/>
   </p:clrMapOvr>
-  <p:transition spd="med">
+  <p:transition xmlns:p14="http://schemas.microsoft.com/office/powerpoint/2010/main" spd="med">
     <p:wipe dir="d"/>
   </p:transition>
   <p:timing>
     <p:tnLst>
       <p:par>
-        <p:cTn id="1" dur="indefinite" restart="never" nodeType="tmRoot"/>
+        <p:cTn xmlns:p14="http://schemas.microsoft.com/office/powerpoint/2010/main" id="1" dur="indefinite" restart="never" nodeType="tmRoot"/>
       </p:par>
     </p:tnLst>
   </p:timing>
@@ -24034,13 +25641,13 @@
   <p:clrMapOvr>
     <a:masterClrMapping/>
   </p:clrMapOvr>
-  <p:transition spd="med">
+  <p:transition xmlns:p14="http://schemas.microsoft.com/office/powerpoint/2010/main" spd="med">
     <p:wipe dir="d"/>
   </p:transition>
   <p:timing>
     <p:tnLst>
       <p:par>
-        <p:cTn id="1" dur="indefinite" restart="never" nodeType="tmRoot"/>
+        <p:cTn xmlns:p14="http://schemas.microsoft.com/office/powerpoint/2010/main" id="1" dur="indefinite" restart="never" nodeType="tmRoot"/>
       </p:par>
     </p:tnLst>
   </p:timing>
@@ -24170,15 +25777,7 @@
             </a:pPr>
             <a:r>
               <a:rPr lang="en-US" sz="1200" dirty="0" smtClean="0"/>
-              <a:t>Provides </a:t>
-            </a:r>
-            <a:r>
-              <a:rPr lang="en-US" sz="1200" dirty="0" smtClean="0"/>
-              <a:t>a more granular </a:t>
-            </a:r>
-            <a:r>
-              <a:rPr lang="en-US" sz="1200" dirty="0" smtClean="0"/>
-              <a:t>view of the metadata.  All fields in an object can be compared.</a:t>
+              <a:t>Provides a more granular view of the metadata.  All fields in an object can be compared.</a:t>
             </a:r>
           </a:p>
           <a:p>
@@ -24296,13 +25895,13 @@
   <p:clrMapOvr>
     <a:masterClrMapping/>
   </p:clrMapOvr>
-  <p:transition spd="med">
+  <p:transition xmlns:p14="http://schemas.microsoft.com/office/powerpoint/2010/main" spd="med">
     <p:wipe dir="d"/>
   </p:transition>
   <p:timing>
     <p:tnLst>
       <p:par>
-        <p:cTn id="1" dur="indefinite" restart="never" nodeType="tmRoot"/>
+        <p:cTn xmlns:p14="http://schemas.microsoft.com/office/powerpoint/2010/main" id="1" dur="indefinite" restart="never" nodeType="tmRoot"/>
       </p:par>
     </p:tnLst>
   </p:timing>
@@ -24560,13 +26159,13 @@
   <p:clrMapOvr>
     <a:masterClrMapping/>
   </p:clrMapOvr>
-  <p:transition spd="med">
+  <p:transition xmlns:p14="http://schemas.microsoft.com/office/powerpoint/2010/main" spd="med">
     <p:wipe dir="d"/>
   </p:transition>
   <p:timing>
     <p:tnLst>
       <p:par>
-        <p:cTn id="1" dur="indefinite" restart="never" nodeType="tmRoot">
+        <p:cTn xmlns:p14="http://schemas.microsoft.com/office/powerpoint/2010/main" id="1" dur="indefinite" restart="never" nodeType="tmRoot">
           <p:childTnLst>
             <p:seq concurrent="1" nextAc="seek">
               <p:cTn id="2" dur="indefinite" nodeType="mainSeq">
